--- a/Image Compression Algorithms.pptx
+++ b/Image Compression Algorithms.pptx
@@ -32782,6 +32782,71 @@
           </a:p>
         </p:txBody>
       </p:sp>
+      <p:sp>
+        <p:nvSpPr>
+          <p:cNvPr id="9" name="TextBox 8">
+            <a:extLst>
+              <a:ext uri="{FF2B5EF4-FFF2-40B4-BE49-F238E27FC236}">
+                <a16:creationId xmlns:a16="http://schemas.microsoft.com/office/drawing/2014/main" id="{20EB963F-8DDC-30DB-F5A9-EF1498521D31}"/>
+              </a:ext>
+            </a:extLst>
+          </p:cNvPr>
+          <p:cNvSpPr txBox="1"/>
+          <p:nvPr/>
+        </p:nvSpPr>
+        <p:spPr>
+          <a:xfrm>
+            <a:off x="3508865" y="5758934"/>
+            <a:ext cx="6106256" cy="369332"/>
+          </a:xfrm>
+          <a:prstGeom prst="rect">
+            <a:avLst/>
+          </a:prstGeom>
+          <a:noFill/>
+        </p:spPr>
+        <p:txBody>
+          <a:bodyPr wrap="square">
+            <a:spAutoFit/>
+          </a:bodyPr>
+          <a:lstStyle/>
+          <a:p>
+            <a:r>
+              <a:rPr lang="en-US" b="1" dirty="0"/>
+              <a:t>https://github.com/mercersFIRE/DIP-Presentation.git</a:t>
+            </a:r>
+          </a:p>
+        </p:txBody>
+      </p:sp>
+      <p:pic>
+        <p:nvPicPr>
+          <p:cNvPr id="13" name="Picture 12">
+            <a:extLst>
+              <a:ext uri="{FF2B5EF4-FFF2-40B4-BE49-F238E27FC236}">
+                <a16:creationId xmlns:a16="http://schemas.microsoft.com/office/drawing/2014/main" id="{4D70A006-FC81-E592-370E-430B39A34697}"/>
+              </a:ext>
+            </a:extLst>
+          </p:cNvPr>
+          <p:cNvPicPr>
+            <a:picLocks noChangeAspect="1"/>
+          </p:cNvPicPr>
+          <p:nvPr/>
+        </p:nvPicPr>
+        <p:blipFill>
+          <a:blip r:embed="rId3"/>
+          <a:stretch>
+            <a:fillRect/>
+          </a:stretch>
+        </p:blipFill>
+        <p:spPr>
+          <a:xfrm>
+            <a:off x="10032023" y="4698023"/>
+            <a:ext cx="2159977" cy="2159977"/>
+          </a:xfrm>
+          <a:prstGeom prst="rect">
+            <a:avLst/>
+          </a:prstGeom>
+        </p:spPr>
+      </p:pic>
     </p:spTree>
     <p:extLst>
       <p:ext uri="{BB962C8B-B14F-4D97-AF65-F5344CB8AC3E}">
@@ -34968,15 +35033,6 @@
 </file>
 
 <file path=customXml/item2.xml><?xml version="1.0" encoding="utf-8"?>
-<?mso-contentType ?>
-<FormTemplates xmlns="http://schemas.microsoft.com/sharepoint/v3/contenttype/forms">
-  <Display>DocumentLibraryForm</Display>
-  <Edit>DocumentLibraryForm</Edit>
-  <New>DocumentLibraryForm</New>
-</FormTemplates>
-</file>
-
-<file path=customXml/item3.xml><?xml version="1.0" encoding="utf-8"?>
 <p:properties xmlns:p="http://schemas.microsoft.com/office/2006/metadata/properties" xmlns:xsi="http://www.w3.org/2001/XMLSchema-instance" xmlns:pc="http://schemas.microsoft.com/office/infopath/2007/PartnerControls">
   <documentManagement>
     <_ip_UnifiedCompliancePolicyUIAction xmlns="http://schemas.microsoft.com/sharepoint/v3" xsi:nil="true"/>
@@ -34994,6 +35050,15 @@
     <MediaServiceKeyPoints xmlns="71af3243-3dd4-4a8d-8c0d-dd76da1f02a5" xsi:nil="true"/>
   </documentManagement>
 </p:properties>
+</file>
+
+<file path=customXml/item3.xml><?xml version="1.0" encoding="utf-8"?>
+<?mso-contentType ?>
+<FormTemplates xmlns="http://schemas.microsoft.com/sharepoint/v3/contenttype/forms">
+  <Display>DocumentLibraryForm</Display>
+  <Edit>DocumentLibraryForm</Edit>
+  <New>DocumentLibraryForm</New>
+</FormTemplates>
 </file>
 
 <file path=customXml/itemProps1.xml><?xml version="1.0" encoding="utf-8"?>
@@ -35018,14 +35083,6 @@
 </file>
 
 <file path=customXml/itemProps2.xml><?xml version="1.0" encoding="utf-8"?>
-<ds:datastoreItem xmlns:ds="http://schemas.openxmlformats.org/officeDocument/2006/customXml" ds:itemID="{1249AD37-9510-4A2D-B790-12C439A83F93}">
-  <ds:schemaRefs>
-    <ds:schemaRef ds:uri="http://schemas.microsoft.com/sharepoint/v3/contenttype/forms"/>
-  </ds:schemaRefs>
-</ds:datastoreItem>
-</file>
-
-<file path=customXml/itemProps3.xml><?xml version="1.0" encoding="utf-8"?>
 <ds:datastoreItem xmlns:ds="http://schemas.openxmlformats.org/officeDocument/2006/customXml" ds:itemID="{85DF9CEC-52C2-4D14-B2F5-11176002A8B6}">
   <ds:schemaRefs>
     <ds:schemaRef ds:uri="http://schemas.microsoft.com/office/2006/metadata/properties"/>
@@ -35037,6 +35094,14 @@
 </ds:datastoreItem>
 </file>
 
+<file path=customXml/itemProps3.xml><?xml version="1.0" encoding="utf-8"?>
+<ds:datastoreItem xmlns:ds="http://schemas.openxmlformats.org/officeDocument/2006/customXml" ds:itemID="{1249AD37-9510-4A2D-B790-12C439A83F93}">
+  <ds:schemaRefs>
+    <ds:schemaRef ds:uri="http://schemas.microsoft.com/sharepoint/v3/contenttype/forms"/>
+  </ds:schemaRefs>
+</ds:datastoreItem>
+</file>
+
 <file path=docMetadata/LabelInfo.xml><?xml version="1.0" encoding="utf-8"?>
 <clbl:labelList xmlns:clbl="http://schemas.microsoft.com/office/2020/mipLabelMetadata"/>
 </file>
--- a/Image Compression Algorithms.pptx
+++ b/Image Compression Algorithms.pptx
@@ -5,37 +5,39 @@
     <p:sldMasterId id="2147483648" r:id="rId4"/>
   </p:sldMasterIdLst>
   <p:notesMasterIdLst>
-    <p:notesMasterId r:id="rId30"/>
+    <p:notesMasterId r:id="rId32"/>
   </p:notesMasterIdLst>
   <p:handoutMasterIdLst>
-    <p:handoutMasterId r:id="rId31"/>
+    <p:handoutMasterId r:id="rId33"/>
   </p:handoutMasterIdLst>
   <p:sldIdLst>
     <p:sldId id="317" r:id="rId5"/>
     <p:sldId id="307" r:id="rId6"/>
     <p:sldId id="308" r:id="rId7"/>
     <p:sldId id="309" r:id="rId8"/>
-    <p:sldId id="263" r:id="rId9"/>
-    <p:sldId id="311" r:id="rId10"/>
-    <p:sldId id="310" r:id="rId11"/>
-    <p:sldId id="318" r:id="rId12"/>
-    <p:sldId id="333" r:id="rId13"/>
-    <p:sldId id="334" r:id="rId14"/>
-    <p:sldId id="323" r:id="rId15"/>
-    <p:sldId id="328" r:id="rId16"/>
-    <p:sldId id="322" r:id="rId17"/>
-    <p:sldId id="327" r:id="rId18"/>
-    <p:sldId id="321" r:id="rId19"/>
-    <p:sldId id="326" r:id="rId20"/>
-    <p:sldId id="320" r:id="rId21"/>
-    <p:sldId id="329" r:id="rId22"/>
-    <p:sldId id="319" r:id="rId23"/>
-    <p:sldId id="325" r:id="rId24"/>
-    <p:sldId id="330" r:id="rId25"/>
-    <p:sldId id="324" r:id="rId26"/>
-    <p:sldId id="331" r:id="rId27"/>
-    <p:sldId id="332" r:id="rId28"/>
-    <p:sldId id="304" r:id="rId29"/>
+    <p:sldId id="333" r:id="rId9"/>
+    <p:sldId id="334" r:id="rId10"/>
+    <p:sldId id="335" r:id="rId11"/>
+    <p:sldId id="323" r:id="rId12"/>
+    <p:sldId id="328" r:id="rId13"/>
+    <p:sldId id="336" r:id="rId14"/>
+    <p:sldId id="304" r:id="rId15"/>
+    <p:sldId id="263" r:id="rId16"/>
+    <p:sldId id="311" r:id="rId17"/>
+    <p:sldId id="310" r:id="rId18"/>
+    <p:sldId id="318" r:id="rId19"/>
+    <p:sldId id="322" r:id="rId20"/>
+    <p:sldId id="327" r:id="rId21"/>
+    <p:sldId id="321" r:id="rId22"/>
+    <p:sldId id="326" r:id="rId23"/>
+    <p:sldId id="320" r:id="rId24"/>
+    <p:sldId id="329" r:id="rId25"/>
+    <p:sldId id="319" r:id="rId26"/>
+    <p:sldId id="325" r:id="rId27"/>
+    <p:sldId id="330" r:id="rId28"/>
+    <p:sldId id="324" r:id="rId29"/>
+    <p:sldId id="331" r:id="rId30"/>
+    <p:sldId id="332" r:id="rId31"/>
   </p:sldIdLst>
   <p:sldSz cx="12192000" cy="6858000"/>
   <p:notesSz cx="6858000" cy="9144000"/>
@@ -825,7 +827,7 @@
         <p:cNvPr id="1" name="">
           <a:extLst>
             <a:ext uri="{FF2B5EF4-FFF2-40B4-BE49-F238E27FC236}">
-              <a16:creationId xmlns:a16="http://schemas.microsoft.com/office/drawing/2014/main" id="{3F4F24BE-B6DA-94E1-F72D-F23A54AFAC71}"/>
+              <a16:creationId xmlns:a16="http://schemas.microsoft.com/office/drawing/2014/main" id="{4F6396DB-3DF2-5C60-1CF6-46ECB2811F6B}"/>
             </a:ext>
           </a:extLst>
         </p:cNvPr>
@@ -845,7 +847,7 @@
           <p:cNvPr id="2" name="Slide Image Placeholder 1">
             <a:extLst>
               <a:ext uri="{FF2B5EF4-FFF2-40B4-BE49-F238E27FC236}">
-                <a16:creationId xmlns:a16="http://schemas.microsoft.com/office/drawing/2014/main" id="{023D9D31-9051-CB1C-FDB2-4D9644BF6B58}"/>
+                <a16:creationId xmlns:a16="http://schemas.microsoft.com/office/drawing/2014/main" id="{DD787DE6-A9B0-DC4C-64FF-631568277462}"/>
               </a:ext>
             </a:extLst>
           </p:cNvPr>
@@ -863,7 +865,7 @@
           <p:cNvPr id="3" name="Notes Placeholder 2">
             <a:extLst>
               <a:ext uri="{FF2B5EF4-FFF2-40B4-BE49-F238E27FC236}">
-                <a16:creationId xmlns:a16="http://schemas.microsoft.com/office/drawing/2014/main" id="{E1ED738E-3BF8-E998-B52B-12052084A975}"/>
+                <a16:creationId xmlns:a16="http://schemas.microsoft.com/office/drawing/2014/main" id="{0AD20FC9-2052-56C4-C613-BF34A21D326B}"/>
               </a:ext>
             </a:extLst>
           </p:cNvPr>
@@ -888,7 +890,7 @@
           <p:cNvPr id="4" name="Slide Number Placeholder 3">
             <a:extLst>
               <a:ext uri="{FF2B5EF4-FFF2-40B4-BE49-F238E27FC236}">
-                <a16:creationId xmlns:a16="http://schemas.microsoft.com/office/drawing/2014/main" id="{982AD66A-1B43-9994-0096-F921C7F7C0C6}"/>
+                <a16:creationId xmlns:a16="http://schemas.microsoft.com/office/drawing/2014/main" id="{165A17E9-CAC5-DA7C-9AC9-C6DD1AFFD67F}"/>
               </a:ext>
             </a:extLst>
           </p:cNvPr>
@@ -915,7 +917,7 @@
     </p:spTree>
     <p:extLst>
       <p:ext uri="{BB962C8B-B14F-4D97-AF65-F5344CB8AC3E}">
-        <p14:creationId xmlns:p14="http://schemas.microsoft.com/office/powerpoint/2010/main" val="129694623"/>
+        <p14:creationId xmlns:p14="http://schemas.microsoft.com/office/powerpoint/2010/main" val="2342526476"/>
       </p:ext>
     </p:extLst>
   </p:cSld>
@@ -930,10 +932,346 @@
   <p:cSld>
     <p:spTree>
       <p:nvGrpSpPr>
+        <p:cNvPr id="1" name=""/>
+        <p:cNvGrpSpPr/>
+        <p:nvPr/>
+      </p:nvGrpSpPr>
+      <p:grpSpPr>
+        <a:xfrm>
+          <a:off x="0" y="0"/>
+          <a:ext cx="0" cy="0"/>
+          <a:chOff x="0" y="0"/>
+          <a:chExt cx="0" cy="0"/>
+        </a:xfrm>
+      </p:grpSpPr>
+      <p:sp>
+        <p:nvSpPr>
+          <p:cNvPr id="2" name="Slide Image Placeholder 1"/>
+          <p:cNvSpPr>
+            <a:spLocks noGrp="1" noRot="1" noChangeAspect="1"/>
+          </p:cNvSpPr>
+          <p:nvPr>
+            <p:ph type="sldImg"/>
+          </p:nvPr>
+        </p:nvSpPr>
+        <p:spPr/>
+      </p:sp>
+      <p:sp>
+        <p:nvSpPr>
+          <p:cNvPr id="3" name="Notes Placeholder 2"/>
+          <p:cNvSpPr>
+            <a:spLocks noGrp="1"/>
+          </p:cNvSpPr>
+          <p:nvPr>
+            <p:ph type="body" idx="1"/>
+          </p:nvPr>
+        </p:nvSpPr>
+        <p:spPr/>
+        <p:txBody>
+          <a:bodyPr/>
+          <a:lstStyle/>
+          <a:p>
+            <a:endParaRPr lang="en-US" dirty="0"/>
+          </a:p>
+        </p:txBody>
+      </p:sp>
+      <p:sp>
+        <p:nvSpPr>
+          <p:cNvPr id="4" name="Slide Number Placeholder 3"/>
+          <p:cNvSpPr>
+            <a:spLocks noGrp="1"/>
+          </p:cNvSpPr>
+          <p:nvPr>
+            <p:ph type="sldNum" sz="quarter" idx="5"/>
+          </p:nvPr>
+        </p:nvSpPr>
+        <p:spPr/>
+        <p:txBody>
+          <a:bodyPr/>
+          <a:lstStyle/>
+          <a:p>
+            <a:fld id="{7C366290-4595-5745-A50F-D5EC13BAC604}" type="slidenum">
+              <a:rPr lang="en-US" noProof="0" smtClean="0"/>
+              <a:t>11</a:t>
+            </a:fld>
+            <a:endParaRPr lang="en-US" noProof="0" dirty="0"/>
+          </a:p>
+        </p:txBody>
+      </p:sp>
+    </p:spTree>
+    <p:extLst>
+      <p:ext uri="{BB962C8B-B14F-4D97-AF65-F5344CB8AC3E}">
+        <p14:creationId xmlns:p14="http://schemas.microsoft.com/office/powerpoint/2010/main" val="4105550432"/>
+      </p:ext>
+    </p:extLst>
+  </p:cSld>
+  <p:clrMapOvr>
+    <a:masterClrMapping/>
+  </p:clrMapOvr>
+</p:notes>
+</file>
+
+<file path=ppt/notesSlides/notesSlide12.xml><?xml version="1.0" encoding="utf-8"?>
+<p:notes xmlns:a="http://schemas.openxmlformats.org/drawingml/2006/main" xmlns:r="http://schemas.openxmlformats.org/officeDocument/2006/relationships" xmlns:p="http://schemas.openxmlformats.org/presentationml/2006/main">
+  <p:cSld>
+    <p:spTree>
+      <p:nvGrpSpPr>
+        <p:cNvPr id="1" name=""/>
+        <p:cNvGrpSpPr/>
+        <p:nvPr/>
+      </p:nvGrpSpPr>
+      <p:grpSpPr>
+        <a:xfrm>
+          <a:off x="0" y="0"/>
+          <a:ext cx="0" cy="0"/>
+          <a:chOff x="0" y="0"/>
+          <a:chExt cx="0" cy="0"/>
+        </a:xfrm>
+      </p:grpSpPr>
+      <p:sp>
+        <p:nvSpPr>
+          <p:cNvPr id="2" name="Slide Image Placeholder 1"/>
+          <p:cNvSpPr>
+            <a:spLocks noGrp="1" noRot="1" noChangeAspect="1"/>
+          </p:cNvSpPr>
+          <p:nvPr>
+            <p:ph type="sldImg"/>
+          </p:nvPr>
+        </p:nvSpPr>
+        <p:spPr/>
+      </p:sp>
+      <p:sp>
+        <p:nvSpPr>
+          <p:cNvPr id="3" name="Notes Placeholder 2"/>
+          <p:cNvSpPr>
+            <a:spLocks noGrp="1"/>
+          </p:cNvSpPr>
+          <p:nvPr>
+            <p:ph type="body" idx="1"/>
+          </p:nvPr>
+        </p:nvSpPr>
+        <p:spPr/>
+        <p:txBody>
+          <a:bodyPr/>
+          <a:lstStyle/>
+          <a:p>
+            <a:endParaRPr lang="en-US" dirty="0"/>
+          </a:p>
+        </p:txBody>
+      </p:sp>
+      <p:sp>
+        <p:nvSpPr>
+          <p:cNvPr id="4" name="Slide Number Placeholder 3"/>
+          <p:cNvSpPr>
+            <a:spLocks noGrp="1"/>
+          </p:cNvSpPr>
+          <p:nvPr>
+            <p:ph type="sldNum" sz="quarter" idx="5"/>
+          </p:nvPr>
+        </p:nvSpPr>
+        <p:spPr/>
+        <p:txBody>
+          <a:bodyPr/>
+          <a:lstStyle/>
+          <a:p>
+            <a:fld id="{7C366290-4595-5745-A50F-D5EC13BAC604}" type="slidenum">
+              <a:rPr lang="en-US" noProof="0" smtClean="0"/>
+              <a:t>12</a:t>
+            </a:fld>
+            <a:endParaRPr lang="en-US" noProof="0" dirty="0"/>
+          </a:p>
+        </p:txBody>
+      </p:sp>
+    </p:spTree>
+    <p:extLst>
+      <p:ext uri="{BB962C8B-B14F-4D97-AF65-F5344CB8AC3E}">
+        <p14:creationId xmlns:p14="http://schemas.microsoft.com/office/powerpoint/2010/main" val="2308133455"/>
+      </p:ext>
+    </p:extLst>
+  </p:cSld>
+  <p:clrMapOvr>
+    <a:masterClrMapping/>
+  </p:clrMapOvr>
+</p:notes>
+</file>
+
+<file path=ppt/notesSlides/notesSlide13.xml><?xml version="1.0" encoding="utf-8"?>
+<p:notes xmlns:a="http://schemas.openxmlformats.org/drawingml/2006/main" xmlns:r="http://schemas.openxmlformats.org/officeDocument/2006/relationships" xmlns:p="http://schemas.openxmlformats.org/presentationml/2006/main">
+  <p:cSld>
+    <p:spTree>
+      <p:nvGrpSpPr>
+        <p:cNvPr id="1" name=""/>
+        <p:cNvGrpSpPr/>
+        <p:nvPr/>
+      </p:nvGrpSpPr>
+      <p:grpSpPr>
+        <a:xfrm>
+          <a:off x="0" y="0"/>
+          <a:ext cx="0" cy="0"/>
+          <a:chOff x="0" y="0"/>
+          <a:chExt cx="0" cy="0"/>
+        </a:xfrm>
+      </p:grpSpPr>
+      <p:sp>
+        <p:nvSpPr>
+          <p:cNvPr id="2" name="Slide Image Placeholder 1"/>
+          <p:cNvSpPr>
+            <a:spLocks noGrp="1" noRot="1" noChangeAspect="1"/>
+          </p:cNvSpPr>
+          <p:nvPr>
+            <p:ph type="sldImg"/>
+          </p:nvPr>
+        </p:nvSpPr>
+        <p:spPr/>
+      </p:sp>
+      <p:sp>
+        <p:nvSpPr>
+          <p:cNvPr id="3" name="Notes Placeholder 2"/>
+          <p:cNvSpPr>
+            <a:spLocks noGrp="1"/>
+          </p:cNvSpPr>
+          <p:nvPr>
+            <p:ph type="body" idx="1"/>
+          </p:nvPr>
+        </p:nvSpPr>
+        <p:spPr/>
+        <p:txBody>
+          <a:bodyPr/>
+          <a:lstStyle/>
+          <a:p>
+            <a:endParaRPr lang="en-US" dirty="0"/>
+          </a:p>
+        </p:txBody>
+      </p:sp>
+      <p:sp>
+        <p:nvSpPr>
+          <p:cNvPr id="4" name="Slide Number Placeholder 3"/>
+          <p:cNvSpPr>
+            <a:spLocks noGrp="1"/>
+          </p:cNvSpPr>
+          <p:nvPr>
+            <p:ph type="sldNum" sz="quarter" idx="5"/>
+          </p:nvPr>
+        </p:nvSpPr>
+        <p:spPr/>
+        <p:txBody>
+          <a:bodyPr/>
+          <a:lstStyle/>
+          <a:p>
+            <a:fld id="{7C366290-4595-5745-A50F-D5EC13BAC604}" type="slidenum">
+              <a:rPr lang="en-US" noProof="0" smtClean="0"/>
+              <a:t>13</a:t>
+            </a:fld>
+            <a:endParaRPr lang="en-US" noProof="0" dirty="0"/>
+          </a:p>
+        </p:txBody>
+      </p:sp>
+    </p:spTree>
+    <p:extLst>
+      <p:ext uri="{BB962C8B-B14F-4D97-AF65-F5344CB8AC3E}">
+        <p14:creationId xmlns:p14="http://schemas.microsoft.com/office/powerpoint/2010/main" val="3210893639"/>
+      </p:ext>
+    </p:extLst>
+  </p:cSld>
+  <p:clrMapOvr>
+    <a:masterClrMapping/>
+  </p:clrMapOvr>
+</p:notes>
+</file>
+
+<file path=ppt/notesSlides/notesSlide14.xml><?xml version="1.0" encoding="utf-8"?>
+<p:notes xmlns:a="http://schemas.openxmlformats.org/drawingml/2006/main" xmlns:r="http://schemas.openxmlformats.org/officeDocument/2006/relationships" xmlns:p="http://schemas.openxmlformats.org/presentationml/2006/main">
+  <p:cSld>
+    <p:spTree>
+      <p:nvGrpSpPr>
+        <p:cNvPr id="1" name=""/>
+        <p:cNvGrpSpPr/>
+        <p:nvPr/>
+      </p:nvGrpSpPr>
+      <p:grpSpPr>
+        <a:xfrm>
+          <a:off x="0" y="0"/>
+          <a:ext cx="0" cy="0"/>
+          <a:chOff x="0" y="0"/>
+          <a:chExt cx="0" cy="0"/>
+        </a:xfrm>
+      </p:grpSpPr>
+      <p:sp>
+        <p:nvSpPr>
+          <p:cNvPr id="2" name="Slide Image Placeholder 1"/>
+          <p:cNvSpPr>
+            <a:spLocks noGrp="1" noRot="1" noChangeAspect="1"/>
+          </p:cNvSpPr>
+          <p:nvPr>
+            <p:ph type="sldImg"/>
+          </p:nvPr>
+        </p:nvSpPr>
+        <p:spPr/>
+      </p:sp>
+      <p:sp>
+        <p:nvSpPr>
+          <p:cNvPr id="3" name="Notes Placeholder 2"/>
+          <p:cNvSpPr>
+            <a:spLocks noGrp="1"/>
+          </p:cNvSpPr>
+          <p:nvPr>
+            <p:ph type="body" idx="1"/>
+          </p:nvPr>
+        </p:nvSpPr>
+        <p:spPr/>
+        <p:txBody>
+          <a:bodyPr/>
+          <a:lstStyle/>
+          <a:p>
+            <a:endParaRPr lang="en-US" dirty="0"/>
+          </a:p>
+        </p:txBody>
+      </p:sp>
+      <p:sp>
+        <p:nvSpPr>
+          <p:cNvPr id="4" name="Slide Number Placeholder 3"/>
+          <p:cNvSpPr>
+            <a:spLocks noGrp="1"/>
+          </p:cNvSpPr>
+          <p:nvPr>
+            <p:ph type="sldNum" sz="quarter" idx="5"/>
+          </p:nvPr>
+        </p:nvSpPr>
+        <p:spPr/>
+        <p:txBody>
+          <a:bodyPr/>
+          <a:lstStyle/>
+          <a:p>
+            <a:fld id="{7C366290-4595-5745-A50F-D5EC13BAC604}" type="slidenum">
+              <a:rPr lang="en-US" noProof="0" smtClean="0"/>
+              <a:t>14</a:t>
+            </a:fld>
+            <a:endParaRPr lang="en-US" noProof="0" dirty="0"/>
+          </a:p>
+        </p:txBody>
+      </p:sp>
+    </p:spTree>
+    <p:extLst>
+      <p:ext uri="{BB962C8B-B14F-4D97-AF65-F5344CB8AC3E}">
+        <p14:creationId xmlns:p14="http://schemas.microsoft.com/office/powerpoint/2010/main" val="1026281718"/>
+      </p:ext>
+    </p:extLst>
+  </p:cSld>
+  <p:clrMapOvr>
+    <a:masterClrMapping/>
+  </p:clrMapOvr>
+</p:notes>
+</file>
+
+<file path=ppt/notesSlides/notesSlide15.xml><?xml version="1.0" encoding="utf-8"?>
+<p:notes xmlns:a="http://schemas.openxmlformats.org/drawingml/2006/main" xmlns:r="http://schemas.openxmlformats.org/officeDocument/2006/relationships" xmlns:p="http://schemas.openxmlformats.org/presentationml/2006/main">
+  <p:cSld>
+    <p:spTree>
+      <p:nvGrpSpPr>
         <p:cNvPr id="1" name="">
           <a:extLst>
             <a:ext uri="{FF2B5EF4-FFF2-40B4-BE49-F238E27FC236}">
-              <a16:creationId xmlns:a16="http://schemas.microsoft.com/office/drawing/2014/main" id="{D34AA978-50CA-01F4-B773-4B473E8854BE}"/>
+              <a16:creationId xmlns:a16="http://schemas.microsoft.com/office/drawing/2014/main" id="{AD7F1E83-2498-8687-2D2C-364846C0E081}"/>
             </a:ext>
           </a:extLst>
         </p:cNvPr>
@@ -953,7 +1291,7 @@
           <p:cNvPr id="2" name="Slide Image Placeholder 1">
             <a:extLst>
               <a:ext uri="{FF2B5EF4-FFF2-40B4-BE49-F238E27FC236}">
-                <a16:creationId xmlns:a16="http://schemas.microsoft.com/office/drawing/2014/main" id="{6C5F74AD-B9D8-BF16-DF45-046C2E1160F1}"/>
+                <a16:creationId xmlns:a16="http://schemas.microsoft.com/office/drawing/2014/main" id="{706FA349-063E-CEFC-A27E-FD6E9CCFAD3B}"/>
               </a:ext>
             </a:extLst>
           </p:cNvPr>
@@ -971,7 +1309,7 @@
           <p:cNvPr id="3" name="Notes Placeholder 2">
             <a:extLst>
               <a:ext uri="{FF2B5EF4-FFF2-40B4-BE49-F238E27FC236}">
-                <a16:creationId xmlns:a16="http://schemas.microsoft.com/office/drawing/2014/main" id="{A0EA5FF3-3699-8EF5-FC7D-F878A663F6FD}"/>
+                <a16:creationId xmlns:a16="http://schemas.microsoft.com/office/drawing/2014/main" id="{B7C9FB22-F7AE-47B4-D0F3-9875C6BFFE77}"/>
               </a:ext>
             </a:extLst>
           </p:cNvPr>
@@ -996,7 +1334,7 @@
           <p:cNvPr id="4" name="Slide Number Placeholder 3">
             <a:extLst>
               <a:ext uri="{FF2B5EF4-FFF2-40B4-BE49-F238E27FC236}">
-                <a16:creationId xmlns:a16="http://schemas.microsoft.com/office/drawing/2014/main" id="{42BB3379-029E-9571-2A93-9D61CEB8D955}"/>
+                <a16:creationId xmlns:a16="http://schemas.microsoft.com/office/drawing/2014/main" id="{8EEF1612-2472-3167-312B-28B0807BDC75}"/>
               </a:ext>
             </a:extLst>
           </p:cNvPr>
@@ -1014,7 +1352,7 @@
           <a:p>
             <a:fld id="{7C366290-4595-5745-A50F-D5EC13BAC604}" type="slidenum">
               <a:rPr lang="en-US" noProof="0" smtClean="0"/>
-              <a:t>11</a:t>
+              <a:t>15</a:t>
             </a:fld>
             <a:endParaRPr lang="en-US" noProof="0" dirty="0"/>
           </a:p>
@@ -1023,7 +1361,7 @@
     </p:spTree>
     <p:extLst>
       <p:ext uri="{BB962C8B-B14F-4D97-AF65-F5344CB8AC3E}">
-        <p14:creationId xmlns:p14="http://schemas.microsoft.com/office/powerpoint/2010/main" val="1170494043"/>
+        <p14:creationId xmlns:p14="http://schemas.microsoft.com/office/powerpoint/2010/main" val="1162182266"/>
       </p:ext>
     </p:extLst>
   </p:cSld>
@@ -1033,115 +1371,7 @@
 </p:notes>
 </file>
 
-<file path=ppt/notesSlides/notesSlide12.xml><?xml version="1.0" encoding="utf-8"?>
-<p:notes xmlns:a="http://schemas.openxmlformats.org/drawingml/2006/main" xmlns:r="http://schemas.openxmlformats.org/officeDocument/2006/relationships" xmlns:p="http://schemas.openxmlformats.org/presentationml/2006/main">
-  <p:cSld>
-    <p:spTree>
-      <p:nvGrpSpPr>
-        <p:cNvPr id="1" name="">
-          <a:extLst>
-            <a:ext uri="{FF2B5EF4-FFF2-40B4-BE49-F238E27FC236}">
-              <a16:creationId xmlns:a16="http://schemas.microsoft.com/office/drawing/2014/main" id="{9C16E91B-9DBD-28A3-51F6-F945BB88BC2E}"/>
-            </a:ext>
-          </a:extLst>
-        </p:cNvPr>
-        <p:cNvGrpSpPr/>
-        <p:nvPr/>
-      </p:nvGrpSpPr>
-      <p:grpSpPr>
-        <a:xfrm>
-          <a:off x="0" y="0"/>
-          <a:ext cx="0" cy="0"/>
-          <a:chOff x="0" y="0"/>
-          <a:chExt cx="0" cy="0"/>
-        </a:xfrm>
-      </p:grpSpPr>
-      <p:sp>
-        <p:nvSpPr>
-          <p:cNvPr id="2" name="Slide Image Placeholder 1">
-            <a:extLst>
-              <a:ext uri="{FF2B5EF4-FFF2-40B4-BE49-F238E27FC236}">
-                <a16:creationId xmlns:a16="http://schemas.microsoft.com/office/drawing/2014/main" id="{724CA407-8DE4-A505-3E84-E8053CF486EA}"/>
-              </a:ext>
-            </a:extLst>
-          </p:cNvPr>
-          <p:cNvSpPr>
-            <a:spLocks noGrp="1" noRot="1" noChangeAspect="1"/>
-          </p:cNvSpPr>
-          <p:nvPr>
-            <p:ph type="sldImg"/>
-          </p:nvPr>
-        </p:nvSpPr>
-        <p:spPr/>
-      </p:sp>
-      <p:sp>
-        <p:nvSpPr>
-          <p:cNvPr id="3" name="Notes Placeholder 2">
-            <a:extLst>
-              <a:ext uri="{FF2B5EF4-FFF2-40B4-BE49-F238E27FC236}">
-                <a16:creationId xmlns:a16="http://schemas.microsoft.com/office/drawing/2014/main" id="{FF83F0D3-0ABC-3EC0-B589-FBFFC0ED31AC}"/>
-              </a:ext>
-            </a:extLst>
-          </p:cNvPr>
-          <p:cNvSpPr>
-            <a:spLocks noGrp="1"/>
-          </p:cNvSpPr>
-          <p:nvPr>
-            <p:ph type="body" idx="1"/>
-          </p:nvPr>
-        </p:nvSpPr>
-        <p:spPr/>
-        <p:txBody>
-          <a:bodyPr/>
-          <a:lstStyle/>
-          <a:p>
-            <a:endParaRPr lang="en-US" dirty="0"/>
-          </a:p>
-        </p:txBody>
-      </p:sp>
-      <p:sp>
-        <p:nvSpPr>
-          <p:cNvPr id="4" name="Slide Number Placeholder 3">
-            <a:extLst>
-              <a:ext uri="{FF2B5EF4-FFF2-40B4-BE49-F238E27FC236}">
-                <a16:creationId xmlns:a16="http://schemas.microsoft.com/office/drawing/2014/main" id="{71684D45-FE64-7CC4-C4E9-6FA6E2E2B711}"/>
-              </a:ext>
-            </a:extLst>
-          </p:cNvPr>
-          <p:cNvSpPr>
-            <a:spLocks noGrp="1"/>
-          </p:cNvSpPr>
-          <p:nvPr>
-            <p:ph type="sldNum" sz="quarter" idx="5"/>
-          </p:nvPr>
-        </p:nvSpPr>
-        <p:spPr/>
-        <p:txBody>
-          <a:bodyPr/>
-          <a:lstStyle/>
-          <a:p>
-            <a:fld id="{7C366290-4595-5745-A50F-D5EC13BAC604}" type="slidenum">
-              <a:rPr lang="en-US" noProof="0" smtClean="0"/>
-              <a:t>12</a:t>
-            </a:fld>
-            <a:endParaRPr lang="en-US" noProof="0" dirty="0"/>
-          </a:p>
-        </p:txBody>
-      </p:sp>
-    </p:spTree>
-    <p:extLst>
-      <p:ext uri="{BB962C8B-B14F-4D97-AF65-F5344CB8AC3E}">
-        <p14:creationId xmlns:p14="http://schemas.microsoft.com/office/powerpoint/2010/main" val="1051822363"/>
-      </p:ext>
-    </p:extLst>
-  </p:cSld>
-  <p:clrMapOvr>
-    <a:masterClrMapping/>
-  </p:clrMapOvr>
-</p:notes>
-</file>
-
-<file path=ppt/notesSlides/notesSlide13.xml><?xml version="1.0" encoding="utf-8"?>
+<file path=ppt/notesSlides/notesSlide16.xml><?xml version="1.0" encoding="utf-8"?>
 <p:notes xmlns:a="http://schemas.openxmlformats.org/drawingml/2006/main" xmlns:r="http://schemas.openxmlformats.org/officeDocument/2006/relationships" xmlns:p="http://schemas.openxmlformats.org/presentationml/2006/main">
   <p:cSld>
     <p:spTree>
@@ -1230,7 +1460,7 @@
           <a:p>
             <a:fld id="{7C366290-4595-5745-A50F-D5EC13BAC604}" type="slidenum">
               <a:rPr lang="en-US" noProof="0" smtClean="0"/>
-              <a:t>13</a:t>
+              <a:t>16</a:t>
             </a:fld>
             <a:endParaRPr lang="en-US" noProof="0" dirty="0"/>
           </a:p>
@@ -1249,7 +1479,7 @@
 </p:notes>
 </file>
 
-<file path=ppt/notesSlides/notesSlide14.xml><?xml version="1.0" encoding="utf-8"?>
+<file path=ppt/notesSlides/notesSlide17.xml><?xml version="1.0" encoding="utf-8"?>
 <p:notes xmlns:a="http://schemas.openxmlformats.org/drawingml/2006/main" xmlns:r="http://schemas.openxmlformats.org/officeDocument/2006/relationships" xmlns:p="http://schemas.openxmlformats.org/presentationml/2006/main">
   <p:cSld>
     <p:spTree>
@@ -1338,7 +1568,7 @@
           <a:p>
             <a:fld id="{7C366290-4595-5745-A50F-D5EC13BAC604}" type="slidenum">
               <a:rPr lang="en-US" noProof="0" smtClean="0"/>
-              <a:t>14</a:t>
+              <a:t>17</a:t>
             </a:fld>
             <a:endParaRPr lang="en-US" noProof="0" dirty="0"/>
           </a:p>
@@ -1357,7 +1587,7 @@
 </p:notes>
 </file>
 
-<file path=ppt/notesSlides/notesSlide15.xml><?xml version="1.0" encoding="utf-8"?>
+<file path=ppt/notesSlides/notesSlide18.xml><?xml version="1.0" encoding="utf-8"?>
 <p:notes xmlns:a="http://schemas.openxmlformats.org/drawingml/2006/main" xmlns:r="http://schemas.openxmlformats.org/officeDocument/2006/relationships" xmlns:p="http://schemas.openxmlformats.org/presentationml/2006/main">
   <p:cSld>
     <p:spTree>
@@ -1446,7 +1676,7 @@
           <a:p>
             <a:fld id="{7C366290-4595-5745-A50F-D5EC13BAC604}" type="slidenum">
               <a:rPr lang="en-US" noProof="0" smtClean="0"/>
-              <a:t>15</a:t>
+              <a:t>18</a:t>
             </a:fld>
             <a:endParaRPr lang="en-US" noProof="0" dirty="0"/>
           </a:p>
@@ -1465,7 +1695,7 @@
 </p:notes>
 </file>
 
-<file path=ppt/notesSlides/notesSlide16.xml><?xml version="1.0" encoding="utf-8"?>
+<file path=ppt/notesSlides/notesSlide19.xml><?xml version="1.0" encoding="utf-8"?>
 <p:notes xmlns:a="http://schemas.openxmlformats.org/drawingml/2006/main" xmlns:r="http://schemas.openxmlformats.org/officeDocument/2006/relationships" xmlns:p="http://schemas.openxmlformats.org/presentationml/2006/main">
   <p:cSld>
     <p:spTree>
@@ -1554,7 +1784,7 @@
           <a:p>
             <a:fld id="{7C366290-4595-5745-A50F-D5EC13BAC604}" type="slidenum">
               <a:rPr lang="en-US" noProof="0" smtClean="0"/>
-              <a:t>16</a:t>
+              <a:t>19</a:t>
             </a:fld>
             <a:endParaRPr lang="en-US" noProof="0" dirty="0"/>
           </a:p>
@@ -1564,330 +1794,6 @@
     <p:extLst>
       <p:ext uri="{BB962C8B-B14F-4D97-AF65-F5344CB8AC3E}">
         <p14:creationId xmlns:p14="http://schemas.microsoft.com/office/powerpoint/2010/main" val="2803777441"/>
-      </p:ext>
-    </p:extLst>
-  </p:cSld>
-  <p:clrMapOvr>
-    <a:masterClrMapping/>
-  </p:clrMapOvr>
-</p:notes>
-</file>
-
-<file path=ppt/notesSlides/notesSlide17.xml><?xml version="1.0" encoding="utf-8"?>
-<p:notes xmlns:a="http://schemas.openxmlformats.org/drawingml/2006/main" xmlns:r="http://schemas.openxmlformats.org/officeDocument/2006/relationships" xmlns:p="http://schemas.openxmlformats.org/presentationml/2006/main">
-  <p:cSld>
-    <p:spTree>
-      <p:nvGrpSpPr>
-        <p:cNvPr id="1" name="">
-          <a:extLst>
-            <a:ext uri="{FF2B5EF4-FFF2-40B4-BE49-F238E27FC236}">
-              <a16:creationId xmlns:a16="http://schemas.microsoft.com/office/drawing/2014/main" id="{9B4436BD-1084-3AAC-6874-11D66CBD0B0D}"/>
-            </a:ext>
-          </a:extLst>
-        </p:cNvPr>
-        <p:cNvGrpSpPr/>
-        <p:nvPr/>
-      </p:nvGrpSpPr>
-      <p:grpSpPr>
-        <a:xfrm>
-          <a:off x="0" y="0"/>
-          <a:ext cx="0" cy="0"/>
-          <a:chOff x="0" y="0"/>
-          <a:chExt cx="0" cy="0"/>
-        </a:xfrm>
-      </p:grpSpPr>
-      <p:sp>
-        <p:nvSpPr>
-          <p:cNvPr id="2" name="Slide Image Placeholder 1">
-            <a:extLst>
-              <a:ext uri="{FF2B5EF4-FFF2-40B4-BE49-F238E27FC236}">
-                <a16:creationId xmlns:a16="http://schemas.microsoft.com/office/drawing/2014/main" id="{FCA4BB3D-E957-E9B7-3A5E-17F8E71D4EB4}"/>
-              </a:ext>
-            </a:extLst>
-          </p:cNvPr>
-          <p:cNvSpPr>
-            <a:spLocks noGrp="1" noRot="1" noChangeAspect="1"/>
-          </p:cNvSpPr>
-          <p:nvPr>
-            <p:ph type="sldImg"/>
-          </p:nvPr>
-        </p:nvSpPr>
-        <p:spPr/>
-      </p:sp>
-      <p:sp>
-        <p:nvSpPr>
-          <p:cNvPr id="3" name="Notes Placeholder 2">
-            <a:extLst>
-              <a:ext uri="{FF2B5EF4-FFF2-40B4-BE49-F238E27FC236}">
-                <a16:creationId xmlns:a16="http://schemas.microsoft.com/office/drawing/2014/main" id="{6F315F6F-305D-F00E-12C1-9F665C21C6B5}"/>
-              </a:ext>
-            </a:extLst>
-          </p:cNvPr>
-          <p:cNvSpPr>
-            <a:spLocks noGrp="1"/>
-          </p:cNvSpPr>
-          <p:nvPr>
-            <p:ph type="body" idx="1"/>
-          </p:nvPr>
-        </p:nvSpPr>
-        <p:spPr/>
-        <p:txBody>
-          <a:bodyPr/>
-          <a:lstStyle/>
-          <a:p>
-            <a:endParaRPr lang="en-US" dirty="0"/>
-          </a:p>
-        </p:txBody>
-      </p:sp>
-      <p:sp>
-        <p:nvSpPr>
-          <p:cNvPr id="4" name="Slide Number Placeholder 3">
-            <a:extLst>
-              <a:ext uri="{FF2B5EF4-FFF2-40B4-BE49-F238E27FC236}">
-                <a16:creationId xmlns:a16="http://schemas.microsoft.com/office/drawing/2014/main" id="{348228C5-6B07-6FAD-AC9C-032D9E16E055}"/>
-              </a:ext>
-            </a:extLst>
-          </p:cNvPr>
-          <p:cNvSpPr>
-            <a:spLocks noGrp="1"/>
-          </p:cNvSpPr>
-          <p:nvPr>
-            <p:ph type="sldNum" sz="quarter" idx="5"/>
-          </p:nvPr>
-        </p:nvSpPr>
-        <p:spPr/>
-        <p:txBody>
-          <a:bodyPr/>
-          <a:lstStyle/>
-          <a:p>
-            <a:fld id="{7C366290-4595-5745-A50F-D5EC13BAC604}" type="slidenum">
-              <a:rPr lang="en-US" noProof="0" smtClean="0"/>
-              <a:t>17</a:t>
-            </a:fld>
-            <a:endParaRPr lang="en-US" noProof="0" dirty="0"/>
-          </a:p>
-        </p:txBody>
-      </p:sp>
-    </p:spTree>
-    <p:extLst>
-      <p:ext uri="{BB962C8B-B14F-4D97-AF65-F5344CB8AC3E}">
-        <p14:creationId xmlns:p14="http://schemas.microsoft.com/office/powerpoint/2010/main" val="1598492136"/>
-      </p:ext>
-    </p:extLst>
-  </p:cSld>
-  <p:clrMapOvr>
-    <a:masterClrMapping/>
-  </p:clrMapOvr>
-</p:notes>
-</file>
-
-<file path=ppt/notesSlides/notesSlide18.xml><?xml version="1.0" encoding="utf-8"?>
-<p:notes xmlns:a="http://schemas.openxmlformats.org/drawingml/2006/main" xmlns:r="http://schemas.openxmlformats.org/officeDocument/2006/relationships" xmlns:p="http://schemas.openxmlformats.org/presentationml/2006/main">
-  <p:cSld>
-    <p:spTree>
-      <p:nvGrpSpPr>
-        <p:cNvPr id="1" name="">
-          <a:extLst>
-            <a:ext uri="{FF2B5EF4-FFF2-40B4-BE49-F238E27FC236}">
-              <a16:creationId xmlns:a16="http://schemas.microsoft.com/office/drawing/2014/main" id="{D346727D-B929-771A-C037-014A81E6FF39}"/>
-            </a:ext>
-          </a:extLst>
-        </p:cNvPr>
-        <p:cNvGrpSpPr/>
-        <p:nvPr/>
-      </p:nvGrpSpPr>
-      <p:grpSpPr>
-        <a:xfrm>
-          <a:off x="0" y="0"/>
-          <a:ext cx="0" cy="0"/>
-          <a:chOff x="0" y="0"/>
-          <a:chExt cx="0" cy="0"/>
-        </a:xfrm>
-      </p:grpSpPr>
-      <p:sp>
-        <p:nvSpPr>
-          <p:cNvPr id="2" name="Slide Image Placeholder 1">
-            <a:extLst>
-              <a:ext uri="{FF2B5EF4-FFF2-40B4-BE49-F238E27FC236}">
-                <a16:creationId xmlns:a16="http://schemas.microsoft.com/office/drawing/2014/main" id="{73F549A8-CE49-7772-513C-BC8EDCB4DBAA}"/>
-              </a:ext>
-            </a:extLst>
-          </p:cNvPr>
-          <p:cNvSpPr>
-            <a:spLocks noGrp="1" noRot="1" noChangeAspect="1"/>
-          </p:cNvSpPr>
-          <p:nvPr>
-            <p:ph type="sldImg"/>
-          </p:nvPr>
-        </p:nvSpPr>
-        <p:spPr/>
-      </p:sp>
-      <p:sp>
-        <p:nvSpPr>
-          <p:cNvPr id="3" name="Notes Placeholder 2">
-            <a:extLst>
-              <a:ext uri="{FF2B5EF4-FFF2-40B4-BE49-F238E27FC236}">
-                <a16:creationId xmlns:a16="http://schemas.microsoft.com/office/drawing/2014/main" id="{D77B5482-A69A-1523-3FBF-BFFEE61F7041}"/>
-              </a:ext>
-            </a:extLst>
-          </p:cNvPr>
-          <p:cNvSpPr>
-            <a:spLocks noGrp="1"/>
-          </p:cNvSpPr>
-          <p:nvPr>
-            <p:ph type="body" idx="1"/>
-          </p:nvPr>
-        </p:nvSpPr>
-        <p:spPr/>
-        <p:txBody>
-          <a:bodyPr/>
-          <a:lstStyle/>
-          <a:p>
-            <a:endParaRPr lang="en-US" dirty="0"/>
-          </a:p>
-        </p:txBody>
-      </p:sp>
-      <p:sp>
-        <p:nvSpPr>
-          <p:cNvPr id="4" name="Slide Number Placeholder 3">
-            <a:extLst>
-              <a:ext uri="{FF2B5EF4-FFF2-40B4-BE49-F238E27FC236}">
-                <a16:creationId xmlns:a16="http://schemas.microsoft.com/office/drawing/2014/main" id="{F389FA7F-F0E6-BC97-AB63-5988D98D9E50}"/>
-              </a:ext>
-            </a:extLst>
-          </p:cNvPr>
-          <p:cNvSpPr>
-            <a:spLocks noGrp="1"/>
-          </p:cNvSpPr>
-          <p:nvPr>
-            <p:ph type="sldNum" sz="quarter" idx="5"/>
-          </p:nvPr>
-        </p:nvSpPr>
-        <p:spPr/>
-        <p:txBody>
-          <a:bodyPr/>
-          <a:lstStyle/>
-          <a:p>
-            <a:fld id="{7C366290-4595-5745-A50F-D5EC13BAC604}" type="slidenum">
-              <a:rPr lang="en-US" noProof="0" smtClean="0"/>
-              <a:t>18</a:t>
-            </a:fld>
-            <a:endParaRPr lang="en-US" noProof="0" dirty="0"/>
-          </a:p>
-        </p:txBody>
-      </p:sp>
-    </p:spTree>
-    <p:extLst>
-      <p:ext uri="{BB962C8B-B14F-4D97-AF65-F5344CB8AC3E}">
-        <p14:creationId xmlns:p14="http://schemas.microsoft.com/office/powerpoint/2010/main" val="90956260"/>
-      </p:ext>
-    </p:extLst>
-  </p:cSld>
-  <p:clrMapOvr>
-    <a:masterClrMapping/>
-  </p:clrMapOvr>
-</p:notes>
-</file>
-
-<file path=ppt/notesSlides/notesSlide19.xml><?xml version="1.0" encoding="utf-8"?>
-<p:notes xmlns:a="http://schemas.openxmlformats.org/drawingml/2006/main" xmlns:r="http://schemas.openxmlformats.org/officeDocument/2006/relationships" xmlns:p="http://schemas.openxmlformats.org/presentationml/2006/main">
-  <p:cSld>
-    <p:spTree>
-      <p:nvGrpSpPr>
-        <p:cNvPr id="1" name="">
-          <a:extLst>
-            <a:ext uri="{FF2B5EF4-FFF2-40B4-BE49-F238E27FC236}">
-              <a16:creationId xmlns:a16="http://schemas.microsoft.com/office/drawing/2014/main" id="{35E6C14A-655C-63AE-06B5-1ED49101A66C}"/>
-            </a:ext>
-          </a:extLst>
-        </p:cNvPr>
-        <p:cNvGrpSpPr/>
-        <p:nvPr/>
-      </p:nvGrpSpPr>
-      <p:grpSpPr>
-        <a:xfrm>
-          <a:off x="0" y="0"/>
-          <a:ext cx="0" cy="0"/>
-          <a:chOff x="0" y="0"/>
-          <a:chExt cx="0" cy="0"/>
-        </a:xfrm>
-      </p:grpSpPr>
-      <p:sp>
-        <p:nvSpPr>
-          <p:cNvPr id="2" name="Slide Image Placeholder 1">
-            <a:extLst>
-              <a:ext uri="{FF2B5EF4-FFF2-40B4-BE49-F238E27FC236}">
-                <a16:creationId xmlns:a16="http://schemas.microsoft.com/office/drawing/2014/main" id="{4E211BA1-3911-3C2B-D7B8-0B04B7261FAD}"/>
-              </a:ext>
-            </a:extLst>
-          </p:cNvPr>
-          <p:cNvSpPr>
-            <a:spLocks noGrp="1" noRot="1" noChangeAspect="1"/>
-          </p:cNvSpPr>
-          <p:nvPr>
-            <p:ph type="sldImg"/>
-          </p:nvPr>
-        </p:nvSpPr>
-        <p:spPr/>
-      </p:sp>
-      <p:sp>
-        <p:nvSpPr>
-          <p:cNvPr id="3" name="Notes Placeholder 2">
-            <a:extLst>
-              <a:ext uri="{FF2B5EF4-FFF2-40B4-BE49-F238E27FC236}">
-                <a16:creationId xmlns:a16="http://schemas.microsoft.com/office/drawing/2014/main" id="{74A23BCF-12FA-6010-A11A-B2B658B0F919}"/>
-              </a:ext>
-            </a:extLst>
-          </p:cNvPr>
-          <p:cNvSpPr>
-            <a:spLocks noGrp="1"/>
-          </p:cNvSpPr>
-          <p:nvPr>
-            <p:ph type="body" idx="1"/>
-          </p:nvPr>
-        </p:nvSpPr>
-        <p:spPr/>
-        <p:txBody>
-          <a:bodyPr/>
-          <a:lstStyle/>
-          <a:p>
-            <a:endParaRPr lang="en-US" dirty="0"/>
-          </a:p>
-        </p:txBody>
-      </p:sp>
-      <p:sp>
-        <p:nvSpPr>
-          <p:cNvPr id="4" name="Slide Number Placeholder 3">
-            <a:extLst>
-              <a:ext uri="{FF2B5EF4-FFF2-40B4-BE49-F238E27FC236}">
-                <a16:creationId xmlns:a16="http://schemas.microsoft.com/office/drawing/2014/main" id="{F95C1BD3-2E0C-BB43-D0BD-F41269AD95F9}"/>
-              </a:ext>
-            </a:extLst>
-          </p:cNvPr>
-          <p:cNvSpPr>
-            <a:spLocks noGrp="1"/>
-          </p:cNvSpPr>
-          <p:nvPr>
-            <p:ph type="sldNum" sz="quarter" idx="5"/>
-          </p:nvPr>
-        </p:nvSpPr>
-        <p:spPr/>
-        <p:txBody>
-          <a:bodyPr/>
-          <a:lstStyle/>
-          <a:p>
-            <a:fld id="{7C366290-4595-5745-A50F-D5EC13BAC604}" type="slidenum">
-              <a:rPr lang="en-US" noProof="0" smtClean="0"/>
-              <a:t>19</a:t>
-            </a:fld>
-            <a:endParaRPr lang="en-US" noProof="0" dirty="0"/>
-          </a:p>
-        </p:txBody>
-      </p:sp>
-    </p:spTree>
-    <p:extLst>
-      <p:ext uri="{BB962C8B-B14F-4D97-AF65-F5344CB8AC3E}">
-        <p14:creationId xmlns:p14="http://schemas.microsoft.com/office/powerpoint/2010/main" val="658695615"/>
       </p:ext>
     </p:extLst>
   </p:cSld>
@@ -1989,6 +1895,330 @@
         <p:cNvPr id="1" name="">
           <a:extLst>
             <a:ext uri="{FF2B5EF4-FFF2-40B4-BE49-F238E27FC236}">
+              <a16:creationId xmlns:a16="http://schemas.microsoft.com/office/drawing/2014/main" id="{9B4436BD-1084-3AAC-6874-11D66CBD0B0D}"/>
+            </a:ext>
+          </a:extLst>
+        </p:cNvPr>
+        <p:cNvGrpSpPr/>
+        <p:nvPr/>
+      </p:nvGrpSpPr>
+      <p:grpSpPr>
+        <a:xfrm>
+          <a:off x="0" y="0"/>
+          <a:ext cx="0" cy="0"/>
+          <a:chOff x="0" y="0"/>
+          <a:chExt cx="0" cy="0"/>
+        </a:xfrm>
+      </p:grpSpPr>
+      <p:sp>
+        <p:nvSpPr>
+          <p:cNvPr id="2" name="Slide Image Placeholder 1">
+            <a:extLst>
+              <a:ext uri="{FF2B5EF4-FFF2-40B4-BE49-F238E27FC236}">
+                <a16:creationId xmlns:a16="http://schemas.microsoft.com/office/drawing/2014/main" id="{FCA4BB3D-E957-E9B7-3A5E-17F8E71D4EB4}"/>
+              </a:ext>
+            </a:extLst>
+          </p:cNvPr>
+          <p:cNvSpPr>
+            <a:spLocks noGrp="1" noRot="1" noChangeAspect="1"/>
+          </p:cNvSpPr>
+          <p:nvPr>
+            <p:ph type="sldImg"/>
+          </p:nvPr>
+        </p:nvSpPr>
+        <p:spPr/>
+      </p:sp>
+      <p:sp>
+        <p:nvSpPr>
+          <p:cNvPr id="3" name="Notes Placeholder 2">
+            <a:extLst>
+              <a:ext uri="{FF2B5EF4-FFF2-40B4-BE49-F238E27FC236}">
+                <a16:creationId xmlns:a16="http://schemas.microsoft.com/office/drawing/2014/main" id="{6F315F6F-305D-F00E-12C1-9F665C21C6B5}"/>
+              </a:ext>
+            </a:extLst>
+          </p:cNvPr>
+          <p:cNvSpPr>
+            <a:spLocks noGrp="1"/>
+          </p:cNvSpPr>
+          <p:nvPr>
+            <p:ph type="body" idx="1"/>
+          </p:nvPr>
+        </p:nvSpPr>
+        <p:spPr/>
+        <p:txBody>
+          <a:bodyPr/>
+          <a:lstStyle/>
+          <a:p>
+            <a:endParaRPr lang="en-US" dirty="0"/>
+          </a:p>
+        </p:txBody>
+      </p:sp>
+      <p:sp>
+        <p:nvSpPr>
+          <p:cNvPr id="4" name="Slide Number Placeholder 3">
+            <a:extLst>
+              <a:ext uri="{FF2B5EF4-FFF2-40B4-BE49-F238E27FC236}">
+                <a16:creationId xmlns:a16="http://schemas.microsoft.com/office/drawing/2014/main" id="{348228C5-6B07-6FAD-AC9C-032D9E16E055}"/>
+              </a:ext>
+            </a:extLst>
+          </p:cNvPr>
+          <p:cNvSpPr>
+            <a:spLocks noGrp="1"/>
+          </p:cNvSpPr>
+          <p:nvPr>
+            <p:ph type="sldNum" sz="quarter" idx="5"/>
+          </p:nvPr>
+        </p:nvSpPr>
+        <p:spPr/>
+        <p:txBody>
+          <a:bodyPr/>
+          <a:lstStyle/>
+          <a:p>
+            <a:fld id="{7C366290-4595-5745-A50F-D5EC13BAC604}" type="slidenum">
+              <a:rPr lang="en-US" noProof="0" smtClean="0"/>
+              <a:t>20</a:t>
+            </a:fld>
+            <a:endParaRPr lang="en-US" noProof="0" dirty="0"/>
+          </a:p>
+        </p:txBody>
+      </p:sp>
+    </p:spTree>
+    <p:extLst>
+      <p:ext uri="{BB962C8B-B14F-4D97-AF65-F5344CB8AC3E}">
+        <p14:creationId xmlns:p14="http://schemas.microsoft.com/office/powerpoint/2010/main" val="1598492136"/>
+      </p:ext>
+    </p:extLst>
+  </p:cSld>
+  <p:clrMapOvr>
+    <a:masterClrMapping/>
+  </p:clrMapOvr>
+</p:notes>
+</file>
+
+<file path=ppt/notesSlides/notesSlide21.xml><?xml version="1.0" encoding="utf-8"?>
+<p:notes xmlns:a="http://schemas.openxmlformats.org/drawingml/2006/main" xmlns:r="http://schemas.openxmlformats.org/officeDocument/2006/relationships" xmlns:p="http://schemas.openxmlformats.org/presentationml/2006/main">
+  <p:cSld>
+    <p:spTree>
+      <p:nvGrpSpPr>
+        <p:cNvPr id="1" name="">
+          <a:extLst>
+            <a:ext uri="{FF2B5EF4-FFF2-40B4-BE49-F238E27FC236}">
+              <a16:creationId xmlns:a16="http://schemas.microsoft.com/office/drawing/2014/main" id="{D346727D-B929-771A-C037-014A81E6FF39}"/>
+            </a:ext>
+          </a:extLst>
+        </p:cNvPr>
+        <p:cNvGrpSpPr/>
+        <p:nvPr/>
+      </p:nvGrpSpPr>
+      <p:grpSpPr>
+        <a:xfrm>
+          <a:off x="0" y="0"/>
+          <a:ext cx="0" cy="0"/>
+          <a:chOff x="0" y="0"/>
+          <a:chExt cx="0" cy="0"/>
+        </a:xfrm>
+      </p:grpSpPr>
+      <p:sp>
+        <p:nvSpPr>
+          <p:cNvPr id="2" name="Slide Image Placeholder 1">
+            <a:extLst>
+              <a:ext uri="{FF2B5EF4-FFF2-40B4-BE49-F238E27FC236}">
+                <a16:creationId xmlns:a16="http://schemas.microsoft.com/office/drawing/2014/main" id="{73F549A8-CE49-7772-513C-BC8EDCB4DBAA}"/>
+              </a:ext>
+            </a:extLst>
+          </p:cNvPr>
+          <p:cNvSpPr>
+            <a:spLocks noGrp="1" noRot="1" noChangeAspect="1"/>
+          </p:cNvSpPr>
+          <p:nvPr>
+            <p:ph type="sldImg"/>
+          </p:nvPr>
+        </p:nvSpPr>
+        <p:spPr/>
+      </p:sp>
+      <p:sp>
+        <p:nvSpPr>
+          <p:cNvPr id="3" name="Notes Placeholder 2">
+            <a:extLst>
+              <a:ext uri="{FF2B5EF4-FFF2-40B4-BE49-F238E27FC236}">
+                <a16:creationId xmlns:a16="http://schemas.microsoft.com/office/drawing/2014/main" id="{D77B5482-A69A-1523-3FBF-BFFEE61F7041}"/>
+              </a:ext>
+            </a:extLst>
+          </p:cNvPr>
+          <p:cNvSpPr>
+            <a:spLocks noGrp="1"/>
+          </p:cNvSpPr>
+          <p:nvPr>
+            <p:ph type="body" idx="1"/>
+          </p:nvPr>
+        </p:nvSpPr>
+        <p:spPr/>
+        <p:txBody>
+          <a:bodyPr/>
+          <a:lstStyle/>
+          <a:p>
+            <a:endParaRPr lang="en-US" dirty="0"/>
+          </a:p>
+        </p:txBody>
+      </p:sp>
+      <p:sp>
+        <p:nvSpPr>
+          <p:cNvPr id="4" name="Slide Number Placeholder 3">
+            <a:extLst>
+              <a:ext uri="{FF2B5EF4-FFF2-40B4-BE49-F238E27FC236}">
+                <a16:creationId xmlns:a16="http://schemas.microsoft.com/office/drawing/2014/main" id="{F389FA7F-F0E6-BC97-AB63-5988D98D9E50}"/>
+              </a:ext>
+            </a:extLst>
+          </p:cNvPr>
+          <p:cNvSpPr>
+            <a:spLocks noGrp="1"/>
+          </p:cNvSpPr>
+          <p:nvPr>
+            <p:ph type="sldNum" sz="quarter" idx="5"/>
+          </p:nvPr>
+        </p:nvSpPr>
+        <p:spPr/>
+        <p:txBody>
+          <a:bodyPr/>
+          <a:lstStyle/>
+          <a:p>
+            <a:fld id="{7C366290-4595-5745-A50F-D5EC13BAC604}" type="slidenum">
+              <a:rPr lang="en-US" noProof="0" smtClean="0"/>
+              <a:t>21</a:t>
+            </a:fld>
+            <a:endParaRPr lang="en-US" noProof="0" dirty="0"/>
+          </a:p>
+        </p:txBody>
+      </p:sp>
+    </p:spTree>
+    <p:extLst>
+      <p:ext uri="{BB962C8B-B14F-4D97-AF65-F5344CB8AC3E}">
+        <p14:creationId xmlns:p14="http://schemas.microsoft.com/office/powerpoint/2010/main" val="90956260"/>
+      </p:ext>
+    </p:extLst>
+  </p:cSld>
+  <p:clrMapOvr>
+    <a:masterClrMapping/>
+  </p:clrMapOvr>
+</p:notes>
+</file>
+
+<file path=ppt/notesSlides/notesSlide22.xml><?xml version="1.0" encoding="utf-8"?>
+<p:notes xmlns:a="http://schemas.openxmlformats.org/drawingml/2006/main" xmlns:r="http://schemas.openxmlformats.org/officeDocument/2006/relationships" xmlns:p="http://schemas.openxmlformats.org/presentationml/2006/main">
+  <p:cSld>
+    <p:spTree>
+      <p:nvGrpSpPr>
+        <p:cNvPr id="1" name="">
+          <a:extLst>
+            <a:ext uri="{FF2B5EF4-FFF2-40B4-BE49-F238E27FC236}">
+              <a16:creationId xmlns:a16="http://schemas.microsoft.com/office/drawing/2014/main" id="{35E6C14A-655C-63AE-06B5-1ED49101A66C}"/>
+            </a:ext>
+          </a:extLst>
+        </p:cNvPr>
+        <p:cNvGrpSpPr/>
+        <p:nvPr/>
+      </p:nvGrpSpPr>
+      <p:grpSpPr>
+        <a:xfrm>
+          <a:off x="0" y="0"/>
+          <a:ext cx="0" cy="0"/>
+          <a:chOff x="0" y="0"/>
+          <a:chExt cx="0" cy="0"/>
+        </a:xfrm>
+      </p:grpSpPr>
+      <p:sp>
+        <p:nvSpPr>
+          <p:cNvPr id="2" name="Slide Image Placeholder 1">
+            <a:extLst>
+              <a:ext uri="{FF2B5EF4-FFF2-40B4-BE49-F238E27FC236}">
+                <a16:creationId xmlns:a16="http://schemas.microsoft.com/office/drawing/2014/main" id="{4E211BA1-3911-3C2B-D7B8-0B04B7261FAD}"/>
+              </a:ext>
+            </a:extLst>
+          </p:cNvPr>
+          <p:cNvSpPr>
+            <a:spLocks noGrp="1" noRot="1" noChangeAspect="1"/>
+          </p:cNvSpPr>
+          <p:nvPr>
+            <p:ph type="sldImg"/>
+          </p:nvPr>
+        </p:nvSpPr>
+        <p:spPr/>
+      </p:sp>
+      <p:sp>
+        <p:nvSpPr>
+          <p:cNvPr id="3" name="Notes Placeholder 2">
+            <a:extLst>
+              <a:ext uri="{FF2B5EF4-FFF2-40B4-BE49-F238E27FC236}">
+                <a16:creationId xmlns:a16="http://schemas.microsoft.com/office/drawing/2014/main" id="{74A23BCF-12FA-6010-A11A-B2B658B0F919}"/>
+              </a:ext>
+            </a:extLst>
+          </p:cNvPr>
+          <p:cNvSpPr>
+            <a:spLocks noGrp="1"/>
+          </p:cNvSpPr>
+          <p:nvPr>
+            <p:ph type="body" idx="1"/>
+          </p:nvPr>
+        </p:nvSpPr>
+        <p:spPr/>
+        <p:txBody>
+          <a:bodyPr/>
+          <a:lstStyle/>
+          <a:p>
+            <a:endParaRPr lang="en-US" dirty="0"/>
+          </a:p>
+        </p:txBody>
+      </p:sp>
+      <p:sp>
+        <p:nvSpPr>
+          <p:cNvPr id="4" name="Slide Number Placeholder 3">
+            <a:extLst>
+              <a:ext uri="{FF2B5EF4-FFF2-40B4-BE49-F238E27FC236}">
+                <a16:creationId xmlns:a16="http://schemas.microsoft.com/office/drawing/2014/main" id="{F95C1BD3-2E0C-BB43-D0BD-F41269AD95F9}"/>
+              </a:ext>
+            </a:extLst>
+          </p:cNvPr>
+          <p:cNvSpPr>
+            <a:spLocks noGrp="1"/>
+          </p:cNvSpPr>
+          <p:nvPr>
+            <p:ph type="sldNum" sz="quarter" idx="5"/>
+          </p:nvPr>
+        </p:nvSpPr>
+        <p:spPr/>
+        <p:txBody>
+          <a:bodyPr/>
+          <a:lstStyle/>
+          <a:p>
+            <a:fld id="{7C366290-4595-5745-A50F-D5EC13BAC604}" type="slidenum">
+              <a:rPr lang="en-US" noProof="0" smtClean="0"/>
+              <a:t>22</a:t>
+            </a:fld>
+            <a:endParaRPr lang="en-US" noProof="0" dirty="0"/>
+          </a:p>
+        </p:txBody>
+      </p:sp>
+    </p:spTree>
+    <p:extLst>
+      <p:ext uri="{BB962C8B-B14F-4D97-AF65-F5344CB8AC3E}">
+        <p14:creationId xmlns:p14="http://schemas.microsoft.com/office/powerpoint/2010/main" val="658695615"/>
+      </p:ext>
+    </p:extLst>
+  </p:cSld>
+  <p:clrMapOvr>
+    <a:masterClrMapping/>
+  </p:clrMapOvr>
+</p:notes>
+</file>
+
+<file path=ppt/notesSlides/notesSlide23.xml><?xml version="1.0" encoding="utf-8"?>
+<p:notes xmlns:a="http://schemas.openxmlformats.org/drawingml/2006/main" xmlns:r="http://schemas.openxmlformats.org/officeDocument/2006/relationships" xmlns:p="http://schemas.openxmlformats.org/presentationml/2006/main">
+  <p:cSld>
+    <p:spTree>
+      <p:nvGrpSpPr>
+        <p:cNvPr id="1" name="">
+          <a:extLst>
+            <a:ext uri="{FF2B5EF4-FFF2-40B4-BE49-F238E27FC236}">
               <a16:creationId xmlns:a16="http://schemas.microsoft.com/office/drawing/2014/main" id="{0161C968-E7D1-F0DC-AA9A-1505232099F1}"/>
             </a:ext>
           </a:extLst>
@@ -2070,7 +2300,7 @@
           <a:p>
             <a:fld id="{7C366290-4595-5745-A50F-D5EC13BAC604}" type="slidenum">
               <a:rPr lang="en-US" noProof="0" smtClean="0"/>
-              <a:t>20</a:t>
+              <a:t>23</a:t>
             </a:fld>
             <a:endParaRPr lang="en-US" noProof="0" dirty="0"/>
           </a:p>
@@ -2089,7 +2319,7 @@
 </p:notes>
 </file>
 
-<file path=ppt/notesSlides/notesSlide21.xml><?xml version="1.0" encoding="utf-8"?>
+<file path=ppt/notesSlides/notesSlide24.xml><?xml version="1.0" encoding="utf-8"?>
 <p:notes xmlns:a="http://schemas.openxmlformats.org/drawingml/2006/main" xmlns:r="http://schemas.openxmlformats.org/officeDocument/2006/relationships" xmlns:p="http://schemas.openxmlformats.org/presentationml/2006/main">
   <p:cSld>
     <p:spTree>
@@ -2178,7 +2408,7 @@
           <a:p>
             <a:fld id="{7C366290-4595-5745-A50F-D5EC13BAC604}" type="slidenum">
               <a:rPr lang="en-US" noProof="0" smtClean="0"/>
-              <a:t>21</a:t>
+              <a:t>24</a:t>
             </a:fld>
             <a:endParaRPr lang="en-US" noProof="0" dirty="0"/>
           </a:p>
@@ -2197,7 +2427,7 @@
 </p:notes>
 </file>
 
-<file path=ppt/notesSlides/notesSlide22.xml><?xml version="1.0" encoding="utf-8"?>
+<file path=ppt/notesSlides/notesSlide25.xml><?xml version="1.0" encoding="utf-8"?>
 <p:notes xmlns:a="http://schemas.openxmlformats.org/drawingml/2006/main" xmlns:r="http://schemas.openxmlformats.org/officeDocument/2006/relationships" xmlns:p="http://schemas.openxmlformats.org/presentationml/2006/main">
   <p:cSld>
     <p:spTree>
@@ -2286,7 +2516,7 @@
           <a:p>
             <a:fld id="{7C366290-4595-5745-A50F-D5EC13BAC604}" type="slidenum">
               <a:rPr lang="en-US" noProof="0" smtClean="0"/>
-              <a:t>22</a:t>
+              <a:t>25</a:t>
             </a:fld>
             <a:endParaRPr lang="en-US" noProof="0" dirty="0"/>
           </a:p>
@@ -2305,7 +2535,7 @@
 </p:notes>
 </file>
 
-<file path=ppt/notesSlides/notesSlide23.xml><?xml version="1.0" encoding="utf-8"?>
+<file path=ppt/notesSlides/notesSlide26.xml><?xml version="1.0" encoding="utf-8"?>
 <p:notes xmlns:a="http://schemas.openxmlformats.org/drawingml/2006/main" xmlns:r="http://schemas.openxmlformats.org/officeDocument/2006/relationships" xmlns:p="http://schemas.openxmlformats.org/presentationml/2006/main">
   <p:cSld>
     <p:spTree>
@@ -2394,7 +2624,7 @@
           <a:p>
             <a:fld id="{7C366290-4595-5745-A50F-D5EC13BAC604}" type="slidenum">
               <a:rPr lang="en-US" noProof="0" smtClean="0"/>
-              <a:t>23</a:t>
+              <a:t>26</a:t>
             </a:fld>
             <a:endParaRPr lang="en-US" noProof="0" dirty="0"/>
           </a:p>
@@ -2413,7 +2643,7 @@
 </p:notes>
 </file>
 
-<file path=ppt/notesSlides/notesSlide24.xml><?xml version="1.0" encoding="utf-8"?>
+<file path=ppt/notesSlides/notesSlide27.xml><?xml version="1.0" encoding="utf-8"?>
 <p:notes xmlns:a="http://schemas.openxmlformats.org/drawingml/2006/main" xmlns:r="http://schemas.openxmlformats.org/officeDocument/2006/relationships" xmlns:p="http://schemas.openxmlformats.org/presentationml/2006/main">
   <p:cSld>
     <p:spTree>
@@ -2502,7 +2732,7 @@
           <a:p>
             <a:fld id="{7C366290-4595-5745-A50F-D5EC13BAC604}" type="slidenum">
               <a:rPr lang="en-US" noProof="0" smtClean="0"/>
-              <a:t>24</a:t>
+              <a:t>27</a:t>
             </a:fld>
             <a:endParaRPr lang="en-US" noProof="0" dirty="0"/>
           </a:p>
@@ -2512,90 +2742,6 @@
     <p:extLst>
       <p:ext uri="{BB962C8B-B14F-4D97-AF65-F5344CB8AC3E}">
         <p14:creationId xmlns:p14="http://schemas.microsoft.com/office/powerpoint/2010/main" val="1567043863"/>
-      </p:ext>
-    </p:extLst>
-  </p:cSld>
-  <p:clrMapOvr>
-    <a:masterClrMapping/>
-  </p:clrMapOvr>
-</p:notes>
-</file>
-
-<file path=ppt/notesSlides/notesSlide25.xml><?xml version="1.0" encoding="utf-8"?>
-<p:notes xmlns:a="http://schemas.openxmlformats.org/drawingml/2006/main" xmlns:r="http://schemas.openxmlformats.org/officeDocument/2006/relationships" xmlns:p="http://schemas.openxmlformats.org/presentationml/2006/main">
-  <p:cSld>
-    <p:spTree>
-      <p:nvGrpSpPr>
-        <p:cNvPr id="1" name=""/>
-        <p:cNvGrpSpPr/>
-        <p:nvPr/>
-      </p:nvGrpSpPr>
-      <p:grpSpPr>
-        <a:xfrm>
-          <a:off x="0" y="0"/>
-          <a:ext cx="0" cy="0"/>
-          <a:chOff x="0" y="0"/>
-          <a:chExt cx="0" cy="0"/>
-        </a:xfrm>
-      </p:grpSpPr>
-      <p:sp>
-        <p:nvSpPr>
-          <p:cNvPr id="2" name="Slide Image Placeholder 1"/>
-          <p:cNvSpPr>
-            <a:spLocks noGrp="1" noRot="1" noChangeAspect="1"/>
-          </p:cNvSpPr>
-          <p:nvPr>
-            <p:ph type="sldImg"/>
-          </p:nvPr>
-        </p:nvSpPr>
-        <p:spPr/>
-      </p:sp>
-      <p:sp>
-        <p:nvSpPr>
-          <p:cNvPr id="3" name="Notes Placeholder 2"/>
-          <p:cNvSpPr>
-            <a:spLocks noGrp="1"/>
-          </p:cNvSpPr>
-          <p:nvPr>
-            <p:ph type="body" idx="1"/>
-          </p:nvPr>
-        </p:nvSpPr>
-        <p:spPr/>
-        <p:txBody>
-          <a:bodyPr/>
-          <a:lstStyle/>
-          <a:p>
-            <a:endParaRPr lang="en-US" dirty="0"/>
-          </a:p>
-        </p:txBody>
-      </p:sp>
-      <p:sp>
-        <p:nvSpPr>
-          <p:cNvPr id="4" name="Slide Number Placeholder 3"/>
-          <p:cNvSpPr>
-            <a:spLocks noGrp="1"/>
-          </p:cNvSpPr>
-          <p:nvPr>
-            <p:ph type="sldNum" sz="quarter" idx="5"/>
-          </p:nvPr>
-        </p:nvSpPr>
-        <p:spPr/>
-        <p:txBody>
-          <a:bodyPr/>
-          <a:lstStyle/>
-          <a:p>
-            <a:fld id="{7C366290-4595-5745-A50F-D5EC13BAC604}" type="slidenum">
-              <a:rPr lang="en-US" noProof="0" smtClean="0"/>
-              <a:t>25</a:t>
-            </a:fld>
-            <a:endParaRPr lang="en-US" noProof="0" dirty="0"/>
-          </a:p>
-        </p:txBody>
-      </p:sp>
-    </p:spTree>
-    <p:extLst>
-      <p:ext uri="{BB962C8B-B14F-4D97-AF65-F5344CB8AC3E}">
-        <p14:creationId xmlns:p14="http://schemas.microsoft.com/office/powerpoint/2010/main" val="4105550432"/>
       </p:ext>
     </p:extLst>
   </p:cSld>
@@ -2778,366 +2924,6 @@
   <p:cSld>
     <p:spTree>
       <p:nvGrpSpPr>
-        <p:cNvPr id="1" name=""/>
-        <p:cNvGrpSpPr/>
-        <p:nvPr/>
-      </p:nvGrpSpPr>
-      <p:grpSpPr>
-        <a:xfrm>
-          <a:off x="0" y="0"/>
-          <a:ext cx="0" cy="0"/>
-          <a:chOff x="0" y="0"/>
-          <a:chExt cx="0" cy="0"/>
-        </a:xfrm>
-      </p:grpSpPr>
-      <p:sp>
-        <p:nvSpPr>
-          <p:cNvPr id="2" name="Slide Image Placeholder 1"/>
-          <p:cNvSpPr>
-            <a:spLocks noGrp="1" noRot="1" noChangeAspect="1"/>
-          </p:cNvSpPr>
-          <p:nvPr>
-            <p:ph type="sldImg"/>
-          </p:nvPr>
-        </p:nvSpPr>
-        <p:spPr/>
-      </p:sp>
-      <p:sp>
-        <p:nvSpPr>
-          <p:cNvPr id="3" name="Notes Placeholder 2"/>
-          <p:cNvSpPr>
-            <a:spLocks noGrp="1"/>
-          </p:cNvSpPr>
-          <p:nvPr>
-            <p:ph type="body" idx="1"/>
-          </p:nvPr>
-        </p:nvSpPr>
-        <p:spPr/>
-        <p:txBody>
-          <a:bodyPr/>
-          <a:lstStyle/>
-          <a:p>
-            <a:endParaRPr lang="en-US" dirty="0"/>
-          </a:p>
-        </p:txBody>
-      </p:sp>
-      <p:sp>
-        <p:nvSpPr>
-          <p:cNvPr id="4" name="Slide Number Placeholder 3"/>
-          <p:cNvSpPr>
-            <a:spLocks noGrp="1"/>
-          </p:cNvSpPr>
-          <p:nvPr>
-            <p:ph type="sldNum" sz="quarter" idx="5"/>
-          </p:nvPr>
-        </p:nvSpPr>
-        <p:spPr/>
-        <p:txBody>
-          <a:bodyPr/>
-          <a:lstStyle/>
-          <a:p>
-            <a:fld id="{7C366290-4595-5745-A50F-D5EC13BAC604}" type="slidenum">
-              <a:rPr lang="en-US" noProof="0" smtClean="0"/>
-              <a:t>5</a:t>
-            </a:fld>
-            <a:endParaRPr lang="en-US" noProof="0" dirty="0"/>
-          </a:p>
-        </p:txBody>
-      </p:sp>
-    </p:spTree>
-    <p:extLst>
-      <p:ext uri="{BB962C8B-B14F-4D97-AF65-F5344CB8AC3E}">
-        <p14:creationId xmlns:p14="http://schemas.microsoft.com/office/powerpoint/2010/main" val="2308133455"/>
-      </p:ext>
-    </p:extLst>
-  </p:cSld>
-  <p:clrMapOvr>
-    <a:masterClrMapping/>
-  </p:clrMapOvr>
-</p:notes>
-</file>
-
-<file path=ppt/notesSlides/notesSlide6.xml><?xml version="1.0" encoding="utf-8"?>
-<p:notes xmlns:a="http://schemas.openxmlformats.org/drawingml/2006/main" xmlns:r="http://schemas.openxmlformats.org/officeDocument/2006/relationships" xmlns:p="http://schemas.openxmlformats.org/presentationml/2006/main">
-  <p:cSld>
-    <p:spTree>
-      <p:nvGrpSpPr>
-        <p:cNvPr id="1" name=""/>
-        <p:cNvGrpSpPr/>
-        <p:nvPr/>
-      </p:nvGrpSpPr>
-      <p:grpSpPr>
-        <a:xfrm>
-          <a:off x="0" y="0"/>
-          <a:ext cx="0" cy="0"/>
-          <a:chOff x="0" y="0"/>
-          <a:chExt cx="0" cy="0"/>
-        </a:xfrm>
-      </p:grpSpPr>
-      <p:sp>
-        <p:nvSpPr>
-          <p:cNvPr id="2" name="Slide Image Placeholder 1"/>
-          <p:cNvSpPr>
-            <a:spLocks noGrp="1" noRot="1" noChangeAspect="1"/>
-          </p:cNvSpPr>
-          <p:nvPr>
-            <p:ph type="sldImg"/>
-          </p:nvPr>
-        </p:nvSpPr>
-        <p:spPr/>
-      </p:sp>
-      <p:sp>
-        <p:nvSpPr>
-          <p:cNvPr id="3" name="Notes Placeholder 2"/>
-          <p:cNvSpPr>
-            <a:spLocks noGrp="1"/>
-          </p:cNvSpPr>
-          <p:nvPr>
-            <p:ph type="body" idx="1"/>
-          </p:nvPr>
-        </p:nvSpPr>
-        <p:spPr/>
-        <p:txBody>
-          <a:bodyPr/>
-          <a:lstStyle/>
-          <a:p>
-            <a:endParaRPr lang="en-US" dirty="0"/>
-          </a:p>
-        </p:txBody>
-      </p:sp>
-      <p:sp>
-        <p:nvSpPr>
-          <p:cNvPr id="4" name="Slide Number Placeholder 3"/>
-          <p:cNvSpPr>
-            <a:spLocks noGrp="1"/>
-          </p:cNvSpPr>
-          <p:nvPr>
-            <p:ph type="sldNum" sz="quarter" idx="5"/>
-          </p:nvPr>
-        </p:nvSpPr>
-        <p:spPr/>
-        <p:txBody>
-          <a:bodyPr/>
-          <a:lstStyle/>
-          <a:p>
-            <a:fld id="{7C366290-4595-5745-A50F-D5EC13BAC604}" type="slidenum">
-              <a:rPr lang="en-US" noProof="0" smtClean="0"/>
-              <a:t>6</a:t>
-            </a:fld>
-            <a:endParaRPr lang="en-US" noProof="0" dirty="0"/>
-          </a:p>
-        </p:txBody>
-      </p:sp>
-    </p:spTree>
-    <p:extLst>
-      <p:ext uri="{BB962C8B-B14F-4D97-AF65-F5344CB8AC3E}">
-        <p14:creationId xmlns:p14="http://schemas.microsoft.com/office/powerpoint/2010/main" val="3210893639"/>
-      </p:ext>
-    </p:extLst>
-  </p:cSld>
-  <p:clrMapOvr>
-    <a:masterClrMapping/>
-  </p:clrMapOvr>
-</p:notes>
-</file>
-
-<file path=ppt/notesSlides/notesSlide7.xml><?xml version="1.0" encoding="utf-8"?>
-<p:notes xmlns:a="http://schemas.openxmlformats.org/drawingml/2006/main" xmlns:r="http://schemas.openxmlformats.org/officeDocument/2006/relationships" xmlns:p="http://schemas.openxmlformats.org/presentationml/2006/main">
-  <p:cSld>
-    <p:spTree>
-      <p:nvGrpSpPr>
-        <p:cNvPr id="1" name=""/>
-        <p:cNvGrpSpPr/>
-        <p:nvPr/>
-      </p:nvGrpSpPr>
-      <p:grpSpPr>
-        <a:xfrm>
-          <a:off x="0" y="0"/>
-          <a:ext cx="0" cy="0"/>
-          <a:chOff x="0" y="0"/>
-          <a:chExt cx="0" cy="0"/>
-        </a:xfrm>
-      </p:grpSpPr>
-      <p:sp>
-        <p:nvSpPr>
-          <p:cNvPr id="2" name="Slide Image Placeholder 1"/>
-          <p:cNvSpPr>
-            <a:spLocks noGrp="1" noRot="1" noChangeAspect="1"/>
-          </p:cNvSpPr>
-          <p:nvPr>
-            <p:ph type="sldImg"/>
-          </p:nvPr>
-        </p:nvSpPr>
-        <p:spPr/>
-      </p:sp>
-      <p:sp>
-        <p:nvSpPr>
-          <p:cNvPr id="3" name="Notes Placeholder 2"/>
-          <p:cNvSpPr>
-            <a:spLocks noGrp="1"/>
-          </p:cNvSpPr>
-          <p:nvPr>
-            <p:ph type="body" idx="1"/>
-          </p:nvPr>
-        </p:nvSpPr>
-        <p:spPr/>
-        <p:txBody>
-          <a:bodyPr/>
-          <a:lstStyle/>
-          <a:p>
-            <a:endParaRPr lang="en-US" dirty="0"/>
-          </a:p>
-        </p:txBody>
-      </p:sp>
-      <p:sp>
-        <p:nvSpPr>
-          <p:cNvPr id="4" name="Slide Number Placeholder 3"/>
-          <p:cNvSpPr>
-            <a:spLocks noGrp="1"/>
-          </p:cNvSpPr>
-          <p:nvPr>
-            <p:ph type="sldNum" sz="quarter" idx="5"/>
-          </p:nvPr>
-        </p:nvSpPr>
-        <p:spPr/>
-        <p:txBody>
-          <a:bodyPr/>
-          <a:lstStyle/>
-          <a:p>
-            <a:fld id="{7C366290-4595-5745-A50F-D5EC13BAC604}" type="slidenum">
-              <a:rPr lang="en-US" noProof="0" smtClean="0"/>
-              <a:t>7</a:t>
-            </a:fld>
-            <a:endParaRPr lang="en-US" noProof="0" dirty="0"/>
-          </a:p>
-        </p:txBody>
-      </p:sp>
-    </p:spTree>
-    <p:extLst>
-      <p:ext uri="{BB962C8B-B14F-4D97-AF65-F5344CB8AC3E}">
-        <p14:creationId xmlns:p14="http://schemas.microsoft.com/office/powerpoint/2010/main" val="1026281718"/>
-      </p:ext>
-    </p:extLst>
-  </p:cSld>
-  <p:clrMapOvr>
-    <a:masterClrMapping/>
-  </p:clrMapOvr>
-</p:notes>
-</file>
-
-<file path=ppt/notesSlides/notesSlide8.xml><?xml version="1.0" encoding="utf-8"?>
-<p:notes xmlns:a="http://schemas.openxmlformats.org/drawingml/2006/main" xmlns:r="http://schemas.openxmlformats.org/officeDocument/2006/relationships" xmlns:p="http://schemas.openxmlformats.org/presentationml/2006/main">
-  <p:cSld>
-    <p:spTree>
-      <p:nvGrpSpPr>
-        <p:cNvPr id="1" name="">
-          <a:extLst>
-            <a:ext uri="{FF2B5EF4-FFF2-40B4-BE49-F238E27FC236}">
-              <a16:creationId xmlns:a16="http://schemas.microsoft.com/office/drawing/2014/main" id="{AD7F1E83-2498-8687-2D2C-364846C0E081}"/>
-            </a:ext>
-          </a:extLst>
-        </p:cNvPr>
-        <p:cNvGrpSpPr/>
-        <p:nvPr/>
-      </p:nvGrpSpPr>
-      <p:grpSpPr>
-        <a:xfrm>
-          <a:off x="0" y="0"/>
-          <a:ext cx="0" cy="0"/>
-          <a:chOff x="0" y="0"/>
-          <a:chExt cx="0" cy="0"/>
-        </a:xfrm>
-      </p:grpSpPr>
-      <p:sp>
-        <p:nvSpPr>
-          <p:cNvPr id="2" name="Slide Image Placeholder 1">
-            <a:extLst>
-              <a:ext uri="{FF2B5EF4-FFF2-40B4-BE49-F238E27FC236}">
-                <a16:creationId xmlns:a16="http://schemas.microsoft.com/office/drawing/2014/main" id="{706FA349-063E-CEFC-A27E-FD6E9CCFAD3B}"/>
-              </a:ext>
-            </a:extLst>
-          </p:cNvPr>
-          <p:cNvSpPr>
-            <a:spLocks noGrp="1" noRot="1" noChangeAspect="1"/>
-          </p:cNvSpPr>
-          <p:nvPr>
-            <p:ph type="sldImg"/>
-          </p:nvPr>
-        </p:nvSpPr>
-        <p:spPr/>
-      </p:sp>
-      <p:sp>
-        <p:nvSpPr>
-          <p:cNvPr id="3" name="Notes Placeholder 2">
-            <a:extLst>
-              <a:ext uri="{FF2B5EF4-FFF2-40B4-BE49-F238E27FC236}">
-                <a16:creationId xmlns:a16="http://schemas.microsoft.com/office/drawing/2014/main" id="{B7C9FB22-F7AE-47B4-D0F3-9875C6BFFE77}"/>
-              </a:ext>
-            </a:extLst>
-          </p:cNvPr>
-          <p:cNvSpPr>
-            <a:spLocks noGrp="1"/>
-          </p:cNvSpPr>
-          <p:nvPr>
-            <p:ph type="body" idx="1"/>
-          </p:nvPr>
-        </p:nvSpPr>
-        <p:spPr/>
-        <p:txBody>
-          <a:bodyPr/>
-          <a:lstStyle/>
-          <a:p>
-            <a:endParaRPr lang="en-US" dirty="0"/>
-          </a:p>
-        </p:txBody>
-      </p:sp>
-      <p:sp>
-        <p:nvSpPr>
-          <p:cNvPr id="4" name="Slide Number Placeholder 3">
-            <a:extLst>
-              <a:ext uri="{FF2B5EF4-FFF2-40B4-BE49-F238E27FC236}">
-                <a16:creationId xmlns:a16="http://schemas.microsoft.com/office/drawing/2014/main" id="{8EEF1612-2472-3167-312B-28B0807BDC75}"/>
-              </a:ext>
-            </a:extLst>
-          </p:cNvPr>
-          <p:cNvSpPr>
-            <a:spLocks noGrp="1"/>
-          </p:cNvSpPr>
-          <p:nvPr>
-            <p:ph type="sldNum" sz="quarter" idx="5"/>
-          </p:nvPr>
-        </p:nvSpPr>
-        <p:spPr/>
-        <p:txBody>
-          <a:bodyPr/>
-          <a:lstStyle/>
-          <a:p>
-            <a:fld id="{7C366290-4595-5745-A50F-D5EC13BAC604}" type="slidenum">
-              <a:rPr lang="en-US" noProof="0" smtClean="0"/>
-              <a:t>8</a:t>
-            </a:fld>
-            <a:endParaRPr lang="en-US" noProof="0" dirty="0"/>
-          </a:p>
-        </p:txBody>
-      </p:sp>
-    </p:spTree>
-    <p:extLst>
-      <p:ext uri="{BB962C8B-B14F-4D97-AF65-F5344CB8AC3E}">
-        <p14:creationId xmlns:p14="http://schemas.microsoft.com/office/powerpoint/2010/main" val="1162182266"/>
-      </p:ext>
-    </p:extLst>
-  </p:cSld>
-  <p:clrMapOvr>
-    <a:masterClrMapping/>
-  </p:clrMapOvr>
-</p:notes>
-</file>
-
-<file path=ppt/notesSlides/notesSlide9.xml><?xml version="1.0" encoding="utf-8"?>
-<p:notes xmlns:a="http://schemas.openxmlformats.org/drawingml/2006/main" xmlns:r="http://schemas.openxmlformats.org/officeDocument/2006/relationships" xmlns:p="http://schemas.openxmlformats.org/presentationml/2006/main">
-  <p:cSld>
-    <p:spTree>
-      <p:nvGrpSpPr>
         <p:cNvPr id="1" name="">
           <a:extLst>
             <a:ext uri="{FF2B5EF4-FFF2-40B4-BE49-F238E27FC236}">
@@ -3222,6 +3008,438 @@
           <a:p>
             <a:fld id="{7C366290-4595-5745-A50F-D5EC13BAC604}" type="slidenum">
               <a:rPr lang="en-US" noProof="0" smtClean="0"/>
+              <a:t>5</a:t>
+            </a:fld>
+            <a:endParaRPr lang="en-US" noProof="0" dirty="0"/>
+          </a:p>
+        </p:txBody>
+      </p:sp>
+    </p:spTree>
+    <p:extLst>
+      <p:ext uri="{BB962C8B-B14F-4D97-AF65-F5344CB8AC3E}">
+        <p14:creationId xmlns:p14="http://schemas.microsoft.com/office/powerpoint/2010/main" val="3379774461"/>
+      </p:ext>
+    </p:extLst>
+  </p:cSld>
+  <p:clrMapOvr>
+    <a:masterClrMapping/>
+  </p:clrMapOvr>
+</p:notes>
+</file>
+
+<file path=ppt/notesSlides/notesSlide6.xml><?xml version="1.0" encoding="utf-8"?>
+<p:notes xmlns:a="http://schemas.openxmlformats.org/drawingml/2006/main" xmlns:r="http://schemas.openxmlformats.org/officeDocument/2006/relationships" xmlns:p="http://schemas.openxmlformats.org/presentationml/2006/main">
+  <p:cSld>
+    <p:spTree>
+      <p:nvGrpSpPr>
+        <p:cNvPr id="1" name="">
+          <a:extLst>
+            <a:ext uri="{FF2B5EF4-FFF2-40B4-BE49-F238E27FC236}">
+              <a16:creationId xmlns:a16="http://schemas.microsoft.com/office/drawing/2014/main" id="{3F4F24BE-B6DA-94E1-F72D-F23A54AFAC71}"/>
+            </a:ext>
+          </a:extLst>
+        </p:cNvPr>
+        <p:cNvGrpSpPr/>
+        <p:nvPr/>
+      </p:nvGrpSpPr>
+      <p:grpSpPr>
+        <a:xfrm>
+          <a:off x="0" y="0"/>
+          <a:ext cx="0" cy="0"/>
+          <a:chOff x="0" y="0"/>
+          <a:chExt cx="0" cy="0"/>
+        </a:xfrm>
+      </p:grpSpPr>
+      <p:sp>
+        <p:nvSpPr>
+          <p:cNvPr id="2" name="Slide Image Placeholder 1">
+            <a:extLst>
+              <a:ext uri="{FF2B5EF4-FFF2-40B4-BE49-F238E27FC236}">
+                <a16:creationId xmlns:a16="http://schemas.microsoft.com/office/drawing/2014/main" id="{023D9D31-9051-CB1C-FDB2-4D9644BF6B58}"/>
+              </a:ext>
+            </a:extLst>
+          </p:cNvPr>
+          <p:cNvSpPr>
+            <a:spLocks noGrp="1" noRot="1" noChangeAspect="1"/>
+          </p:cNvSpPr>
+          <p:nvPr>
+            <p:ph type="sldImg"/>
+          </p:nvPr>
+        </p:nvSpPr>
+        <p:spPr/>
+      </p:sp>
+      <p:sp>
+        <p:nvSpPr>
+          <p:cNvPr id="3" name="Notes Placeholder 2">
+            <a:extLst>
+              <a:ext uri="{FF2B5EF4-FFF2-40B4-BE49-F238E27FC236}">
+                <a16:creationId xmlns:a16="http://schemas.microsoft.com/office/drawing/2014/main" id="{E1ED738E-3BF8-E998-B52B-12052084A975}"/>
+              </a:ext>
+            </a:extLst>
+          </p:cNvPr>
+          <p:cNvSpPr>
+            <a:spLocks noGrp="1"/>
+          </p:cNvSpPr>
+          <p:nvPr>
+            <p:ph type="body" idx="1"/>
+          </p:nvPr>
+        </p:nvSpPr>
+        <p:spPr/>
+        <p:txBody>
+          <a:bodyPr/>
+          <a:lstStyle/>
+          <a:p>
+            <a:endParaRPr lang="en-US" dirty="0"/>
+          </a:p>
+        </p:txBody>
+      </p:sp>
+      <p:sp>
+        <p:nvSpPr>
+          <p:cNvPr id="4" name="Slide Number Placeholder 3">
+            <a:extLst>
+              <a:ext uri="{FF2B5EF4-FFF2-40B4-BE49-F238E27FC236}">
+                <a16:creationId xmlns:a16="http://schemas.microsoft.com/office/drawing/2014/main" id="{982AD66A-1B43-9994-0096-F921C7F7C0C6}"/>
+              </a:ext>
+            </a:extLst>
+          </p:cNvPr>
+          <p:cNvSpPr>
+            <a:spLocks noGrp="1"/>
+          </p:cNvSpPr>
+          <p:nvPr>
+            <p:ph type="sldNum" sz="quarter" idx="5"/>
+          </p:nvPr>
+        </p:nvSpPr>
+        <p:spPr/>
+        <p:txBody>
+          <a:bodyPr/>
+          <a:lstStyle/>
+          <a:p>
+            <a:fld id="{7C366290-4595-5745-A50F-D5EC13BAC604}" type="slidenum">
+              <a:rPr lang="en-US" noProof="0" smtClean="0"/>
+              <a:t>6</a:t>
+            </a:fld>
+            <a:endParaRPr lang="en-US" noProof="0" dirty="0"/>
+          </a:p>
+        </p:txBody>
+      </p:sp>
+    </p:spTree>
+    <p:extLst>
+      <p:ext uri="{BB962C8B-B14F-4D97-AF65-F5344CB8AC3E}">
+        <p14:creationId xmlns:p14="http://schemas.microsoft.com/office/powerpoint/2010/main" val="129694623"/>
+      </p:ext>
+    </p:extLst>
+  </p:cSld>
+  <p:clrMapOvr>
+    <a:masterClrMapping/>
+  </p:clrMapOvr>
+</p:notes>
+</file>
+
+<file path=ppt/notesSlides/notesSlide7.xml><?xml version="1.0" encoding="utf-8"?>
+<p:notes xmlns:a="http://schemas.openxmlformats.org/drawingml/2006/main" xmlns:r="http://schemas.openxmlformats.org/officeDocument/2006/relationships" xmlns:p="http://schemas.openxmlformats.org/presentationml/2006/main">
+  <p:cSld>
+    <p:spTree>
+      <p:nvGrpSpPr>
+        <p:cNvPr id="1" name="">
+          <a:extLst>
+            <a:ext uri="{FF2B5EF4-FFF2-40B4-BE49-F238E27FC236}">
+              <a16:creationId xmlns:a16="http://schemas.microsoft.com/office/drawing/2014/main" id="{228EE503-A3D0-19D2-E96A-A29A84B348F2}"/>
+            </a:ext>
+          </a:extLst>
+        </p:cNvPr>
+        <p:cNvGrpSpPr/>
+        <p:nvPr/>
+      </p:nvGrpSpPr>
+      <p:grpSpPr>
+        <a:xfrm>
+          <a:off x="0" y="0"/>
+          <a:ext cx="0" cy="0"/>
+          <a:chOff x="0" y="0"/>
+          <a:chExt cx="0" cy="0"/>
+        </a:xfrm>
+      </p:grpSpPr>
+      <p:sp>
+        <p:nvSpPr>
+          <p:cNvPr id="2" name="Slide Image Placeholder 1">
+            <a:extLst>
+              <a:ext uri="{FF2B5EF4-FFF2-40B4-BE49-F238E27FC236}">
+                <a16:creationId xmlns:a16="http://schemas.microsoft.com/office/drawing/2014/main" id="{34D01FAD-1571-B1EB-2D35-187E77F1EA47}"/>
+              </a:ext>
+            </a:extLst>
+          </p:cNvPr>
+          <p:cNvSpPr>
+            <a:spLocks noGrp="1" noRot="1" noChangeAspect="1"/>
+          </p:cNvSpPr>
+          <p:nvPr>
+            <p:ph type="sldImg"/>
+          </p:nvPr>
+        </p:nvSpPr>
+        <p:spPr/>
+      </p:sp>
+      <p:sp>
+        <p:nvSpPr>
+          <p:cNvPr id="3" name="Notes Placeholder 2">
+            <a:extLst>
+              <a:ext uri="{FF2B5EF4-FFF2-40B4-BE49-F238E27FC236}">
+                <a16:creationId xmlns:a16="http://schemas.microsoft.com/office/drawing/2014/main" id="{20AA144A-5AD3-3736-6AAC-3D71F3641081}"/>
+              </a:ext>
+            </a:extLst>
+          </p:cNvPr>
+          <p:cNvSpPr>
+            <a:spLocks noGrp="1"/>
+          </p:cNvSpPr>
+          <p:nvPr>
+            <p:ph type="body" idx="1"/>
+          </p:nvPr>
+        </p:nvSpPr>
+        <p:spPr/>
+        <p:txBody>
+          <a:bodyPr/>
+          <a:lstStyle/>
+          <a:p>
+            <a:endParaRPr lang="en-US" dirty="0"/>
+          </a:p>
+        </p:txBody>
+      </p:sp>
+      <p:sp>
+        <p:nvSpPr>
+          <p:cNvPr id="4" name="Slide Number Placeholder 3">
+            <a:extLst>
+              <a:ext uri="{FF2B5EF4-FFF2-40B4-BE49-F238E27FC236}">
+                <a16:creationId xmlns:a16="http://schemas.microsoft.com/office/drawing/2014/main" id="{47F8709B-B089-A6CE-8722-4E7598758734}"/>
+              </a:ext>
+            </a:extLst>
+          </p:cNvPr>
+          <p:cNvSpPr>
+            <a:spLocks noGrp="1"/>
+          </p:cNvSpPr>
+          <p:nvPr>
+            <p:ph type="sldNum" sz="quarter" idx="5"/>
+          </p:nvPr>
+        </p:nvSpPr>
+        <p:spPr/>
+        <p:txBody>
+          <a:bodyPr/>
+          <a:lstStyle/>
+          <a:p>
+            <a:fld id="{7C366290-4595-5745-A50F-D5EC13BAC604}" type="slidenum">
+              <a:rPr lang="en-US" noProof="0" smtClean="0"/>
+              <a:t>7</a:t>
+            </a:fld>
+            <a:endParaRPr lang="en-US" noProof="0" dirty="0"/>
+          </a:p>
+        </p:txBody>
+      </p:sp>
+    </p:spTree>
+    <p:extLst>
+      <p:ext uri="{BB962C8B-B14F-4D97-AF65-F5344CB8AC3E}">
+        <p14:creationId xmlns:p14="http://schemas.microsoft.com/office/powerpoint/2010/main" val="2961976252"/>
+      </p:ext>
+    </p:extLst>
+  </p:cSld>
+  <p:clrMapOvr>
+    <a:masterClrMapping/>
+  </p:clrMapOvr>
+</p:notes>
+</file>
+
+<file path=ppt/notesSlides/notesSlide8.xml><?xml version="1.0" encoding="utf-8"?>
+<p:notes xmlns:a="http://schemas.openxmlformats.org/drawingml/2006/main" xmlns:r="http://schemas.openxmlformats.org/officeDocument/2006/relationships" xmlns:p="http://schemas.openxmlformats.org/presentationml/2006/main">
+  <p:cSld>
+    <p:spTree>
+      <p:nvGrpSpPr>
+        <p:cNvPr id="1" name="">
+          <a:extLst>
+            <a:ext uri="{FF2B5EF4-FFF2-40B4-BE49-F238E27FC236}">
+              <a16:creationId xmlns:a16="http://schemas.microsoft.com/office/drawing/2014/main" id="{D34AA978-50CA-01F4-B773-4B473E8854BE}"/>
+            </a:ext>
+          </a:extLst>
+        </p:cNvPr>
+        <p:cNvGrpSpPr/>
+        <p:nvPr/>
+      </p:nvGrpSpPr>
+      <p:grpSpPr>
+        <a:xfrm>
+          <a:off x="0" y="0"/>
+          <a:ext cx="0" cy="0"/>
+          <a:chOff x="0" y="0"/>
+          <a:chExt cx="0" cy="0"/>
+        </a:xfrm>
+      </p:grpSpPr>
+      <p:sp>
+        <p:nvSpPr>
+          <p:cNvPr id="2" name="Slide Image Placeholder 1">
+            <a:extLst>
+              <a:ext uri="{FF2B5EF4-FFF2-40B4-BE49-F238E27FC236}">
+                <a16:creationId xmlns:a16="http://schemas.microsoft.com/office/drawing/2014/main" id="{6C5F74AD-B9D8-BF16-DF45-046C2E1160F1}"/>
+              </a:ext>
+            </a:extLst>
+          </p:cNvPr>
+          <p:cNvSpPr>
+            <a:spLocks noGrp="1" noRot="1" noChangeAspect="1"/>
+          </p:cNvSpPr>
+          <p:nvPr>
+            <p:ph type="sldImg"/>
+          </p:nvPr>
+        </p:nvSpPr>
+        <p:spPr/>
+      </p:sp>
+      <p:sp>
+        <p:nvSpPr>
+          <p:cNvPr id="3" name="Notes Placeholder 2">
+            <a:extLst>
+              <a:ext uri="{FF2B5EF4-FFF2-40B4-BE49-F238E27FC236}">
+                <a16:creationId xmlns:a16="http://schemas.microsoft.com/office/drawing/2014/main" id="{A0EA5FF3-3699-8EF5-FC7D-F878A663F6FD}"/>
+              </a:ext>
+            </a:extLst>
+          </p:cNvPr>
+          <p:cNvSpPr>
+            <a:spLocks noGrp="1"/>
+          </p:cNvSpPr>
+          <p:nvPr>
+            <p:ph type="body" idx="1"/>
+          </p:nvPr>
+        </p:nvSpPr>
+        <p:spPr/>
+        <p:txBody>
+          <a:bodyPr/>
+          <a:lstStyle/>
+          <a:p>
+            <a:endParaRPr lang="en-US" dirty="0"/>
+          </a:p>
+        </p:txBody>
+      </p:sp>
+      <p:sp>
+        <p:nvSpPr>
+          <p:cNvPr id="4" name="Slide Number Placeholder 3">
+            <a:extLst>
+              <a:ext uri="{FF2B5EF4-FFF2-40B4-BE49-F238E27FC236}">
+                <a16:creationId xmlns:a16="http://schemas.microsoft.com/office/drawing/2014/main" id="{42BB3379-029E-9571-2A93-9D61CEB8D955}"/>
+              </a:ext>
+            </a:extLst>
+          </p:cNvPr>
+          <p:cNvSpPr>
+            <a:spLocks noGrp="1"/>
+          </p:cNvSpPr>
+          <p:nvPr>
+            <p:ph type="sldNum" sz="quarter" idx="5"/>
+          </p:nvPr>
+        </p:nvSpPr>
+        <p:spPr/>
+        <p:txBody>
+          <a:bodyPr/>
+          <a:lstStyle/>
+          <a:p>
+            <a:fld id="{7C366290-4595-5745-A50F-D5EC13BAC604}" type="slidenum">
+              <a:rPr lang="en-US" noProof="0" smtClean="0"/>
+              <a:t>8</a:t>
+            </a:fld>
+            <a:endParaRPr lang="en-US" noProof="0" dirty="0"/>
+          </a:p>
+        </p:txBody>
+      </p:sp>
+    </p:spTree>
+    <p:extLst>
+      <p:ext uri="{BB962C8B-B14F-4D97-AF65-F5344CB8AC3E}">
+        <p14:creationId xmlns:p14="http://schemas.microsoft.com/office/powerpoint/2010/main" val="1170494043"/>
+      </p:ext>
+    </p:extLst>
+  </p:cSld>
+  <p:clrMapOvr>
+    <a:masterClrMapping/>
+  </p:clrMapOvr>
+</p:notes>
+</file>
+
+<file path=ppt/notesSlides/notesSlide9.xml><?xml version="1.0" encoding="utf-8"?>
+<p:notes xmlns:a="http://schemas.openxmlformats.org/drawingml/2006/main" xmlns:r="http://schemas.openxmlformats.org/officeDocument/2006/relationships" xmlns:p="http://schemas.openxmlformats.org/presentationml/2006/main">
+  <p:cSld>
+    <p:spTree>
+      <p:nvGrpSpPr>
+        <p:cNvPr id="1" name="">
+          <a:extLst>
+            <a:ext uri="{FF2B5EF4-FFF2-40B4-BE49-F238E27FC236}">
+              <a16:creationId xmlns:a16="http://schemas.microsoft.com/office/drawing/2014/main" id="{9C16E91B-9DBD-28A3-51F6-F945BB88BC2E}"/>
+            </a:ext>
+          </a:extLst>
+        </p:cNvPr>
+        <p:cNvGrpSpPr/>
+        <p:nvPr/>
+      </p:nvGrpSpPr>
+      <p:grpSpPr>
+        <a:xfrm>
+          <a:off x="0" y="0"/>
+          <a:ext cx="0" cy="0"/>
+          <a:chOff x="0" y="0"/>
+          <a:chExt cx="0" cy="0"/>
+        </a:xfrm>
+      </p:grpSpPr>
+      <p:sp>
+        <p:nvSpPr>
+          <p:cNvPr id="2" name="Slide Image Placeholder 1">
+            <a:extLst>
+              <a:ext uri="{FF2B5EF4-FFF2-40B4-BE49-F238E27FC236}">
+                <a16:creationId xmlns:a16="http://schemas.microsoft.com/office/drawing/2014/main" id="{724CA407-8DE4-A505-3E84-E8053CF486EA}"/>
+              </a:ext>
+            </a:extLst>
+          </p:cNvPr>
+          <p:cNvSpPr>
+            <a:spLocks noGrp="1" noRot="1" noChangeAspect="1"/>
+          </p:cNvSpPr>
+          <p:nvPr>
+            <p:ph type="sldImg"/>
+          </p:nvPr>
+        </p:nvSpPr>
+        <p:spPr/>
+      </p:sp>
+      <p:sp>
+        <p:nvSpPr>
+          <p:cNvPr id="3" name="Notes Placeholder 2">
+            <a:extLst>
+              <a:ext uri="{FF2B5EF4-FFF2-40B4-BE49-F238E27FC236}">
+                <a16:creationId xmlns:a16="http://schemas.microsoft.com/office/drawing/2014/main" id="{FF83F0D3-0ABC-3EC0-B589-FBFFC0ED31AC}"/>
+              </a:ext>
+            </a:extLst>
+          </p:cNvPr>
+          <p:cNvSpPr>
+            <a:spLocks noGrp="1"/>
+          </p:cNvSpPr>
+          <p:nvPr>
+            <p:ph type="body" idx="1"/>
+          </p:nvPr>
+        </p:nvSpPr>
+        <p:spPr/>
+        <p:txBody>
+          <a:bodyPr/>
+          <a:lstStyle/>
+          <a:p>
+            <a:endParaRPr lang="en-US" dirty="0"/>
+          </a:p>
+        </p:txBody>
+      </p:sp>
+      <p:sp>
+        <p:nvSpPr>
+          <p:cNvPr id="4" name="Slide Number Placeholder 3">
+            <a:extLst>
+              <a:ext uri="{FF2B5EF4-FFF2-40B4-BE49-F238E27FC236}">
+                <a16:creationId xmlns:a16="http://schemas.microsoft.com/office/drawing/2014/main" id="{71684D45-FE64-7CC4-C4E9-6FA6E2E2B711}"/>
+              </a:ext>
+            </a:extLst>
+          </p:cNvPr>
+          <p:cNvSpPr>
+            <a:spLocks noGrp="1"/>
+          </p:cNvSpPr>
+          <p:nvPr>
+            <p:ph type="sldNum" sz="quarter" idx="5"/>
+          </p:nvPr>
+        </p:nvSpPr>
+        <p:spPr/>
+        <p:txBody>
+          <a:bodyPr/>
+          <a:lstStyle/>
+          <a:p>
+            <a:fld id="{7C366290-4595-5745-A50F-D5EC13BAC604}" type="slidenum">
+              <a:rPr lang="en-US" noProof="0" smtClean="0"/>
               <a:t>9</a:t>
             </a:fld>
             <a:endParaRPr lang="en-US" noProof="0" dirty="0"/>
@@ -3231,7 +3449,7 @@
     </p:spTree>
     <p:extLst>
       <p:ext uri="{BB962C8B-B14F-4D97-AF65-F5344CB8AC3E}">
-        <p14:creationId xmlns:p14="http://schemas.microsoft.com/office/powerpoint/2010/main" val="3379774461"/>
+        <p14:creationId xmlns:p14="http://schemas.microsoft.com/office/powerpoint/2010/main" val="1051822363"/>
       </p:ext>
     </p:extLst>
   </p:cSld>
@@ -29227,135 +29445,7 @@
         <p:cNvPr id="1" name="">
           <a:extLst>
             <a:ext uri="{FF2B5EF4-FFF2-40B4-BE49-F238E27FC236}">
-              <a16:creationId xmlns:a16="http://schemas.microsoft.com/office/drawing/2014/main" id="{486910C8-62EB-19F0-146D-C528669E5E41}"/>
-            </a:ext>
-          </a:extLst>
-        </p:cNvPr>
-        <p:cNvGrpSpPr/>
-        <p:nvPr/>
-      </p:nvGrpSpPr>
-      <p:grpSpPr>
-        <a:xfrm>
-          <a:off x="0" y="0"/>
-          <a:ext cx="0" cy="0"/>
-          <a:chOff x="0" y="0"/>
-          <a:chExt cx="0" cy="0"/>
-        </a:xfrm>
-      </p:grpSpPr>
-      <p:pic>
-        <p:nvPicPr>
-          <p:cNvPr id="4" name="Picture 3">
-            <a:extLst>
-              <a:ext uri="{FF2B5EF4-FFF2-40B4-BE49-F238E27FC236}">
-                <a16:creationId xmlns:a16="http://schemas.microsoft.com/office/drawing/2014/main" id="{0F8232ED-CAD3-2A23-772B-1DABDB634EC4}"/>
-              </a:ext>
-            </a:extLst>
-          </p:cNvPr>
-          <p:cNvPicPr>
-            <a:picLocks noChangeAspect="1"/>
-          </p:cNvPicPr>
-          <p:nvPr/>
-        </p:nvPicPr>
-        <p:blipFill>
-          <a:blip r:embed="rId3"/>
-          <a:stretch>
-            <a:fillRect/>
-          </a:stretch>
-        </p:blipFill>
-        <p:spPr>
-          <a:xfrm>
-            <a:off x="609589" y="685794"/>
-            <a:ext cx="10972822" cy="5486411"/>
-          </a:xfrm>
-          <a:prstGeom prst="rect">
-            <a:avLst/>
-          </a:prstGeom>
-        </p:spPr>
-      </p:pic>
-      <p:sp>
-        <p:nvSpPr>
-          <p:cNvPr id="13" name="Title 1">
-            <a:extLst>
-              <a:ext uri="{FF2B5EF4-FFF2-40B4-BE49-F238E27FC236}">
-                <a16:creationId xmlns:a16="http://schemas.microsoft.com/office/drawing/2014/main" id="{D35E11F1-8F5C-EB63-1D6C-A6383C76BFD1}"/>
-              </a:ext>
-            </a:extLst>
-          </p:cNvPr>
-          <p:cNvSpPr txBox="1">
-            <a:spLocks/>
-          </p:cNvSpPr>
-          <p:nvPr/>
-        </p:nvSpPr>
-        <p:spPr>
-          <a:xfrm>
-            <a:off x="2722626" y="-246184"/>
-            <a:ext cx="6746748" cy="1293091"/>
-          </a:xfrm>
-          <a:prstGeom prst="rect">
-            <a:avLst/>
-          </a:prstGeom>
-        </p:spPr>
-        <p:txBody>
-          <a:bodyPr vert="horz" lIns="91440" tIns="45720" rIns="91440" bIns="45720" rtlCol="0" anchor="b" anchorCtr="0">
-            <a:noAutofit/>
-          </a:bodyPr>
-          <a:lstStyle>
-            <a:lvl1pPr algn="ctr" defTabSz="914400" rtl="0" eaLnBrk="1" latinLnBrk="0" hangingPunct="1">
-              <a:lnSpc>
-                <a:spcPct val="90000"/>
-              </a:lnSpc>
-              <a:spcBef>
-                <a:spcPct val="0"/>
-              </a:spcBef>
-              <a:buNone/>
-              <a:defRPr sz="4800" kern="1200" cap="none" baseline="0">
-                <a:solidFill>
-                  <a:schemeClr val="tx1"/>
-                </a:solidFill>
-                <a:latin typeface="+mj-lt"/>
-                <a:ea typeface="+mj-ea"/>
-                <a:cs typeface="+mj-cs"/>
-              </a:defRPr>
-            </a:lvl1pPr>
-          </a:lstStyle>
-          <a:p>
-            <a:r>
-              <a:rPr lang="en-US" dirty="0"/>
-              <a:t>Arithmetic Coding</a:t>
-            </a:r>
-          </a:p>
-        </p:txBody>
-      </p:sp>
-    </p:spTree>
-    <p:extLst>
-      <p:ext uri="{BB962C8B-B14F-4D97-AF65-F5344CB8AC3E}">
-        <p14:creationId xmlns:p14="http://schemas.microsoft.com/office/powerpoint/2010/main" val="1852772945"/>
-      </p:ext>
-    </p:extLst>
-  </p:cSld>
-  <p:clrMapOvr>
-    <a:masterClrMapping/>
-  </p:clrMapOvr>
-</p:sld>
-</file>
-
-<file path=ppt/slides/slide11.xml><?xml version="1.0" encoding="utf-8"?>
-<p:sld xmlns:a="http://schemas.openxmlformats.org/drawingml/2006/main" xmlns:r="http://schemas.openxmlformats.org/officeDocument/2006/relationships" xmlns:p="http://schemas.openxmlformats.org/presentationml/2006/main">
-  <p:cSld>
-    <p:bg>
-      <p:bgPr>
-        <a:solidFill>
-          <a:schemeClr val="bg2"/>
-        </a:solidFill>
-        <a:effectLst/>
-      </p:bgPr>
-    </p:bg>
-    <p:spTree>
-      <p:nvGrpSpPr>
-        <p:cNvPr id="1" name="">
-          <a:extLst>
-            <a:ext uri="{FF2B5EF4-FFF2-40B4-BE49-F238E27FC236}">
-              <a16:creationId xmlns:a16="http://schemas.microsoft.com/office/drawing/2014/main" id="{1A191E0B-BE58-810B-73D4-35C1EF26EB64}"/>
+              <a16:creationId xmlns:a16="http://schemas.microsoft.com/office/drawing/2014/main" id="{25C61286-25C5-6363-70CB-1D70111812AE}"/>
             </a:ext>
           </a:extLst>
         </p:cNvPr>
@@ -29372,329 +29462,10 @@
       </p:grpSpPr>
       <p:sp>
         <p:nvSpPr>
-          <p:cNvPr id="9" name="Title 1">
-            <a:extLst>
-              <a:ext uri="{FF2B5EF4-FFF2-40B4-BE49-F238E27FC236}">
-                <a16:creationId xmlns:a16="http://schemas.microsoft.com/office/drawing/2014/main" id="{7246A38E-7973-6AD6-2D7C-223209C3836D}"/>
-              </a:ext>
-            </a:extLst>
-          </p:cNvPr>
-          <p:cNvSpPr txBox="1">
-            <a:spLocks/>
-          </p:cNvSpPr>
-          <p:nvPr/>
-        </p:nvSpPr>
-        <p:spPr>
-          <a:xfrm>
-            <a:off x="-149470" y="-224757"/>
-            <a:ext cx="5641848" cy="1293091"/>
-          </a:xfrm>
-          <a:prstGeom prst="rect">
-            <a:avLst/>
-          </a:prstGeom>
-        </p:spPr>
-        <p:txBody>
-          <a:bodyPr vert="horz" lIns="91440" tIns="45720" rIns="91440" bIns="45720" rtlCol="0" anchor="b" anchorCtr="0">
-            <a:noAutofit/>
-          </a:bodyPr>
-          <a:lstStyle>
-            <a:lvl1pPr algn="ctr" defTabSz="914400" rtl="0" eaLnBrk="1" latinLnBrk="0" hangingPunct="1">
-              <a:lnSpc>
-                <a:spcPct val="90000"/>
-              </a:lnSpc>
-              <a:spcBef>
-                <a:spcPct val="0"/>
-              </a:spcBef>
-              <a:buNone/>
-              <a:defRPr sz="4800" kern="1200" cap="none" baseline="0">
-                <a:solidFill>
-                  <a:schemeClr val="tx1"/>
-                </a:solidFill>
-                <a:latin typeface="+mj-lt"/>
-                <a:ea typeface="+mj-ea"/>
-                <a:cs typeface="+mj-cs"/>
-              </a:defRPr>
-            </a:lvl1pPr>
-          </a:lstStyle>
-          <a:p>
-            <a:r>
-              <a:rPr lang="en-US" dirty="0"/>
-              <a:t>LZW Coding</a:t>
-            </a:r>
-          </a:p>
-        </p:txBody>
-      </p:sp>
-      <p:sp>
-        <p:nvSpPr>
-          <p:cNvPr id="10" name="TextBox 9">
-            <a:extLst>
-              <a:ext uri="{FF2B5EF4-FFF2-40B4-BE49-F238E27FC236}">
-                <a16:creationId xmlns:a16="http://schemas.microsoft.com/office/drawing/2014/main" id="{A70E1A33-DEA6-50F1-A23A-F6486EA5303F}"/>
-              </a:ext>
-            </a:extLst>
-          </p:cNvPr>
-          <p:cNvSpPr txBox="1"/>
-          <p:nvPr/>
-        </p:nvSpPr>
-        <p:spPr>
-          <a:xfrm>
-            <a:off x="817682" y="1143855"/>
-            <a:ext cx="10788161" cy="1200329"/>
-          </a:xfrm>
-          <a:prstGeom prst="rect">
-            <a:avLst/>
-          </a:prstGeom>
-          <a:noFill/>
-        </p:spPr>
-        <p:txBody>
-          <a:bodyPr wrap="square">
-            <a:spAutoFit/>
-          </a:bodyPr>
-          <a:lstStyle/>
-          <a:p>
-            <a:r>
-              <a:rPr lang="en-US" sz="2400" dirty="0"/>
-              <a:t>LZW (Lempel-Ziv-Welch) coding is a lossless data compression algorithm that builds a dictionary of substrings dynamically as it encodes data. It replaces repeated substrings with shorter codes, achieving compression by removing redundancy.</a:t>
-            </a:r>
-          </a:p>
-        </p:txBody>
-      </p:sp>
-      <p:sp>
-        <p:nvSpPr>
-          <p:cNvPr id="12" name="TextBox 11">
-            <a:extLst>
-              <a:ext uri="{FF2B5EF4-FFF2-40B4-BE49-F238E27FC236}">
-                <a16:creationId xmlns:a16="http://schemas.microsoft.com/office/drawing/2014/main" id="{6656CF81-614F-7120-75B2-5B02B7437853}"/>
-              </a:ext>
-            </a:extLst>
-          </p:cNvPr>
-          <p:cNvSpPr txBox="1"/>
-          <p:nvPr/>
-        </p:nvSpPr>
-        <p:spPr>
-          <a:xfrm>
-            <a:off x="817683" y="2679890"/>
-            <a:ext cx="10788160" cy="2031325"/>
-          </a:xfrm>
-          <a:prstGeom prst="rect">
-            <a:avLst/>
-          </a:prstGeom>
-          <a:noFill/>
-        </p:spPr>
-        <p:txBody>
-          <a:bodyPr wrap="square">
-            <a:spAutoFit/>
-          </a:bodyPr>
-          <a:lstStyle/>
-          <a:p>
-            <a:r>
-              <a:rPr lang="en-US" b="1" dirty="0"/>
-              <a:t>Algorithm:</a:t>
-            </a:r>
-          </a:p>
-          <a:p>
-            <a:pPr marL="285750" indent="-285750">
-              <a:buFont typeface="Arial" panose="020B0604020202020204" pitchFamily="34" charset="0"/>
-              <a:buChar char="•"/>
-            </a:pPr>
-            <a:r>
-              <a:rPr lang="en-US" dirty="0"/>
-              <a:t>Initialize Dictionary: Start with single-character codes.</a:t>
-            </a:r>
-          </a:p>
-          <a:p>
-            <a:pPr marL="285750" indent="-285750">
-              <a:buFont typeface="Arial" panose="020B0604020202020204" pitchFamily="34" charset="0"/>
-              <a:buChar char="•"/>
-            </a:pPr>
-            <a:r>
-              <a:rPr lang="en-US" dirty="0"/>
-              <a:t>Encode:</a:t>
-            </a:r>
-          </a:p>
-          <a:p>
-            <a:pPr marL="742950" lvl="1" indent="-285750">
-              <a:buFont typeface="Arial" panose="020B0604020202020204" pitchFamily="34" charset="0"/>
-              <a:buChar char="•"/>
-            </a:pPr>
-            <a:r>
-              <a:rPr lang="en-US" dirty="0"/>
-              <a:t>Find the longest substring in the dictionary.</a:t>
-            </a:r>
-          </a:p>
-          <a:p>
-            <a:pPr marL="742950" lvl="1" indent="-285750">
-              <a:buFont typeface="Arial" panose="020B0604020202020204" pitchFamily="34" charset="0"/>
-              <a:buChar char="•"/>
-            </a:pPr>
-            <a:r>
-              <a:rPr lang="en-US" dirty="0"/>
-              <a:t>Output its code.</a:t>
-            </a:r>
-          </a:p>
-          <a:p>
-            <a:pPr marL="742950" lvl="1" indent="-285750">
-              <a:buFont typeface="Arial" panose="020B0604020202020204" pitchFamily="34" charset="0"/>
-              <a:buChar char="•"/>
-            </a:pPr>
-            <a:r>
-              <a:rPr lang="en-US" dirty="0"/>
-              <a:t>Add the new substring (current + next symbol) to the dictionary.</a:t>
-            </a:r>
-          </a:p>
-          <a:p>
-            <a:pPr marL="285750" indent="-285750">
-              <a:buFont typeface="Arial" panose="020B0604020202020204" pitchFamily="34" charset="0"/>
-              <a:buChar char="•"/>
-            </a:pPr>
-            <a:r>
-              <a:rPr lang="en-US" dirty="0"/>
-              <a:t>Decode: Use the dictionary to replace codes with corresponding substrings.</a:t>
-            </a:r>
-          </a:p>
-        </p:txBody>
-      </p:sp>
-      <p:sp>
-        <p:nvSpPr>
-          <p:cNvPr id="13" name="TextBox 12">
-            <a:extLst>
-              <a:ext uri="{FF2B5EF4-FFF2-40B4-BE49-F238E27FC236}">
-                <a16:creationId xmlns:a16="http://schemas.microsoft.com/office/drawing/2014/main" id="{466A8F35-402E-80AE-AA2E-D130560E2911}"/>
-              </a:ext>
-            </a:extLst>
-          </p:cNvPr>
-          <p:cNvSpPr txBox="1"/>
-          <p:nvPr/>
-        </p:nvSpPr>
-        <p:spPr>
-          <a:xfrm>
-            <a:off x="817682" y="5046921"/>
-            <a:ext cx="10788161" cy="1200329"/>
-          </a:xfrm>
-          <a:prstGeom prst="rect">
-            <a:avLst/>
-          </a:prstGeom>
-          <a:noFill/>
-        </p:spPr>
-        <p:txBody>
-          <a:bodyPr wrap="square">
-            <a:spAutoFit/>
-          </a:bodyPr>
-          <a:lstStyle/>
-          <a:p>
-            <a:r>
-              <a:rPr lang="en-US" b="1" dirty="0"/>
-              <a:t>Where It Is Used</a:t>
-            </a:r>
-            <a:r>
-              <a:rPr lang="en-US" dirty="0"/>
-              <a:t>:</a:t>
-            </a:r>
-          </a:p>
-          <a:p>
-            <a:pPr marL="285750" indent="-285750">
-              <a:buFont typeface="Arial" panose="020B0604020202020204" pitchFamily="34" charset="0"/>
-              <a:buChar char="•"/>
-            </a:pPr>
-            <a:r>
-              <a:rPr lang="en-US" dirty="0"/>
-              <a:t>GIF and TIFF image formats.</a:t>
-            </a:r>
-          </a:p>
-          <a:p>
-            <a:pPr marL="285750" indent="-285750">
-              <a:buFont typeface="Arial" panose="020B0604020202020204" pitchFamily="34" charset="0"/>
-              <a:buChar char="•"/>
-            </a:pPr>
-            <a:r>
-              <a:rPr lang="en-US" dirty="0"/>
-              <a:t>ZIP file compression.</a:t>
-            </a:r>
-          </a:p>
-          <a:p>
-            <a:pPr marL="285750" indent="-285750">
-              <a:buFont typeface="Arial" panose="020B0604020202020204" pitchFamily="34" charset="0"/>
-              <a:buChar char="•"/>
-            </a:pPr>
-            <a:r>
-              <a:rPr lang="en-US" dirty="0"/>
-              <a:t>LZW is the basis for the compression in the Unix compress utility.</a:t>
-            </a:r>
-          </a:p>
-        </p:txBody>
-      </p:sp>
-    </p:spTree>
-    <p:extLst>
-      <p:ext uri="{BB962C8B-B14F-4D97-AF65-F5344CB8AC3E}">
-        <p14:creationId xmlns:p14="http://schemas.microsoft.com/office/powerpoint/2010/main" val="3882528687"/>
-      </p:ext>
-    </p:extLst>
-  </p:cSld>
-  <p:clrMapOvr>
-    <a:masterClrMapping/>
-  </p:clrMapOvr>
-</p:sld>
-</file>
-
-<file path=ppt/slides/slide12.xml><?xml version="1.0" encoding="utf-8"?>
-<p:sld xmlns:a="http://schemas.openxmlformats.org/drawingml/2006/main" xmlns:r="http://schemas.openxmlformats.org/officeDocument/2006/relationships" xmlns:p="http://schemas.openxmlformats.org/presentationml/2006/main">
-  <p:cSld>
-    <p:spTree>
-      <p:nvGrpSpPr>
-        <p:cNvPr id="1" name="">
-          <a:extLst>
-            <a:ext uri="{FF2B5EF4-FFF2-40B4-BE49-F238E27FC236}">
-              <a16:creationId xmlns:a16="http://schemas.microsoft.com/office/drawing/2014/main" id="{56FD70AD-6C66-4060-7D41-AE38A9300D79}"/>
-            </a:ext>
-          </a:extLst>
-        </p:cNvPr>
-        <p:cNvGrpSpPr/>
-        <p:nvPr/>
-      </p:nvGrpSpPr>
-      <p:grpSpPr>
-        <a:xfrm>
-          <a:off x="0" y="0"/>
-          <a:ext cx="0" cy="0"/>
-          <a:chOff x="0" y="0"/>
-          <a:chExt cx="0" cy="0"/>
-        </a:xfrm>
-      </p:grpSpPr>
-      <p:pic>
-        <p:nvPicPr>
-          <p:cNvPr id="6" name="Picture 5">
-            <a:extLst>
-              <a:ext uri="{FF2B5EF4-FFF2-40B4-BE49-F238E27FC236}">
-                <a16:creationId xmlns:a16="http://schemas.microsoft.com/office/drawing/2014/main" id="{C75FBE42-DD65-C3FE-16D9-9C7F0F3663C7}"/>
-              </a:ext>
-            </a:extLst>
-          </p:cNvPr>
-          <p:cNvPicPr>
-            <a:picLocks noChangeAspect="1"/>
-          </p:cNvPicPr>
-          <p:nvPr/>
-        </p:nvPicPr>
-        <p:blipFill>
-          <a:blip r:embed="rId3"/>
-          <a:stretch>
-            <a:fillRect/>
-          </a:stretch>
-        </p:blipFill>
-        <p:spPr>
-          <a:xfrm>
-            <a:off x="609589" y="685794"/>
-            <a:ext cx="10972822" cy="5486411"/>
-          </a:xfrm>
-          <a:prstGeom prst="rect">
-            <a:avLst/>
-          </a:prstGeom>
-        </p:spPr>
-      </p:pic>
-      <p:sp>
-        <p:nvSpPr>
           <p:cNvPr id="13" name="Title 1">
             <a:extLst>
               <a:ext uri="{FF2B5EF4-FFF2-40B4-BE49-F238E27FC236}">
-                <a16:creationId xmlns:a16="http://schemas.microsoft.com/office/drawing/2014/main" id="{C6D56C7D-EB19-7DB2-ED17-79621B17B754}"/>
+                <a16:creationId xmlns:a16="http://schemas.microsoft.com/office/drawing/2014/main" id="{D9A561C2-1331-BB38-6AE4-B79DC1FE167E}"/>
               </a:ext>
             </a:extLst>
           </p:cNvPr>
@@ -29743,10 +29514,430 @@
           </a:p>
         </p:txBody>
       </p:sp>
+      <p:pic>
+        <p:nvPicPr>
+          <p:cNvPr id="3" name="Picture 2">
+            <a:extLst>
+              <a:ext uri="{FF2B5EF4-FFF2-40B4-BE49-F238E27FC236}">
+                <a16:creationId xmlns:a16="http://schemas.microsoft.com/office/drawing/2014/main" id="{321C4477-DE3C-FEB6-85CC-8881F8E76058}"/>
+              </a:ext>
+            </a:extLst>
+          </p:cNvPr>
+          <p:cNvPicPr>
+            <a:picLocks noChangeAspect="1"/>
+          </p:cNvPicPr>
+          <p:nvPr/>
+        </p:nvPicPr>
+        <p:blipFill>
+          <a:blip r:embed="rId3"/>
+          <a:stretch>
+            <a:fillRect/>
+          </a:stretch>
+        </p:blipFill>
+        <p:spPr>
+          <a:xfrm>
+            <a:off x="773723" y="1270939"/>
+            <a:ext cx="4171354" cy="5349667"/>
+          </a:xfrm>
+          <a:prstGeom prst="rect">
+            <a:avLst/>
+          </a:prstGeom>
+        </p:spPr>
+      </p:pic>
+      <p:pic>
+        <p:nvPicPr>
+          <p:cNvPr id="10" name="Picture 9">
+            <a:extLst>
+              <a:ext uri="{FF2B5EF4-FFF2-40B4-BE49-F238E27FC236}">
+                <a16:creationId xmlns:a16="http://schemas.microsoft.com/office/drawing/2014/main" id="{24DA253E-6A49-153C-7725-352E925D3016}"/>
+              </a:ext>
+            </a:extLst>
+          </p:cNvPr>
+          <p:cNvPicPr>
+            <a:picLocks noChangeAspect="1"/>
+          </p:cNvPicPr>
+          <p:nvPr/>
+        </p:nvPicPr>
+        <p:blipFill>
+          <a:blip r:embed="rId4"/>
+          <a:stretch>
+            <a:fillRect/>
+          </a:stretch>
+        </p:blipFill>
+        <p:spPr>
+          <a:xfrm>
+            <a:off x="5912761" y="1270939"/>
+            <a:ext cx="5277129" cy="5349667"/>
+          </a:xfrm>
+          <a:prstGeom prst="rect">
+            <a:avLst/>
+          </a:prstGeom>
+        </p:spPr>
+      </p:pic>
     </p:spTree>
     <p:extLst>
       <p:ext uri="{BB962C8B-B14F-4D97-AF65-F5344CB8AC3E}">
-        <p14:creationId xmlns:p14="http://schemas.microsoft.com/office/powerpoint/2010/main" val="2447424666"/>
+        <p14:creationId xmlns:p14="http://schemas.microsoft.com/office/powerpoint/2010/main" val="2946837438"/>
+      </p:ext>
+    </p:extLst>
+  </p:cSld>
+  <p:clrMapOvr>
+    <a:masterClrMapping/>
+  </p:clrMapOvr>
+</p:sld>
+</file>
+
+<file path=ppt/slides/slide11.xml><?xml version="1.0" encoding="utf-8"?>
+<p:sld xmlns:a="http://schemas.openxmlformats.org/drawingml/2006/main" xmlns:r="http://schemas.openxmlformats.org/officeDocument/2006/relationships" xmlns:p="http://schemas.openxmlformats.org/presentationml/2006/main">
+  <p:cSld>
+    <p:bg>
+      <p:bgPr>
+        <a:solidFill>
+          <a:schemeClr val="bg2"/>
+        </a:solidFill>
+        <a:effectLst/>
+      </p:bgPr>
+    </p:bg>
+    <p:spTree>
+      <p:nvGrpSpPr>
+        <p:cNvPr id="1" name=""/>
+        <p:cNvGrpSpPr/>
+        <p:nvPr/>
+      </p:nvGrpSpPr>
+      <p:grpSpPr>
+        <a:xfrm>
+          <a:off x="0" y="0"/>
+          <a:ext cx="0" cy="0"/>
+          <a:chOff x="0" y="0"/>
+          <a:chExt cx="0" cy="0"/>
+        </a:xfrm>
+      </p:grpSpPr>
+      <p:sp>
+        <p:nvSpPr>
+          <p:cNvPr id="6" name="Title 5">
+            <a:extLst>
+              <a:ext uri="{FF2B5EF4-FFF2-40B4-BE49-F238E27FC236}">
+                <a16:creationId xmlns:a16="http://schemas.microsoft.com/office/drawing/2014/main" id="{D5DC0028-4150-0F89-E59C-F563C67F6CFD}"/>
+              </a:ext>
+            </a:extLst>
+          </p:cNvPr>
+          <p:cNvSpPr>
+            <a:spLocks noGrp="1"/>
+          </p:cNvSpPr>
+          <p:nvPr>
+            <p:ph type="ctrTitle"/>
+          </p:nvPr>
+        </p:nvSpPr>
+        <p:spPr>
+          <a:xfrm>
+            <a:off x="4756638" y="852854"/>
+            <a:ext cx="5641848" cy="5029200"/>
+          </a:xfrm>
+        </p:spPr>
+        <p:txBody>
+          <a:bodyPr/>
+          <a:lstStyle/>
+          <a:p>
+            <a:r>
+              <a:rPr lang="en-US" dirty="0"/>
+              <a:t>Thank you</a:t>
+            </a:r>
+          </a:p>
+        </p:txBody>
+      </p:sp>
+    </p:spTree>
+    <p:extLst>
+      <p:ext uri="{BB962C8B-B14F-4D97-AF65-F5344CB8AC3E}">
+        <p14:creationId xmlns:p14="http://schemas.microsoft.com/office/powerpoint/2010/main" val="2188828507"/>
+      </p:ext>
+    </p:extLst>
+  </p:cSld>
+  <p:clrMapOvr>
+    <a:masterClrMapping/>
+  </p:clrMapOvr>
+</p:sld>
+</file>
+
+<file path=ppt/slides/slide12.xml><?xml version="1.0" encoding="utf-8"?>
+<p:sld xmlns:a="http://schemas.openxmlformats.org/drawingml/2006/main" xmlns:r="http://schemas.openxmlformats.org/officeDocument/2006/relationships" xmlns:p="http://schemas.openxmlformats.org/presentationml/2006/main">
+  <p:cSld>
+    <p:bg>
+      <p:bgPr>
+        <a:solidFill>
+          <a:schemeClr val="bg2"/>
+        </a:solidFill>
+        <a:effectLst/>
+      </p:bgPr>
+    </p:bg>
+    <p:spTree>
+      <p:nvGrpSpPr>
+        <p:cNvPr id="1" name=""/>
+        <p:cNvGrpSpPr/>
+        <p:nvPr/>
+      </p:nvGrpSpPr>
+      <p:grpSpPr>
+        <a:xfrm>
+          <a:off x="0" y="0"/>
+          <a:ext cx="0" cy="0"/>
+          <a:chOff x="0" y="0"/>
+          <a:chExt cx="0" cy="0"/>
+        </a:xfrm>
+      </p:grpSpPr>
+      <p:sp>
+        <p:nvSpPr>
+          <p:cNvPr id="4" name="Title 1">
+            <a:extLst>
+              <a:ext uri="{FF2B5EF4-FFF2-40B4-BE49-F238E27FC236}">
+                <a16:creationId xmlns:a16="http://schemas.microsoft.com/office/drawing/2014/main" id="{15202F25-381A-85B8-70DC-D54CE5B80296}"/>
+              </a:ext>
+            </a:extLst>
+          </p:cNvPr>
+          <p:cNvSpPr txBox="1">
+            <a:spLocks/>
+          </p:cNvSpPr>
+          <p:nvPr/>
+        </p:nvSpPr>
+        <p:spPr>
+          <a:xfrm>
+            <a:off x="454152" y="-184637"/>
+            <a:ext cx="5641848" cy="1293091"/>
+          </a:xfrm>
+          <a:prstGeom prst="rect">
+            <a:avLst/>
+          </a:prstGeom>
+        </p:spPr>
+        <p:txBody>
+          <a:bodyPr vert="horz" lIns="91440" tIns="45720" rIns="91440" bIns="45720" rtlCol="0" anchor="b" anchorCtr="0">
+            <a:noAutofit/>
+          </a:bodyPr>
+          <a:lstStyle>
+            <a:lvl1pPr algn="ctr" defTabSz="914400" rtl="0" eaLnBrk="1" latinLnBrk="0" hangingPunct="1">
+              <a:lnSpc>
+                <a:spcPct val="90000"/>
+              </a:lnSpc>
+              <a:spcBef>
+                <a:spcPct val="0"/>
+              </a:spcBef>
+              <a:buNone/>
+              <a:defRPr sz="4800" kern="1200" cap="none" baseline="0">
+                <a:solidFill>
+                  <a:schemeClr val="tx1"/>
+                </a:solidFill>
+                <a:latin typeface="+mj-lt"/>
+                <a:ea typeface="+mj-ea"/>
+                <a:cs typeface="+mj-cs"/>
+              </a:defRPr>
+            </a:lvl1pPr>
+          </a:lstStyle>
+          <a:p>
+            <a:r>
+              <a:rPr lang="en-US" dirty="0"/>
+              <a:t>Huffman Coding</a:t>
+            </a:r>
+          </a:p>
+        </p:txBody>
+      </p:sp>
+      <p:sp>
+        <p:nvSpPr>
+          <p:cNvPr id="6" name="TextBox 5">
+            <a:extLst>
+              <a:ext uri="{FF2B5EF4-FFF2-40B4-BE49-F238E27FC236}">
+                <a16:creationId xmlns:a16="http://schemas.microsoft.com/office/drawing/2014/main" id="{55DC1F8C-DEB1-D5E4-A2FA-662B2CB49B33}"/>
+              </a:ext>
+            </a:extLst>
+          </p:cNvPr>
+          <p:cNvSpPr txBox="1"/>
+          <p:nvPr/>
+        </p:nvSpPr>
+        <p:spPr>
+          <a:xfrm>
+            <a:off x="817683" y="1307629"/>
+            <a:ext cx="10788161" cy="830997"/>
+          </a:xfrm>
+          <a:prstGeom prst="rect">
+            <a:avLst/>
+          </a:prstGeom>
+          <a:noFill/>
+        </p:spPr>
+        <p:txBody>
+          <a:bodyPr wrap="square">
+            <a:spAutoFit/>
+          </a:bodyPr>
+          <a:lstStyle/>
+          <a:p>
+            <a:r>
+              <a:rPr lang="en-US" sz="2400" dirty="0"/>
+              <a:t>Huffman Coding is a lossless compression algorithm that assigns shorter binary codes to more frequent characters and longer codes to less frequent ones. </a:t>
+            </a:r>
+          </a:p>
+        </p:txBody>
+      </p:sp>
+      <p:sp>
+        <p:nvSpPr>
+          <p:cNvPr id="44" name="TextBox 43">
+            <a:extLst>
+              <a:ext uri="{FF2B5EF4-FFF2-40B4-BE49-F238E27FC236}">
+                <a16:creationId xmlns:a16="http://schemas.microsoft.com/office/drawing/2014/main" id="{DB57E556-B02B-D4C9-4788-AD18C9640B02}"/>
+              </a:ext>
+            </a:extLst>
+          </p:cNvPr>
+          <p:cNvSpPr txBox="1"/>
+          <p:nvPr/>
+        </p:nvSpPr>
+        <p:spPr>
+          <a:xfrm>
+            <a:off x="817683" y="2337801"/>
+            <a:ext cx="10788160" cy="2031325"/>
+          </a:xfrm>
+          <a:prstGeom prst="rect">
+            <a:avLst/>
+          </a:prstGeom>
+          <a:noFill/>
+        </p:spPr>
+        <p:txBody>
+          <a:bodyPr wrap="square">
+            <a:spAutoFit/>
+          </a:bodyPr>
+          <a:lstStyle/>
+          <a:p>
+            <a:r>
+              <a:rPr lang="en-US" b="1" dirty="0"/>
+              <a:t>Algorithm:</a:t>
+            </a:r>
+          </a:p>
+          <a:p>
+            <a:pPr marL="285750" indent="-285750">
+              <a:buFont typeface="Arial" panose="020B0604020202020204" pitchFamily="34" charset="0"/>
+              <a:buChar char="•"/>
+            </a:pPr>
+            <a:r>
+              <a:rPr lang="en-US" dirty="0"/>
+              <a:t>Calculate Frequencies: Count how often each character appears.</a:t>
+            </a:r>
+          </a:p>
+          <a:p>
+            <a:pPr marL="285750" indent="-285750">
+              <a:buFont typeface="Arial" panose="020B0604020202020204" pitchFamily="34" charset="0"/>
+              <a:buChar char="•"/>
+            </a:pPr>
+            <a:r>
+              <a:rPr lang="en-US" dirty="0"/>
+              <a:t>Build Huffman Tree: Use a priority queue to merge the two least frequent nodes repeatedly into a new parent node.</a:t>
+            </a:r>
+          </a:p>
+          <a:p>
+            <a:pPr marL="285750" indent="-285750">
+              <a:buFont typeface="Arial" panose="020B0604020202020204" pitchFamily="34" charset="0"/>
+              <a:buChar char="•"/>
+            </a:pPr>
+            <a:r>
+              <a:rPr lang="en-US" dirty="0"/>
+              <a:t>Generate Codes: Assign binary codes by traversing the tree (left = 0, right = 1).</a:t>
+            </a:r>
+          </a:p>
+          <a:p>
+            <a:pPr marL="285750" indent="-285750">
+              <a:buFont typeface="Arial" panose="020B0604020202020204" pitchFamily="34" charset="0"/>
+              <a:buChar char="•"/>
+            </a:pPr>
+            <a:r>
+              <a:rPr lang="en-US" dirty="0"/>
+              <a:t>Encode: Replace each character in the input with its binary code.</a:t>
+            </a:r>
+          </a:p>
+          <a:p>
+            <a:pPr marL="285750" indent="-285750">
+              <a:buFont typeface="Arial" panose="020B0604020202020204" pitchFamily="34" charset="0"/>
+              <a:buChar char="•"/>
+            </a:pPr>
+            <a:r>
+              <a:rPr lang="en-US" dirty="0"/>
+              <a:t>Decode: Use the Huffman Tree to reconstruct the original data.</a:t>
+            </a:r>
+          </a:p>
+        </p:txBody>
+      </p:sp>
+      <p:sp>
+        <p:nvSpPr>
+          <p:cNvPr id="47" name="TextBox 46">
+            <a:extLst>
+              <a:ext uri="{FF2B5EF4-FFF2-40B4-BE49-F238E27FC236}">
+                <a16:creationId xmlns:a16="http://schemas.microsoft.com/office/drawing/2014/main" id="{36147FCA-8EC8-E462-76AB-1655203332DB}"/>
+              </a:ext>
+            </a:extLst>
+          </p:cNvPr>
+          <p:cNvSpPr txBox="1"/>
+          <p:nvPr/>
+        </p:nvSpPr>
+        <p:spPr>
+          <a:xfrm>
+            <a:off x="817682" y="4811707"/>
+            <a:ext cx="10788161" cy="1200329"/>
+          </a:xfrm>
+          <a:prstGeom prst="rect">
+            <a:avLst/>
+          </a:prstGeom>
+          <a:noFill/>
+        </p:spPr>
+        <p:txBody>
+          <a:bodyPr wrap="square">
+            <a:spAutoFit/>
+          </a:bodyPr>
+          <a:lstStyle/>
+          <a:p>
+            <a:r>
+              <a:rPr lang="en-US" b="1" dirty="0"/>
+              <a:t>Where It Is Used</a:t>
+            </a:r>
+            <a:r>
+              <a:rPr lang="en-US" dirty="0"/>
+              <a:t>:</a:t>
+            </a:r>
+          </a:p>
+          <a:p>
+            <a:pPr marL="285750" indent="-285750">
+              <a:buFont typeface="Arial" panose="020B0604020202020204" pitchFamily="34" charset="0"/>
+              <a:buChar char="•"/>
+            </a:pPr>
+            <a:r>
+              <a:rPr lang="en-US" dirty="0"/>
+              <a:t>Data Compression: ZIP files and </a:t>
+            </a:r>
+            <a:r>
+              <a:rPr lang="en-US" dirty="0" err="1"/>
+              <a:t>gzip</a:t>
+            </a:r>
+            <a:r>
+              <a:rPr lang="en-US" dirty="0"/>
+              <a:t>.</a:t>
+            </a:r>
+          </a:p>
+          <a:p>
+            <a:pPr marL="285750" indent="-285750">
+              <a:buFont typeface="Arial" panose="020B0604020202020204" pitchFamily="34" charset="0"/>
+              <a:buChar char="•"/>
+            </a:pPr>
+            <a:r>
+              <a:rPr lang="en-US" dirty="0"/>
+              <a:t>Multimedia: JPEG (image compression), MP3, and AAC (audio compression).</a:t>
+            </a:r>
+          </a:p>
+          <a:p>
+            <a:pPr marL="285750" indent="-285750">
+              <a:buFont typeface="Arial" panose="020B0604020202020204" pitchFamily="34" charset="0"/>
+              <a:buChar char="•"/>
+            </a:pPr>
+            <a:r>
+              <a:rPr lang="en-US" dirty="0"/>
+              <a:t>Networking: Compressing transmitted data to save bandwidth (e.g., HTTP/2 uses HPACK with Huffman Coding).</a:t>
+            </a:r>
+          </a:p>
+        </p:txBody>
+      </p:sp>
+    </p:spTree>
+    <p:extLst>
+      <p:ext uri="{BB962C8B-B14F-4D97-AF65-F5344CB8AC3E}">
+        <p14:creationId xmlns:p14="http://schemas.microsoft.com/office/powerpoint/2010/main" val="1096717490"/>
       </p:ext>
     </p:extLst>
   </p:cSld>
@@ -29757,6 +29948,519 @@
 </file>
 
 <file path=ppt/slides/slide13.xml><?xml version="1.0" encoding="utf-8"?>
+<p:sld xmlns:a="http://schemas.openxmlformats.org/drawingml/2006/main" xmlns:r="http://schemas.openxmlformats.org/officeDocument/2006/relationships" xmlns:p="http://schemas.openxmlformats.org/presentationml/2006/main">
+  <p:cSld>
+    <p:spTree>
+      <p:nvGrpSpPr>
+        <p:cNvPr id="1" name=""/>
+        <p:cNvGrpSpPr/>
+        <p:nvPr/>
+      </p:nvGrpSpPr>
+      <p:grpSpPr>
+        <a:xfrm>
+          <a:off x="0" y="0"/>
+          <a:ext cx="0" cy="0"/>
+          <a:chOff x="0" y="0"/>
+          <a:chExt cx="0" cy="0"/>
+        </a:xfrm>
+      </p:grpSpPr>
+      <p:pic>
+        <p:nvPicPr>
+          <p:cNvPr id="15" name="Picture 14">
+            <a:extLst>
+              <a:ext uri="{FF2B5EF4-FFF2-40B4-BE49-F238E27FC236}">
+                <a16:creationId xmlns:a16="http://schemas.microsoft.com/office/drawing/2014/main" id="{8F142E46-8372-BF12-349B-8EA10FDDDDD4}"/>
+              </a:ext>
+            </a:extLst>
+          </p:cNvPr>
+          <p:cNvPicPr>
+            <a:picLocks noChangeAspect="1"/>
+          </p:cNvPicPr>
+          <p:nvPr/>
+        </p:nvPicPr>
+        <p:blipFill>
+          <a:blip r:embed="rId3"/>
+          <a:stretch>
+            <a:fillRect/>
+          </a:stretch>
+        </p:blipFill>
+        <p:spPr>
+          <a:xfrm>
+            <a:off x="609589" y="685794"/>
+            <a:ext cx="10972822" cy="5486411"/>
+          </a:xfrm>
+          <a:prstGeom prst="rect">
+            <a:avLst/>
+          </a:prstGeom>
+        </p:spPr>
+      </p:pic>
+      <p:sp>
+        <p:nvSpPr>
+          <p:cNvPr id="13" name="Title 1">
+            <a:extLst>
+              <a:ext uri="{FF2B5EF4-FFF2-40B4-BE49-F238E27FC236}">
+                <a16:creationId xmlns:a16="http://schemas.microsoft.com/office/drawing/2014/main" id="{BB3A48F1-63EA-46C6-F494-50096F43F311}"/>
+              </a:ext>
+            </a:extLst>
+          </p:cNvPr>
+          <p:cNvSpPr txBox="1">
+            <a:spLocks/>
+          </p:cNvSpPr>
+          <p:nvPr/>
+        </p:nvSpPr>
+        <p:spPr>
+          <a:xfrm>
+            <a:off x="3275076" y="-175844"/>
+            <a:ext cx="5641848" cy="1293091"/>
+          </a:xfrm>
+          <a:prstGeom prst="rect">
+            <a:avLst/>
+          </a:prstGeom>
+        </p:spPr>
+        <p:txBody>
+          <a:bodyPr vert="horz" lIns="91440" tIns="45720" rIns="91440" bIns="45720" rtlCol="0" anchor="b" anchorCtr="0">
+            <a:noAutofit/>
+          </a:bodyPr>
+          <a:lstStyle>
+            <a:lvl1pPr algn="ctr" defTabSz="914400" rtl="0" eaLnBrk="1" latinLnBrk="0" hangingPunct="1">
+              <a:lnSpc>
+                <a:spcPct val="90000"/>
+              </a:lnSpc>
+              <a:spcBef>
+                <a:spcPct val="0"/>
+              </a:spcBef>
+              <a:buNone/>
+              <a:defRPr sz="4800" kern="1200" cap="none" baseline="0">
+                <a:solidFill>
+                  <a:schemeClr val="tx1"/>
+                </a:solidFill>
+                <a:latin typeface="+mj-lt"/>
+                <a:ea typeface="+mj-ea"/>
+                <a:cs typeface="+mj-cs"/>
+              </a:defRPr>
+            </a:lvl1pPr>
+          </a:lstStyle>
+          <a:p>
+            <a:r>
+              <a:rPr lang="en-US" dirty="0"/>
+              <a:t>Huffman Coding</a:t>
+            </a:r>
+          </a:p>
+        </p:txBody>
+      </p:sp>
+    </p:spTree>
+    <p:extLst>
+      <p:ext uri="{BB962C8B-B14F-4D97-AF65-F5344CB8AC3E}">
+        <p14:creationId xmlns:p14="http://schemas.microsoft.com/office/powerpoint/2010/main" val="3748348926"/>
+      </p:ext>
+    </p:extLst>
+  </p:cSld>
+  <p:clrMapOvr>
+    <a:masterClrMapping/>
+  </p:clrMapOvr>
+</p:sld>
+</file>
+
+<file path=ppt/slides/slide14.xml><?xml version="1.0" encoding="utf-8"?>
+<p:sld xmlns:a="http://schemas.openxmlformats.org/drawingml/2006/main" xmlns:r="http://schemas.openxmlformats.org/officeDocument/2006/relationships" xmlns:p="http://schemas.openxmlformats.org/presentationml/2006/main">
+  <p:cSld>
+    <p:bg>
+      <p:bgPr>
+        <a:solidFill>
+          <a:schemeClr val="bg2"/>
+        </a:solidFill>
+        <a:effectLst/>
+      </p:bgPr>
+    </p:bg>
+    <p:spTree>
+      <p:nvGrpSpPr>
+        <p:cNvPr id="1" name=""/>
+        <p:cNvGrpSpPr/>
+        <p:nvPr/>
+      </p:nvGrpSpPr>
+      <p:grpSpPr>
+        <a:xfrm>
+          <a:off x="0" y="0"/>
+          <a:ext cx="0" cy="0"/>
+          <a:chOff x="0" y="0"/>
+          <a:chExt cx="0" cy="0"/>
+        </a:xfrm>
+      </p:grpSpPr>
+      <p:sp>
+        <p:nvSpPr>
+          <p:cNvPr id="9" name="Title 1">
+            <a:extLst>
+              <a:ext uri="{FF2B5EF4-FFF2-40B4-BE49-F238E27FC236}">
+                <a16:creationId xmlns:a16="http://schemas.microsoft.com/office/drawing/2014/main" id="{A1114A29-3165-F2E6-C22C-25740569747E}"/>
+              </a:ext>
+            </a:extLst>
+          </p:cNvPr>
+          <p:cNvSpPr txBox="1">
+            <a:spLocks/>
+          </p:cNvSpPr>
+          <p:nvPr/>
+        </p:nvSpPr>
+        <p:spPr>
+          <a:xfrm>
+            <a:off x="325315" y="-266747"/>
+            <a:ext cx="5641848" cy="1293091"/>
+          </a:xfrm>
+          <a:prstGeom prst="rect">
+            <a:avLst/>
+          </a:prstGeom>
+        </p:spPr>
+        <p:txBody>
+          <a:bodyPr vert="horz" lIns="91440" tIns="45720" rIns="91440" bIns="45720" rtlCol="0" anchor="b" anchorCtr="0">
+            <a:noAutofit/>
+          </a:bodyPr>
+          <a:lstStyle>
+            <a:lvl1pPr algn="ctr" defTabSz="914400" rtl="0" eaLnBrk="1" latinLnBrk="0" hangingPunct="1">
+              <a:lnSpc>
+                <a:spcPct val="90000"/>
+              </a:lnSpc>
+              <a:spcBef>
+                <a:spcPct val="0"/>
+              </a:spcBef>
+              <a:buNone/>
+              <a:defRPr sz="4800" kern="1200" cap="none" baseline="0">
+                <a:solidFill>
+                  <a:schemeClr val="tx1"/>
+                </a:solidFill>
+                <a:latin typeface="+mj-lt"/>
+                <a:ea typeface="+mj-ea"/>
+                <a:cs typeface="+mj-cs"/>
+              </a:defRPr>
+            </a:lvl1pPr>
+          </a:lstStyle>
+          <a:p>
+            <a:r>
+              <a:rPr lang="en-US" dirty="0"/>
+              <a:t>Golomb Coding</a:t>
+            </a:r>
+          </a:p>
+        </p:txBody>
+      </p:sp>
+      <p:sp>
+        <p:nvSpPr>
+          <p:cNvPr id="10" name="TextBox 9">
+            <a:extLst>
+              <a:ext uri="{FF2B5EF4-FFF2-40B4-BE49-F238E27FC236}">
+                <a16:creationId xmlns:a16="http://schemas.microsoft.com/office/drawing/2014/main" id="{D188563A-DD2C-FCA3-FE73-F57406890C48}"/>
+              </a:ext>
+            </a:extLst>
+          </p:cNvPr>
+          <p:cNvSpPr txBox="1"/>
+          <p:nvPr/>
+        </p:nvSpPr>
+        <p:spPr>
+          <a:xfrm>
+            <a:off x="817682" y="1210914"/>
+            <a:ext cx="10788161" cy="1200329"/>
+          </a:xfrm>
+          <a:prstGeom prst="rect">
+            <a:avLst/>
+          </a:prstGeom>
+          <a:noFill/>
+        </p:spPr>
+        <p:txBody>
+          <a:bodyPr wrap="square">
+            <a:spAutoFit/>
+          </a:bodyPr>
+          <a:lstStyle/>
+          <a:p>
+            <a:r>
+              <a:rPr lang="en-US" sz="2400" dirty="0"/>
+              <a:t>Golomb coding is a lossless compression method particularly suited for encoding integers with a geometric distribution. It splits the input into a quotient and remainder based on a divisor MMM. It is highly efficient in scenarios where smaller numbers are more frequent.</a:t>
+            </a:r>
+          </a:p>
+        </p:txBody>
+      </p:sp>
+      <p:sp>
+        <p:nvSpPr>
+          <p:cNvPr id="12" name="TextBox 11">
+            <a:extLst>
+              <a:ext uri="{FF2B5EF4-FFF2-40B4-BE49-F238E27FC236}">
+                <a16:creationId xmlns:a16="http://schemas.microsoft.com/office/drawing/2014/main" id="{2CA3BE96-546A-371A-3EF5-6B656D8ED1B4}"/>
+              </a:ext>
+            </a:extLst>
+          </p:cNvPr>
+          <p:cNvSpPr txBox="1"/>
+          <p:nvPr/>
+        </p:nvSpPr>
+        <p:spPr>
+          <a:xfrm>
+            <a:off x="817683" y="2595812"/>
+            <a:ext cx="10788160" cy="2031325"/>
+          </a:xfrm>
+          <a:prstGeom prst="rect">
+            <a:avLst/>
+          </a:prstGeom>
+          <a:noFill/>
+        </p:spPr>
+        <p:txBody>
+          <a:bodyPr wrap="square">
+            <a:spAutoFit/>
+          </a:bodyPr>
+          <a:lstStyle/>
+          <a:p>
+            <a:r>
+              <a:rPr lang="en-US" b="1" dirty="0"/>
+              <a:t>Algorithm:</a:t>
+            </a:r>
+          </a:p>
+          <a:p>
+            <a:pPr marL="285750" indent="-285750">
+              <a:buFont typeface="Arial" panose="020B0604020202020204" pitchFamily="34" charset="0"/>
+              <a:buChar char="•"/>
+            </a:pPr>
+            <a:r>
+              <a:rPr lang="en-US" dirty="0"/>
+              <a:t>Choose 𝑀: Select 𝑀, the divisor, based on the data distribution.</a:t>
+            </a:r>
+          </a:p>
+          <a:p>
+            <a:pPr marL="285750" indent="-285750">
+              <a:buFont typeface="Arial" panose="020B0604020202020204" pitchFamily="34" charset="0"/>
+              <a:buChar char="•"/>
+            </a:pPr>
+            <a:r>
+              <a:rPr lang="en-US" dirty="0"/>
+              <a:t>Encode: For each integer 𝑁:</a:t>
+            </a:r>
+          </a:p>
+          <a:p>
+            <a:r>
+              <a:rPr lang="en-US" dirty="0"/>
+              <a:t>	Compute Quotient 𝑞=⌊𝑁/𝑀⌋ → Encode 𝑞 in unary.</a:t>
+            </a:r>
+          </a:p>
+          <a:p>
+            <a:r>
+              <a:rPr lang="en-US" dirty="0"/>
+              <a:t>	Compute Remainder 𝑟=𝑁mod  𝑀→ Encode 𝑟 in binary.</a:t>
+            </a:r>
+          </a:p>
+          <a:p>
+            <a:r>
+              <a:rPr lang="en-US" dirty="0"/>
+              <a:t>	Concatenate 𝑞 and 𝑟.</a:t>
+            </a:r>
+          </a:p>
+          <a:p>
+            <a:pPr marL="285750" indent="-285750">
+              <a:buFont typeface="Arial" panose="020B0604020202020204" pitchFamily="34" charset="0"/>
+              <a:buChar char="•"/>
+            </a:pPr>
+            <a:r>
+              <a:rPr lang="en-US" dirty="0"/>
+              <a:t>Decode: Read unary for 𝑞, then binary for 𝑟. Reconstruct 𝑁=𝑞×𝑀+𝑟.</a:t>
+            </a:r>
+          </a:p>
+        </p:txBody>
+      </p:sp>
+      <p:sp>
+        <p:nvSpPr>
+          <p:cNvPr id="13" name="TextBox 12">
+            <a:extLst>
+              <a:ext uri="{FF2B5EF4-FFF2-40B4-BE49-F238E27FC236}">
+                <a16:creationId xmlns:a16="http://schemas.microsoft.com/office/drawing/2014/main" id="{530D30A7-14F9-0F61-EBAF-60E177395858}"/>
+              </a:ext>
+            </a:extLst>
+          </p:cNvPr>
+          <p:cNvSpPr txBox="1"/>
+          <p:nvPr/>
+        </p:nvSpPr>
+        <p:spPr>
+          <a:xfrm>
+            <a:off x="817682" y="4811707"/>
+            <a:ext cx="10788161" cy="1200329"/>
+          </a:xfrm>
+          <a:prstGeom prst="rect">
+            <a:avLst/>
+          </a:prstGeom>
+          <a:noFill/>
+        </p:spPr>
+        <p:txBody>
+          <a:bodyPr wrap="square">
+            <a:spAutoFit/>
+          </a:bodyPr>
+          <a:lstStyle/>
+          <a:p>
+            <a:r>
+              <a:rPr lang="en-US" b="1" dirty="0"/>
+              <a:t>Where It Is Used</a:t>
+            </a:r>
+            <a:r>
+              <a:rPr lang="en-US" dirty="0"/>
+              <a:t>:</a:t>
+            </a:r>
+          </a:p>
+          <a:p>
+            <a:pPr marL="285750" indent="-285750">
+              <a:buFont typeface="Arial" panose="020B0604020202020204" pitchFamily="34" charset="0"/>
+              <a:buChar char="•"/>
+            </a:pPr>
+            <a:r>
+              <a:rPr lang="en-US" dirty="0"/>
+              <a:t>Image Compression: PNG and TIFF formats.</a:t>
+            </a:r>
+          </a:p>
+          <a:p>
+            <a:pPr marL="285750" indent="-285750">
+              <a:buFont typeface="Arial" panose="020B0604020202020204" pitchFamily="34" charset="0"/>
+              <a:buChar char="•"/>
+            </a:pPr>
+            <a:r>
+              <a:rPr lang="en-US" dirty="0"/>
+              <a:t>Video Coding: H.264/AVC and HEVC use variants of Golomb coding for residual encoding.</a:t>
+            </a:r>
+          </a:p>
+          <a:p>
+            <a:pPr marL="285750" indent="-285750">
+              <a:buFont typeface="Arial" panose="020B0604020202020204" pitchFamily="34" charset="0"/>
+              <a:buChar char="•"/>
+            </a:pPr>
+            <a:r>
+              <a:rPr lang="en-US" dirty="0"/>
+              <a:t>Speech Processing: Encoding prediction residuals in audio compression.</a:t>
+            </a:r>
+          </a:p>
+        </p:txBody>
+      </p:sp>
+    </p:spTree>
+    <p:extLst>
+      <p:ext uri="{BB962C8B-B14F-4D97-AF65-F5344CB8AC3E}">
+        <p14:creationId xmlns:p14="http://schemas.microsoft.com/office/powerpoint/2010/main" val="4230106960"/>
+      </p:ext>
+    </p:extLst>
+  </p:cSld>
+  <p:clrMapOvr>
+    <a:masterClrMapping/>
+  </p:clrMapOvr>
+</p:sld>
+</file>
+
+<file path=ppt/slides/slide15.xml><?xml version="1.0" encoding="utf-8"?>
+<p:sld xmlns:a="http://schemas.openxmlformats.org/drawingml/2006/main" xmlns:r="http://schemas.openxmlformats.org/officeDocument/2006/relationships" xmlns:p="http://schemas.openxmlformats.org/presentationml/2006/main">
+  <p:cSld>
+    <p:spTree>
+      <p:nvGrpSpPr>
+        <p:cNvPr id="1" name="">
+          <a:extLst>
+            <a:ext uri="{FF2B5EF4-FFF2-40B4-BE49-F238E27FC236}">
+              <a16:creationId xmlns:a16="http://schemas.microsoft.com/office/drawing/2014/main" id="{2378228F-44F7-1CC1-01D0-79C7523478A5}"/>
+            </a:ext>
+          </a:extLst>
+        </p:cNvPr>
+        <p:cNvGrpSpPr/>
+        <p:nvPr/>
+      </p:nvGrpSpPr>
+      <p:grpSpPr>
+        <a:xfrm>
+          <a:off x="0" y="0"/>
+          <a:ext cx="0" cy="0"/>
+          <a:chOff x="0" y="0"/>
+          <a:chExt cx="0" cy="0"/>
+        </a:xfrm>
+      </p:grpSpPr>
+      <p:pic>
+        <p:nvPicPr>
+          <p:cNvPr id="5" name="Picture 4">
+            <a:extLst>
+              <a:ext uri="{FF2B5EF4-FFF2-40B4-BE49-F238E27FC236}">
+                <a16:creationId xmlns:a16="http://schemas.microsoft.com/office/drawing/2014/main" id="{943961DF-47E0-8107-0A59-749F088A872C}"/>
+              </a:ext>
+            </a:extLst>
+          </p:cNvPr>
+          <p:cNvPicPr>
+            <a:picLocks noChangeAspect="1"/>
+          </p:cNvPicPr>
+          <p:nvPr/>
+        </p:nvPicPr>
+        <p:blipFill>
+          <a:blip r:embed="rId3"/>
+          <a:stretch>
+            <a:fillRect/>
+          </a:stretch>
+        </p:blipFill>
+        <p:spPr>
+          <a:xfrm>
+            <a:off x="609589" y="685794"/>
+            <a:ext cx="10972822" cy="5486411"/>
+          </a:xfrm>
+          <a:prstGeom prst="rect">
+            <a:avLst/>
+          </a:prstGeom>
+        </p:spPr>
+      </p:pic>
+      <p:sp>
+        <p:nvSpPr>
+          <p:cNvPr id="13" name="Title 1">
+            <a:extLst>
+              <a:ext uri="{FF2B5EF4-FFF2-40B4-BE49-F238E27FC236}">
+                <a16:creationId xmlns:a16="http://schemas.microsoft.com/office/drawing/2014/main" id="{FD636D1D-3A24-BFFF-4F8E-0D1FF0EC3720}"/>
+              </a:ext>
+            </a:extLst>
+          </p:cNvPr>
+          <p:cNvSpPr txBox="1">
+            <a:spLocks/>
+          </p:cNvSpPr>
+          <p:nvPr/>
+        </p:nvSpPr>
+        <p:spPr>
+          <a:xfrm>
+            <a:off x="3275076" y="-219806"/>
+            <a:ext cx="5641848" cy="1293091"/>
+          </a:xfrm>
+          <a:prstGeom prst="rect">
+            <a:avLst/>
+          </a:prstGeom>
+        </p:spPr>
+        <p:txBody>
+          <a:bodyPr vert="horz" lIns="91440" tIns="45720" rIns="91440" bIns="45720" rtlCol="0" anchor="b" anchorCtr="0">
+            <a:noAutofit/>
+          </a:bodyPr>
+          <a:lstStyle>
+            <a:lvl1pPr algn="ctr" defTabSz="914400" rtl="0" eaLnBrk="1" latinLnBrk="0" hangingPunct="1">
+              <a:lnSpc>
+                <a:spcPct val="90000"/>
+              </a:lnSpc>
+              <a:spcBef>
+                <a:spcPct val="0"/>
+              </a:spcBef>
+              <a:buNone/>
+              <a:defRPr sz="4800" kern="1200" cap="none" baseline="0">
+                <a:solidFill>
+                  <a:schemeClr val="tx1"/>
+                </a:solidFill>
+                <a:latin typeface="+mj-lt"/>
+                <a:ea typeface="+mj-ea"/>
+                <a:cs typeface="+mj-cs"/>
+              </a:defRPr>
+            </a:lvl1pPr>
+          </a:lstStyle>
+          <a:p>
+            <a:r>
+              <a:rPr lang="en-US" dirty="0"/>
+              <a:t>Golomb Coding</a:t>
+            </a:r>
+          </a:p>
+        </p:txBody>
+      </p:sp>
+    </p:spTree>
+    <p:extLst>
+      <p:ext uri="{BB962C8B-B14F-4D97-AF65-F5344CB8AC3E}">
+        <p14:creationId xmlns:p14="http://schemas.microsoft.com/office/powerpoint/2010/main" val="3732099084"/>
+      </p:ext>
+    </p:extLst>
+  </p:cSld>
+  <p:clrMapOvr>
+    <a:masterClrMapping/>
+  </p:clrMapOvr>
+</p:sld>
+</file>
+
+<file path=ppt/slides/slide16.xml><?xml version="1.0" encoding="utf-8"?>
 <p:sld xmlns:a="http://schemas.openxmlformats.org/drawingml/2006/main" xmlns:r="http://schemas.openxmlformats.org/officeDocument/2006/relationships" xmlns:p="http://schemas.openxmlformats.org/presentationml/2006/main">
   <p:cSld>
     <p:bg>
@@ -30033,7 +30737,7 @@
 </p:sld>
 </file>
 
-<file path=ppt/slides/slide14.xml><?xml version="1.0" encoding="utf-8"?>
+<file path=ppt/slides/slide17.xml><?xml version="1.0" encoding="utf-8"?>
 <p:sld xmlns:a="http://schemas.openxmlformats.org/drawingml/2006/main" xmlns:r="http://schemas.openxmlformats.org/officeDocument/2006/relationships" xmlns:p="http://schemas.openxmlformats.org/presentationml/2006/main">
   <p:cSld>
     <p:spTree>
@@ -30153,7 +30857,7 @@
 </p:sld>
 </file>
 
-<file path=ppt/slides/slide15.xml><?xml version="1.0" encoding="utf-8"?>
+<file path=ppt/slides/slide18.xml><?xml version="1.0" encoding="utf-8"?>
 <p:sld xmlns:a="http://schemas.openxmlformats.org/drawingml/2006/main" xmlns:r="http://schemas.openxmlformats.org/officeDocument/2006/relationships" xmlns:p="http://schemas.openxmlformats.org/presentationml/2006/main">
   <p:cSld>
     <p:bg>
@@ -30410,7 +31114,7 @@
 </p:sld>
 </file>
 
-<file path=ppt/slides/slide16.xml><?xml version="1.0" encoding="utf-8"?>
+<file path=ppt/slides/slide19.xml><?xml version="1.0" encoding="utf-8"?>
 <p:sld xmlns:a="http://schemas.openxmlformats.org/drawingml/2006/main" xmlns:r="http://schemas.openxmlformats.org/officeDocument/2006/relationships" xmlns:p="http://schemas.openxmlformats.org/presentationml/2006/main">
   <p:cSld>
     <p:spTree>
@@ -30521,670 +31225,6 @@
     <p:extLst>
       <p:ext uri="{BB962C8B-B14F-4D97-AF65-F5344CB8AC3E}">
         <p14:creationId xmlns:p14="http://schemas.microsoft.com/office/powerpoint/2010/main" val="433580080"/>
-      </p:ext>
-    </p:extLst>
-  </p:cSld>
-  <p:clrMapOvr>
-    <a:masterClrMapping/>
-  </p:clrMapOvr>
-</p:sld>
-</file>
-
-<file path=ppt/slides/slide17.xml><?xml version="1.0" encoding="utf-8"?>
-<p:sld xmlns:a="http://schemas.openxmlformats.org/drawingml/2006/main" xmlns:r="http://schemas.openxmlformats.org/officeDocument/2006/relationships" xmlns:p="http://schemas.openxmlformats.org/presentationml/2006/main">
-  <p:cSld>
-    <p:bg>
-      <p:bgPr>
-        <a:solidFill>
-          <a:schemeClr val="bg2"/>
-        </a:solidFill>
-        <a:effectLst/>
-      </p:bgPr>
-    </p:bg>
-    <p:spTree>
-      <p:nvGrpSpPr>
-        <p:cNvPr id="1" name="">
-          <a:extLst>
-            <a:ext uri="{FF2B5EF4-FFF2-40B4-BE49-F238E27FC236}">
-              <a16:creationId xmlns:a16="http://schemas.microsoft.com/office/drawing/2014/main" id="{017F813A-2002-3219-C35D-6E6258E132AD}"/>
-            </a:ext>
-          </a:extLst>
-        </p:cNvPr>
-        <p:cNvGrpSpPr/>
-        <p:nvPr/>
-      </p:nvGrpSpPr>
-      <p:grpSpPr>
-        <a:xfrm>
-          <a:off x="0" y="0"/>
-          <a:ext cx="0" cy="0"/>
-          <a:chOff x="0" y="0"/>
-          <a:chExt cx="0" cy="0"/>
-        </a:xfrm>
-      </p:grpSpPr>
-      <p:sp>
-        <p:nvSpPr>
-          <p:cNvPr id="9" name="Title 1">
-            <a:extLst>
-              <a:ext uri="{FF2B5EF4-FFF2-40B4-BE49-F238E27FC236}">
-                <a16:creationId xmlns:a16="http://schemas.microsoft.com/office/drawing/2014/main" id="{89FA6CFB-6EB6-0901-0B54-3A672DC2B811}"/>
-              </a:ext>
-            </a:extLst>
-          </p:cNvPr>
-          <p:cNvSpPr txBox="1">
-            <a:spLocks/>
-          </p:cNvSpPr>
-          <p:nvPr/>
-        </p:nvSpPr>
-        <p:spPr>
-          <a:xfrm>
-            <a:off x="325315" y="-266747"/>
-            <a:ext cx="5641848" cy="1293091"/>
-          </a:xfrm>
-          <a:prstGeom prst="rect">
-            <a:avLst/>
-          </a:prstGeom>
-        </p:spPr>
-        <p:txBody>
-          <a:bodyPr vert="horz" lIns="91440" tIns="45720" rIns="91440" bIns="45720" rtlCol="0" anchor="b" anchorCtr="0">
-            <a:noAutofit/>
-          </a:bodyPr>
-          <a:lstStyle>
-            <a:lvl1pPr algn="ctr" defTabSz="914400" rtl="0" eaLnBrk="1" latinLnBrk="0" hangingPunct="1">
-              <a:lnSpc>
-                <a:spcPct val="90000"/>
-              </a:lnSpc>
-              <a:spcBef>
-                <a:spcPct val="0"/>
-              </a:spcBef>
-              <a:buNone/>
-              <a:defRPr sz="4800" kern="1200" cap="none" baseline="0">
-                <a:solidFill>
-                  <a:schemeClr val="tx1"/>
-                </a:solidFill>
-                <a:latin typeface="+mj-lt"/>
-                <a:ea typeface="+mj-ea"/>
-                <a:cs typeface="+mj-cs"/>
-              </a:defRPr>
-            </a:lvl1pPr>
-          </a:lstStyle>
-          <a:p>
-            <a:r>
-              <a:rPr lang="en-US" dirty="0"/>
-              <a:t>Bit-Plane Coding</a:t>
-            </a:r>
-          </a:p>
-        </p:txBody>
-      </p:sp>
-      <p:sp>
-        <p:nvSpPr>
-          <p:cNvPr id="10" name="TextBox 9">
-            <a:extLst>
-              <a:ext uri="{FF2B5EF4-FFF2-40B4-BE49-F238E27FC236}">
-                <a16:creationId xmlns:a16="http://schemas.microsoft.com/office/drawing/2014/main" id="{6A5D5CBB-A715-DB2A-20A3-AB474E3D47AD}"/>
-              </a:ext>
-            </a:extLst>
-          </p:cNvPr>
-          <p:cNvSpPr txBox="1"/>
-          <p:nvPr/>
-        </p:nvSpPr>
-        <p:spPr>
-          <a:xfrm>
-            <a:off x="817682" y="1210914"/>
-            <a:ext cx="10788161" cy="1569660"/>
-          </a:xfrm>
-          <a:prstGeom prst="rect">
-            <a:avLst/>
-          </a:prstGeom>
-          <a:noFill/>
-        </p:spPr>
-        <p:txBody>
-          <a:bodyPr wrap="square">
-            <a:spAutoFit/>
-          </a:bodyPr>
-          <a:lstStyle/>
-          <a:p>
-            <a:r>
-              <a:rPr lang="en-US" sz="2400" dirty="0"/>
-              <a:t>Bit-Plane Coding is a lossless data compression technique that represents an image or data by breaking it down into several bit-planes, each representing a specific bit of the pixel values. Each bit-plane is then encoded separately, which helps in compressing the image more efficiently by exploiting redundancy in the bits.</a:t>
-            </a:r>
-          </a:p>
-        </p:txBody>
-      </p:sp>
-      <p:sp>
-        <p:nvSpPr>
-          <p:cNvPr id="12" name="TextBox 11">
-            <a:extLst>
-              <a:ext uri="{FF2B5EF4-FFF2-40B4-BE49-F238E27FC236}">
-                <a16:creationId xmlns:a16="http://schemas.microsoft.com/office/drawing/2014/main" id="{8667A8F6-8F6C-609D-4FE6-696F67747429}"/>
-              </a:ext>
-            </a:extLst>
-          </p:cNvPr>
-          <p:cNvSpPr txBox="1"/>
-          <p:nvPr/>
-        </p:nvSpPr>
-        <p:spPr>
-          <a:xfrm>
-            <a:off x="817682" y="3057476"/>
-            <a:ext cx="10788160" cy="1477328"/>
-          </a:xfrm>
-          <a:prstGeom prst="rect">
-            <a:avLst/>
-          </a:prstGeom>
-          <a:noFill/>
-        </p:spPr>
-        <p:txBody>
-          <a:bodyPr wrap="square">
-            <a:spAutoFit/>
-          </a:bodyPr>
-          <a:lstStyle/>
-          <a:p>
-            <a:r>
-              <a:rPr lang="en-US" b="1" dirty="0"/>
-              <a:t>Algorithm:</a:t>
-            </a:r>
-          </a:p>
-          <a:p>
-            <a:pPr marL="285750" indent="-285750">
-              <a:buFont typeface="Arial" panose="020B0604020202020204" pitchFamily="34" charset="0"/>
-              <a:buChar char="•"/>
-            </a:pPr>
-            <a:r>
-              <a:rPr lang="en-US" dirty="0"/>
-              <a:t>Convert to Binary: Convert each pixel value to binary.</a:t>
-            </a:r>
-          </a:p>
-          <a:p>
-            <a:pPr marL="285750" indent="-285750">
-              <a:buFont typeface="Arial" panose="020B0604020202020204" pitchFamily="34" charset="0"/>
-              <a:buChar char="•"/>
-            </a:pPr>
-            <a:r>
-              <a:rPr lang="en-US" dirty="0"/>
-              <a:t>Extract Bit-Planes: For each bit position, extract the corresponding bits from all pixels.</a:t>
-            </a:r>
-          </a:p>
-          <a:p>
-            <a:pPr marL="285750" indent="-285750">
-              <a:buFont typeface="Arial" panose="020B0604020202020204" pitchFamily="34" charset="0"/>
-              <a:buChar char="•"/>
-            </a:pPr>
-            <a:r>
-              <a:rPr lang="en-US" dirty="0"/>
-              <a:t>Encode: Compress each bit-plane (e.g., using Run-Length Encoding or Huffman coding).</a:t>
-            </a:r>
-          </a:p>
-          <a:p>
-            <a:pPr marL="285750" indent="-285750">
-              <a:buFont typeface="Arial" panose="020B0604020202020204" pitchFamily="34" charset="0"/>
-              <a:buChar char="•"/>
-            </a:pPr>
-            <a:r>
-              <a:rPr lang="en-US" dirty="0"/>
-              <a:t>Decode: Reconstruct the original image by combining the bit-planes.</a:t>
-            </a:r>
-          </a:p>
-        </p:txBody>
-      </p:sp>
-      <p:sp>
-        <p:nvSpPr>
-          <p:cNvPr id="13" name="TextBox 12">
-            <a:extLst>
-              <a:ext uri="{FF2B5EF4-FFF2-40B4-BE49-F238E27FC236}">
-                <a16:creationId xmlns:a16="http://schemas.microsoft.com/office/drawing/2014/main" id="{E59C071C-522D-CB83-DD7A-FB6152169784}"/>
-              </a:ext>
-            </a:extLst>
-          </p:cNvPr>
-          <p:cNvSpPr txBox="1"/>
-          <p:nvPr/>
-        </p:nvSpPr>
-        <p:spPr>
-          <a:xfrm>
-            <a:off x="817682" y="4811707"/>
-            <a:ext cx="10788161" cy="923330"/>
-          </a:xfrm>
-          <a:prstGeom prst="rect">
-            <a:avLst/>
-          </a:prstGeom>
-          <a:noFill/>
-        </p:spPr>
-        <p:txBody>
-          <a:bodyPr wrap="square">
-            <a:spAutoFit/>
-          </a:bodyPr>
-          <a:lstStyle/>
-          <a:p>
-            <a:r>
-              <a:rPr lang="en-US" b="1" dirty="0"/>
-              <a:t>Where It Is Used</a:t>
-            </a:r>
-            <a:r>
-              <a:rPr lang="en-US" dirty="0"/>
-              <a:t>:</a:t>
-            </a:r>
-          </a:p>
-          <a:p>
-            <a:pPr marL="285750" indent="-285750">
-              <a:buFont typeface="Arial" panose="020B0604020202020204" pitchFamily="34" charset="0"/>
-              <a:buChar char="•"/>
-            </a:pPr>
-            <a:r>
-              <a:rPr lang="en-US" dirty="0"/>
-              <a:t>Image Compression (e.g., JPEG).</a:t>
-            </a:r>
-          </a:p>
-          <a:p>
-            <a:pPr marL="285750" indent="-285750">
-              <a:buFont typeface="Arial" panose="020B0604020202020204" pitchFamily="34" charset="0"/>
-              <a:buChar char="•"/>
-            </a:pPr>
-            <a:r>
-              <a:rPr lang="en-US" dirty="0"/>
-              <a:t>Image Encryption and Data Hiding.</a:t>
-            </a:r>
-          </a:p>
-        </p:txBody>
-      </p:sp>
-    </p:spTree>
-    <p:extLst>
-      <p:ext uri="{BB962C8B-B14F-4D97-AF65-F5344CB8AC3E}">
-        <p14:creationId xmlns:p14="http://schemas.microsoft.com/office/powerpoint/2010/main" val="1994065522"/>
-      </p:ext>
-    </p:extLst>
-  </p:cSld>
-  <p:clrMapOvr>
-    <a:masterClrMapping/>
-  </p:clrMapOvr>
-</p:sld>
-</file>
-
-<file path=ppt/slides/slide18.xml><?xml version="1.0" encoding="utf-8"?>
-<p:sld xmlns:a="http://schemas.openxmlformats.org/drawingml/2006/main" xmlns:r="http://schemas.openxmlformats.org/officeDocument/2006/relationships" xmlns:p="http://schemas.openxmlformats.org/presentationml/2006/main">
-  <p:cSld>
-    <p:spTree>
-      <p:nvGrpSpPr>
-        <p:cNvPr id="1" name="">
-          <a:extLst>
-            <a:ext uri="{FF2B5EF4-FFF2-40B4-BE49-F238E27FC236}">
-              <a16:creationId xmlns:a16="http://schemas.microsoft.com/office/drawing/2014/main" id="{B0871429-45D3-B23D-A5CC-DD9B6CD63050}"/>
-            </a:ext>
-          </a:extLst>
-        </p:cNvPr>
-        <p:cNvGrpSpPr/>
-        <p:nvPr/>
-      </p:nvGrpSpPr>
-      <p:grpSpPr>
-        <a:xfrm>
-          <a:off x="0" y="0"/>
-          <a:ext cx="0" cy="0"/>
-          <a:chOff x="0" y="0"/>
-          <a:chExt cx="0" cy="0"/>
-        </a:xfrm>
-      </p:grpSpPr>
-      <p:pic>
-        <p:nvPicPr>
-          <p:cNvPr id="6" name="Picture 5">
-            <a:extLst>
-              <a:ext uri="{FF2B5EF4-FFF2-40B4-BE49-F238E27FC236}">
-                <a16:creationId xmlns:a16="http://schemas.microsoft.com/office/drawing/2014/main" id="{86765AF1-40FD-1778-9242-011750D40179}"/>
-              </a:ext>
-            </a:extLst>
-          </p:cNvPr>
-          <p:cNvPicPr>
-            <a:picLocks noChangeAspect="1"/>
-          </p:cNvPicPr>
-          <p:nvPr/>
-        </p:nvPicPr>
-        <p:blipFill>
-          <a:blip r:embed="rId3"/>
-          <a:stretch>
-            <a:fillRect/>
-          </a:stretch>
-        </p:blipFill>
-        <p:spPr>
-          <a:xfrm>
-            <a:off x="609589" y="685794"/>
-            <a:ext cx="10972822" cy="5486411"/>
-          </a:xfrm>
-          <a:prstGeom prst="rect">
-            <a:avLst/>
-          </a:prstGeom>
-        </p:spPr>
-      </p:pic>
-      <p:sp>
-        <p:nvSpPr>
-          <p:cNvPr id="13" name="Title 1">
-            <a:extLst>
-              <a:ext uri="{FF2B5EF4-FFF2-40B4-BE49-F238E27FC236}">
-                <a16:creationId xmlns:a16="http://schemas.microsoft.com/office/drawing/2014/main" id="{07BDB770-79C3-4B46-07BD-9DA3680D6E5A}"/>
-              </a:ext>
-            </a:extLst>
-          </p:cNvPr>
-          <p:cNvSpPr txBox="1">
-            <a:spLocks/>
-          </p:cNvSpPr>
-          <p:nvPr/>
-        </p:nvSpPr>
-        <p:spPr>
-          <a:xfrm>
-            <a:off x="3275076" y="-184637"/>
-            <a:ext cx="5641848" cy="1293091"/>
-          </a:xfrm>
-          <a:prstGeom prst="rect">
-            <a:avLst/>
-          </a:prstGeom>
-        </p:spPr>
-        <p:txBody>
-          <a:bodyPr vert="horz" lIns="91440" tIns="45720" rIns="91440" bIns="45720" rtlCol="0" anchor="b" anchorCtr="0">
-            <a:noAutofit/>
-          </a:bodyPr>
-          <a:lstStyle>
-            <a:lvl1pPr algn="ctr" defTabSz="914400" rtl="0" eaLnBrk="1" latinLnBrk="0" hangingPunct="1">
-              <a:lnSpc>
-                <a:spcPct val="90000"/>
-              </a:lnSpc>
-              <a:spcBef>
-                <a:spcPct val="0"/>
-              </a:spcBef>
-              <a:buNone/>
-              <a:defRPr sz="4800" kern="1200" cap="none" baseline="0">
-                <a:solidFill>
-                  <a:schemeClr val="tx1"/>
-                </a:solidFill>
-                <a:latin typeface="+mj-lt"/>
-                <a:ea typeface="+mj-ea"/>
-                <a:cs typeface="+mj-cs"/>
-              </a:defRPr>
-            </a:lvl1pPr>
-          </a:lstStyle>
-          <a:p>
-            <a:r>
-              <a:rPr lang="en-US" dirty="0"/>
-              <a:t>Bit-Plane Coding</a:t>
-            </a:r>
-          </a:p>
-        </p:txBody>
-      </p:sp>
-    </p:spTree>
-    <p:extLst>
-      <p:ext uri="{BB962C8B-B14F-4D97-AF65-F5344CB8AC3E}">
-        <p14:creationId xmlns:p14="http://schemas.microsoft.com/office/powerpoint/2010/main" val="3077186560"/>
-      </p:ext>
-    </p:extLst>
-  </p:cSld>
-  <p:clrMapOvr>
-    <a:masterClrMapping/>
-  </p:clrMapOvr>
-</p:sld>
-</file>
-
-<file path=ppt/slides/slide19.xml><?xml version="1.0" encoding="utf-8"?>
-<p:sld xmlns:a="http://schemas.openxmlformats.org/drawingml/2006/main" xmlns:r="http://schemas.openxmlformats.org/officeDocument/2006/relationships" xmlns:p="http://schemas.openxmlformats.org/presentationml/2006/main">
-  <p:cSld>
-    <p:bg>
-      <p:bgPr>
-        <a:solidFill>
-          <a:schemeClr val="bg2"/>
-        </a:solidFill>
-        <a:effectLst/>
-      </p:bgPr>
-    </p:bg>
-    <p:spTree>
-      <p:nvGrpSpPr>
-        <p:cNvPr id="1" name="">
-          <a:extLst>
-            <a:ext uri="{FF2B5EF4-FFF2-40B4-BE49-F238E27FC236}">
-              <a16:creationId xmlns:a16="http://schemas.microsoft.com/office/drawing/2014/main" id="{F925AD9E-23A9-0A6C-73D5-E8A4A55D024E}"/>
-            </a:ext>
-          </a:extLst>
-        </p:cNvPr>
-        <p:cNvGrpSpPr/>
-        <p:nvPr/>
-      </p:nvGrpSpPr>
-      <p:grpSpPr>
-        <a:xfrm>
-          <a:off x="0" y="0"/>
-          <a:ext cx="0" cy="0"/>
-          <a:chOff x="0" y="0"/>
-          <a:chExt cx="0" cy="0"/>
-        </a:xfrm>
-      </p:grpSpPr>
-      <p:sp>
-        <p:nvSpPr>
-          <p:cNvPr id="9" name="Title 1">
-            <a:extLst>
-              <a:ext uri="{FF2B5EF4-FFF2-40B4-BE49-F238E27FC236}">
-                <a16:creationId xmlns:a16="http://schemas.microsoft.com/office/drawing/2014/main" id="{02309773-3D48-90AC-5B7B-9CBC4551B170}"/>
-              </a:ext>
-            </a:extLst>
-          </p:cNvPr>
-          <p:cNvSpPr txBox="1">
-            <a:spLocks/>
-          </p:cNvSpPr>
-          <p:nvPr/>
-        </p:nvSpPr>
-        <p:spPr>
-          <a:xfrm>
-            <a:off x="325315" y="-266747"/>
-            <a:ext cx="8168054" cy="1293091"/>
-          </a:xfrm>
-          <a:prstGeom prst="rect">
-            <a:avLst/>
-          </a:prstGeom>
-        </p:spPr>
-        <p:txBody>
-          <a:bodyPr vert="horz" lIns="91440" tIns="45720" rIns="91440" bIns="45720" rtlCol="0" anchor="b" anchorCtr="0">
-            <a:noAutofit/>
-          </a:bodyPr>
-          <a:lstStyle>
-            <a:lvl1pPr algn="ctr" defTabSz="914400" rtl="0" eaLnBrk="1" latinLnBrk="0" hangingPunct="1">
-              <a:lnSpc>
-                <a:spcPct val="90000"/>
-              </a:lnSpc>
-              <a:spcBef>
-                <a:spcPct val="0"/>
-              </a:spcBef>
-              <a:buNone/>
-              <a:defRPr sz="4800" kern="1200" cap="none" baseline="0">
-                <a:solidFill>
-                  <a:schemeClr val="tx1"/>
-                </a:solidFill>
-                <a:latin typeface="+mj-lt"/>
-                <a:ea typeface="+mj-ea"/>
-                <a:cs typeface="+mj-cs"/>
-              </a:defRPr>
-            </a:lvl1pPr>
-          </a:lstStyle>
-          <a:p>
-            <a:r>
-              <a:rPr lang="en-US" dirty="0"/>
-              <a:t>Block Transform Coding</a:t>
-            </a:r>
-          </a:p>
-        </p:txBody>
-      </p:sp>
-      <p:sp>
-        <p:nvSpPr>
-          <p:cNvPr id="10" name="TextBox 9">
-            <a:extLst>
-              <a:ext uri="{FF2B5EF4-FFF2-40B4-BE49-F238E27FC236}">
-                <a16:creationId xmlns:a16="http://schemas.microsoft.com/office/drawing/2014/main" id="{D359EDDB-D718-D0EA-CF39-8201E60DD609}"/>
-              </a:ext>
-            </a:extLst>
-          </p:cNvPr>
-          <p:cNvSpPr txBox="1"/>
-          <p:nvPr/>
-        </p:nvSpPr>
-        <p:spPr>
-          <a:xfrm>
-            <a:off x="817682" y="1210914"/>
-            <a:ext cx="10788161" cy="1200329"/>
-          </a:xfrm>
-          <a:prstGeom prst="rect">
-            <a:avLst/>
-          </a:prstGeom>
-          <a:noFill/>
-        </p:spPr>
-        <p:txBody>
-          <a:bodyPr wrap="square">
-            <a:spAutoFit/>
-          </a:bodyPr>
-          <a:lstStyle/>
-          <a:p>
-            <a:r>
-              <a:rPr lang="en-US" sz="2400" dirty="0"/>
-              <a:t>Block Transform Coding is a compression technique where the input data (often images) is divided into fixed-size blocks, and a transformation is applied to each block to reduce redundancy. The transformed data is then quantized and encoded for compression.</a:t>
-            </a:r>
-          </a:p>
-        </p:txBody>
-      </p:sp>
-      <p:sp>
-        <p:nvSpPr>
-          <p:cNvPr id="12" name="TextBox 11">
-            <a:extLst>
-              <a:ext uri="{FF2B5EF4-FFF2-40B4-BE49-F238E27FC236}">
-                <a16:creationId xmlns:a16="http://schemas.microsoft.com/office/drawing/2014/main" id="{8E3B6B67-A017-1051-CA7C-32FB0F839A1C}"/>
-              </a:ext>
-            </a:extLst>
-          </p:cNvPr>
-          <p:cNvSpPr txBox="1"/>
-          <p:nvPr/>
-        </p:nvSpPr>
-        <p:spPr>
-          <a:xfrm>
-            <a:off x="817683" y="2595812"/>
-            <a:ext cx="10788160" cy="1754326"/>
-          </a:xfrm>
-          <a:prstGeom prst="rect">
-            <a:avLst/>
-          </a:prstGeom>
-          <a:noFill/>
-        </p:spPr>
-        <p:txBody>
-          <a:bodyPr wrap="square">
-            <a:spAutoFit/>
-          </a:bodyPr>
-          <a:lstStyle/>
-          <a:p>
-            <a:r>
-              <a:rPr lang="en-US" b="1" dirty="0"/>
-              <a:t>Algorithm:</a:t>
-            </a:r>
-          </a:p>
-          <a:p>
-            <a:pPr marL="285750" indent="-285750">
-              <a:buFont typeface="Arial" panose="020B0604020202020204" pitchFamily="34" charset="0"/>
-              <a:buChar char="•"/>
-            </a:pPr>
-            <a:r>
-              <a:rPr lang="en-US" dirty="0"/>
-              <a:t>Divide into Blocks: Split data (e.g., image) into small blocks (e.g., 8x8).</a:t>
-            </a:r>
-          </a:p>
-          <a:p>
-            <a:pPr marL="285750" indent="-285750">
-              <a:buFont typeface="Arial" panose="020B0604020202020204" pitchFamily="34" charset="0"/>
-              <a:buChar char="•"/>
-            </a:pPr>
-            <a:r>
-              <a:rPr lang="en-US" dirty="0"/>
-              <a:t>Apply Transformation: Use a transform (e.g., DCT) on each block.</a:t>
-            </a:r>
-          </a:p>
-          <a:p>
-            <a:pPr marL="285750" indent="-285750">
-              <a:buFont typeface="Arial" panose="020B0604020202020204" pitchFamily="34" charset="0"/>
-              <a:buChar char="•"/>
-            </a:pPr>
-            <a:r>
-              <a:rPr lang="en-US" dirty="0"/>
-              <a:t>Quantize: Reduce precision of the transformed coefficients.</a:t>
-            </a:r>
-          </a:p>
-          <a:p>
-            <a:pPr marL="285750" indent="-285750">
-              <a:buFont typeface="Arial" panose="020B0604020202020204" pitchFamily="34" charset="0"/>
-              <a:buChar char="•"/>
-            </a:pPr>
-            <a:r>
-              <a:rPr lang="en-US" dirty="0"/>
-              <a:t>Encode: Compress the quantized coefficients (e.g., using RLE or Huffman).</a:t>
-            </a:r>
-          </a:p>
-          <a:p>
-            <a:pPr marL="285750" indent="-285750">
-              <a:buFont typeface="Arial" panose="020B0604020202020204" pitchFamily="34" charset="0"/>
-              <a:buChar char="•"/>
-            </a:pPr>
-            <a:r>
-              <a:rPr lang="en-US" dirty="0"/>
-              <a:t>Decode: Reconstruct data by decoding and applying the inverse transform.</a:t>
-            </a:r>
-          </a:p>
-        </p:txBody>
-      </p:sp>
-      <p:sp>
-        <p:nvSpPr>
-          <p:cNvPr id="13" name="TextBox 12">
-            <a:extLst>
-              <a:ext uri="{FF2B5EF4-FFF2-40B4-BE49-F238E27FC236}">
-                <a16:creationId xmlns:a16="http://schemas.microsoft.com/office/drawing/2014/main" id="{74702609-FAD5-155A-6B89-DF4830BC2321}"/>
-              </a:ext>
-            </a:extLst>
-          </p:cNvPr>
-          <p:cNvSpPr txBox="1"/>
-          <p:nvPr/>
-        </p:nvSpPr>
-        <p:spPr>
-          <a:xfrm>
-            <a:off x="817682" y="4811707"/>
-            <a:ext cx="10788161" cy="923330"/>
-          </a:xfrm>
-          <a:prstGeom prst="rect">
-            <a:avLst/>
-          </a:prstGeom>
-          <a:noFill/>
-        </p:spPr>
-        <p:txBody>
-          <a:bodyPr wrap="square">
-            <a:spAutoFit/>
-          </a:bodyPr>
-          <a:lstStyle/>
-          <a:p>
-            <a:r>
-              <a:rPr lang="en-US" b="1" dirty="0"/>
-              <a:t>Where It Is Used</a:t>
-            </a:r>
-            <a:r>
-              <a:rPr lang="en-US" dirty="0"/>
-              <a:t>:</a:t>
-            </a:r>
-          </a:p>
-          <a:p>
-            <a:pPr marL="285750" indent="-285750">
-              <a:buFont typeface="Arial" panose="020B0604020202020204" pitchFamily="34" charset="0"/>
-              <a:buChar char="•"/>
-            </a:pPr>
-            <a:r>
-              <a:rPr lang="en-US" dirty="0"/>
-              <a:t>JPEG image compression.</a:t>
-            </a:r>
-          </a:p>
-          <a:p>
-            <a:pPr marL="285750" indent="-285750">
-              <a:buFont typeface="Arial" panose="020B0604020202020204" pitchFamily="34" charset="0"/>
-              <a:buChar char="•"/>
-            </a:pPr>
-            <a:r>
-              <a:rPr lang="en-US" dirty="0"/>
-              <a:t>Video compression (e.g., MPEG).</a:t>
-            </a:r>
-          </a:p>
-        </p:txBody>
-      </p:sp>
-    </p:spTree>
-    <p:extLst>
-      <p:ext uri="{BB962C8B-B14F-4D97-AF65-F5344CB8AC3E}">
-        <p14:creationId xmlns:p14="http://schemas.microsoft.com/office/powerpoint/2010/main" val="3430096074"/>
       </p:ext>
     </p:extLst>
   </p:cSld>
@@ -31521,6 +31561,670 @@
 <file path=ppt/slides/slide20.xml><?xml version="1.0" encoding="utf-8"?>
 <p:sld xmlns:a="http://schemas.openxmlformats.org/drawingml/2006/main" xmlns:r="http://schemas.openxmlformats.org/officeDocument/2006/relationships" xmlns:p="http://schemas.openxmlformats.org/presentationml/2006/main">
   <p:cSld>
+    <p:bg>
+      <p:bgPr>
+        <a:solidFill>
+          <a:schemeClr val="bg2"/>
+        </a:solidFill>
+        <a:effectLst/>
+      </p:bgPr>
+    </p:bg>
+    <p:spTree>
+      <p:nvGrpSpPr>
+        <p:cNvPr id="1" name="">
+          <a:extLst>
+            <a:ext uri="{FF2B5EF4-FFF2-40B4-BE49-F238E27FC236}">
+              <a16:creationId xmlns:a16="http://schemas.microsoft.com/office/drawing/2014/main" id="{017F813A-2002-3219-C35D-6E6258E132AD}"/>
+            </a:ext>
+          </a:extLst>
+        </p:cNvPr>
+        <p:cNvGrpSpPr/>
+        <p:nvPr/>
+      </p:nvGrpSpPr>
+      <p:grpSpPr>
+        <a:xfrm>
+          <a:off x="0" y="0"/>
+          <a:ext cx="0" cy="0"/>
+          <a:chOff x="0" y="0"/>
+          <a:chExt cx="0" cy="0"/>
+        </a:xfrm>
+      </p:grpSpPr>
+      <p:sp>
+        <p:nvSpPr>
+          <p:cNvPr id="9" name="Title 1">
+            <a:extLst>
+              <a:ext uri="{FF2B5EF4-FFF2-40B4-BE49-F238E27FC236}">
+                <a16:creationId xmlns:a16="http://schemas.microsoft.com/office/drawing/2014/main" id="{89FA6CFB-6EB6-0901-0B54-3A672DC2B811}"/>
+              </a:ext>
+            </a:extLst>
+          </p:cNvPr>
+          <p:cNvSpPr txBox="1">
+            <a:spLocks/>
+          </p:cNvSpPr>
+          <p:nvPr/>
+        </p:nvSpPr>
+        <p:spPr>
+          <a:xfrm>
+            <a:off x="325315" y="-266747"/>
+            <a:ext cx="5641848" cy="1293091"/>
+          </a:xfrm>
+          <a:prstGeom prst="rect">
+            <a:avLst/>
+          </a:prstGeom>
+        </p:spPr>
+        <p:txBody>
+          <a:bodyPr vert="horz" lIns="91440" tIns="45720" rIns="91440" bIns="45720" rtlCol="0" anchor="b" anchorCtr="0">
+            <a:noAutofit/>
+          </a:bodyPr>
+          <a:lstStyle>
+            <a:lvl1pPr algn="ctr" defTabSz="914400" rtl="0" eaLnBrk="1" latinLnBrk="0" hangingPunct="1">
+              <a:lnSpc>
+                <a:spcPct val="90000"/>
+              </a:lnSpc>
+              <a:spcBef>
+                <a:spcPct val="0"/>
+              </a:spcBef>
+              <a:buNone/>
+              <a:defRPr sz="4800" kern="1200" cap="none" baseline="0">
+                <a:solidFill>
+                  <a:schemeClr val="tx1"/>
+                </a:solidFill>
+                <a:latin typeface="+mj-lt"/>
+                <a:ea typeface="+mj-ea"/>
+                <a:cs typeface="+mj-cs"/>
+              </a:defRPr>
+            </a:lvl1pPr>
+          </a:lstStyle>
+          <a:p>
+            <a:r>
+              <a:rPr lang="en-US" dirty="0"/>
+              <a:t>Bit-Plane Coding</a:t>
+            </a:r>
+          </a:p>
+        </p:txBody>
+      </p:sp>
+      <p:sp>
+        <p:nvSpPr>
+          <p:cNvPr id="10" name="TextBox 9">
+            <a:extLst>
+              <a:ext uri="{FF2B5EF4-FFF2-40B4-BE49-F238E27FC236}">
+                <a16:creationId xmlns:a16="http://schemas.microsoft.com/office/drawing/2014/main" id="{6A5D5CBB-A715-DB2A-20A3-AB474E3D47AD}"/>
+              </a:ext>
+            </a:extLst>
+          </p:cNvPr>
+          <p:cNvSpPr txBox="1"/>
+          <p:nvPr/>
+        </p:nvSpPr>
+        <p:spPr>
+          <a:xfrm>
+            <a:off x="817682" y="1210914"/>
+            <a:ext cx="10788161" cy="1569660"/>
+          </a:xfrm>
+          <a:prstGeom prst="rect">
+            <a:avLst/>
+          </a:prstGeom>
+          <a:noFill/>
+        </p:spPr>
+        <p:txBody>
+          <a:bodyPr wrap="square">
+            <a:spAutoFit/>
+          </a:bodyPr>
+          <a:lstStyle/>
+          <a:p>
+            <a:r>
+              <a:rPr lang="en-US" sz="2400" dirty="0"/>
+              <a:t>Bit-Plane Coding is a lossless data compression technique that represents an image or data by breaking it down into several bit-planes, each representing a specific bit of the pixel values. Each bit-plane is then encoded separately, which helps in compressing the image more efficiently by exploiting redundancy in the bits.</a:t>
+            </a:r>
+          </a:p>
+        </p:txBody>
+      </p:sp>
+      <p:sp>
+        <p:nvSpPr>
+          <p:cNvPr id="12" name="TextBox 11">
+            <a:extLst>
+              <a:ext uri="{FF2B5EF4-FFF2-40B4-BE49-F238E27FC236}">
+                <a16:creationId xmlns:a16="http://schemas.microsoft.com/office/drawing/2014/main" id="{8667A8F6-8F6C-609D-4FE6-696F67747429}"/>
+              </a:ext>
+            </a:extLst>
+          </p:cNvPr>
+          <p:cNvSpPr txBox="1"/>
+          <p:nvPr/>
+        </p:nvSpPr>
+        <p:spPr>
+          <a:xfrm>
+            <a:off x="817682" y="3057476"/>
+            <a:ext cx="10788160" cy="1477328"/>
+          </a:xfrm>
+          <a:prstGeom prst="rect">
+            <a:avLst/>
+          </a:prstGeom>
+          <a:noFill/>
+        </p:spPr>
+        <p:txBody>
+          <a:bodyPr wrap="square">
+            <a:spAutoFit/>
+          </a:bodyPr>
+          <a:lstStyle/>
+          <a:p>
+            <a:r>
+              <a:rPr lang="en-US" b="1" dirty="0"/>
+              <a:t>Algorithm:</a:t>
+            </a:r>
+          </a:p>
+          <a:p>
+            <a:pPr marL="285750" indent="-285750">
+              <a:buFont typeface="Arial" panose="020B0604020202020204" pitchFamily="34" charset="0"/>
+              <a:buChar char="•"/>
+            </a:pPr>
+            <a:r>
+              <a:rPr lang="en-US" dirty="0"/>
+              <a:t>Convert to Binary: Convert each pixel value to binary.</a:t>
+            </a:r>
+          </a:p>
+          <a:p>
+            <a:pPr marL="285750" indent="-285750">
+              <a:buFont typeface="Arial" panose="020B0604020202020204" pitchFamily="34" charset="0"/>
+              <a:buChar char="•"/>
+            </a:pPr>
+            <a:r>
+              <a:rPr lang="en-US" dirty="0"/>
+              <a:t>Extract Bit-Planes: For each bit position, extract the corresponding bits from all pixels.</a:t>
+            </a:r>
+          </a:p>
+          <a:p>
+            <a:pPr marL="285750" indent="-285750">
+              <a:buFont typeface="Arial" panose="020B0604020202020204" pitchFamily="34" charset="0"/>
+              <a:buChar char="•"/>
+            </a:pPr>
+            <a:r>
+              <a:rPr lang="en-US" dirty="0"/>
+              <a:t>Encode: Compress each bit-plane (e.g., using Run-Length Encoding or Huffman coding).</a:t>
+            </a:r>
+          </a:p>
+          <a:p>
+            <a:pPr marL="285750" indent="-285750">
+              <a:buFont typeface="Arial" panose="020B0604020202020204" pitchFamily="34" charset="0"/>
+              <a:buChar char="•"/>
+            </a:pPr>
+            <a:r>
+              <a:rPr lang="en-US" dirty="0"/>
+              <a:t>Decode: Reconstruct the original image by combining the bit-planes.</a:t>
+            </a:r>
+          </a:p>
+        </p:txBody>
+      </p:sp>
+      <p:sp>
+        <p:nvSpPr>
+          <p:cNvPr id="13" name="TextBox 12">
+            <a:extLst>
+              <a:ext uri="{FF2B5EF4-FFF2-40B4-BE49-F238E27FC236}">
+                <a16:creationId xmlns:a16="http://schemas.microsoft.com/office/drawing/2014/main" id="{E59C071C-522D-CB83-DD7A-FB6152169784}"/>
+              </a:ext>
+            </a:extLst>
+          </p:cNvPr>
+          <p:cNvSpPr txBox="1"/>
+          <p:nvPr/>
+        </p:nvSpPr>
+        <p:spPr>
+          <a:xfrm>
+            <a:off x="817682" y="4811707"/>
+            <a:ext cx="10788161" cy="923330"/>
+          </a:xfrm>
+          <a:prstGeom prst="rect">
+            <a:avLst/>
+          </a:prstGeom>
+          <a:noFill/>
+        </p:spPr>
+        <p:txBody>
+          <a:bodyPr wrap="square">
+            <a:spAutoFit/>
+          </a:bodyPr>
+          <a:lstStyle/>
+          <a:p>
+            <a:r>
+              <a:rPr lang="en-US" b="1" dirty="0"/>
+              <a:t>Where It Is Used</a:t>
+            </a:r>
+            <a:r>
+              <a:rPr lang="en-US" dirty="0"/>
+              <a:t>:</a:t>
+            </a:r>
+          </a:p>
+          <a:p>
+            <a:pPr marL="285750" indent="-285750">
+              <a:buFont typeface="Arial" panose="020B0604020202020204" pitchFamily="34" charset="0"/>
+              <a:buChar char="•"/>
+            </a:pPr>
+            <a:r>
+              <a:rPr lang="en-US" dirty="0"/>
+              <a:t>Image Compression (e.g., JPEG).</a:t>
+            </a:r>
+          </a:p>
+          <a:p>
+            <a:pPr marL="285750" indent="-285750">
+              <a:buFont typeface="Arial" panose="020B0604020202020204" pitchFamily="34" charset="0"/>
+              <a:buChar char="•"/>
+            </a:pPr>
+            <a:r>
+              <a:rPr lang="en-US" dirty="0"/>
+              <a:t>Image Encryption and Data Hiding.</a:t>
+            </a:r>
+          </a:p>
+        </p:txBody>
+      </p:sp>
+    </p:spTree>
+    <p:extLst>
+      <p:ext uri="{BB962C8B-B14F-4D97-AF65-F5344CB8AC3E}">
+        <p14:creationId xmlns:p14="http://schemas.microsoft.com/office/powerpoint/2010/main" val="1994065522"/>
+      </p:ext>
+    </p:extLst>
+  </p:cSld>
+  <p:clrMapOvr>
+    <a:masterClrMapping/>
+  </p:clrMapOvr>
+</p:sld>
+</file>
+
+<file path=ppt/slides/slide21.xml><?xml version="1.0" encoding="utf-8"?>
+<p:sld xmlns:a="http://schemas.openxmlformats.org/drawingml/2006/main" xmlns:r="http://schemas.openxmlformats.org/officeDocument/2006/relationships" xmlns:p="http://schemas.openxmlformats.org/presentationml/2006/main">
+  <p:cSld>
+    <p:spTree>
+      <p:nvGrpSpPr>
+        <p:cNvPr id="1" name="">
+          <a:extLst>
+            <a:ext uri="{FF2B5EF4-FFF2-40B4-BE49-F238E27FC236}">
+              <a16:creationId xmlns:a16="http://schemas.microsoft.com/office/drawing/2014/main" id="{B0871429-45D3-B23D-A5CC-DD9B6CD63050}"/>
+            </a:ext>
+          </a:extLst>
+        </p:cNvPr>
+        <p:cNvGrpSpPr/>
+        <p:nvPr/>
+      </p:nvGrpSpPr>
+      <p:grpSpPr>
+        <a:xfrm>
+          <a:off x="0" y="0"/>
+          <a:ext cx="0" cy="0"/>
+          <a:chOff x="0" y="0"/>
+          <a:chExt cx="0" cy="0"/>
+        </a:xfrm>
+      </p:grpSpPr>
+      <p:pic>
+        <p:nvPicPr>
+          <p:cNvPr id="6" name="Picture 5">
+            <a:extLst>
+              <a:ext uri="{FF2B5EF4-FFF2-40B4-BE49-F238E27FC236}">
+                <a16:creationId xmlns:a16="http://schemas.microsoft.com/office/drawing/2014/main" id="{86765AF1-40FD-1778-9242-011750D40179}"/>
+              </a:ext>
+            </a:extLst>
+          </p:cNvPr>
+          <p:cNvPicPr>
+            <a:picLocks noChangeAspect="1"/>
+          </p:cNvPicPr>
+          <p:nvPr/>
+        </p:nvPicPr>
+        <p:blipFill>
+          <a:blip r:embed="rId3"/>
+          <a:stretch>
+            <a:fillRect/>
+          </a:stretch>
+        </p:blipFill>
+        <p:spPr>
+          <a:xfrm>
+            <a:off x="609589" y="685794"/>
+            <a:ext cx="10972822" cy="5486411"/>
+          </a:xfrm>
+          <a:prstGeom prst="rect">
+            <a:avLst/>
+          </a:prstGeom>
+        </p:spPr>
+      </p:pic>
+      <p:sp>
+        <p:nvSpPr>
+          <p:cNvPr id="13" name="Title 1">
+            <a:extLst>
+              <a:ext uri="{FF2B5EF4-FFF2-40B4-BE49-F238E27FC236}">
+                <a16:creationId xmlns:a16="http://schemas.microsoft.com/office/drawing/2014/main" id="{07BDB770-79C3-4B46-07BD-9DA3680D6E5A}"/>
+              </a:ext>
+            </a:extLst>
+          </p:cNvPr>
+          <p:cNvSpPr txBox="1">
+            <a:spLocks/>
+          </p:cNvSpPr>
+          <p:nvPr/>
+        </p:nvSpPr>
+        <p:spPr>
+          <a:xfrm>
+            <a:off x="3275076" y="-184637"/>
+            <a:ext cx="5641848" cy="1293091"/>
+          </a:xfrm>
+          <a:prstGeom prst="rect">
+            <a:avLst/>
+          </a:prstGeom>
+        </p:spPr>
+        <p:txBody>
+          <a:bodyPr vert="horz" lIns="91440" tIns="45720" rIns="91440" bIns="45720" rtlCol="0" anchor="b" anchorCtr="0">
+            <a:noAutofit/>
+          </a:bodyPr>
+          <a:lstStyle>
+            <a:lvl1pPr algn="ctr" defTabSz="914400" rtl="0" eaLnBrk="1" latinLnBrk="0" hangingPunct="1">
+              <a:lnSpc>
+                <a:spcPct val="90000"/>
+              </a:lnSpc>
+              <a:spcBef>
+                <a:spcPct val="0"/>
+              </a:spcBef>
+              <a:buNone/>
+              <a:defRPr sz="4800" kern="1200" cap="none" baseline="0">
+                <a:solidFill>
+                  <a:schemeClr val="tx1"/>
+                </a:solidFill>
+                <a:latin typeface="+mj-lt"/>
+                <a:ea typeface="+mj-ea"/>
+                <a:cs typeface="+mj-cs"/>
+              </a:defRPr>
+            </a:lvl1pPr>
+          </a:lstStyle>
+          <a:p>
+            <a:r>
+              <a:rPr lang="en-US" dirty="0"/>
+              <a:t>Bit-Plane Coding</a:t>
+            </a:r>
+          </a:p>
+        </p:txBody>
+      </p:sp>
+    </p:spTree>
+    <p:extLst>
+      <p:ext uri="{BB962C8B-B14F-4D97-AF65-F5344CB8AC3E}">
+        <p14:creationId xmlns:p14="http://schemas.microsoft.com/office/powerpoint/2010/main" val="3077186560"/>
+      </p:ext>
+    </p:extLst>
+  </p:cSld>
+  <p:clrMapOvr>
+    <a:masterClrMapping/>
+  </p:clrMapOvr>
+</p:sld>
+</file>
+
+<file path=ppt/slides/slide22.xml><?xml version="1.0" encoding="utf-8"?>
+<p:sld xmlns:a="http://schemas.openxmlformats.org/drawingml/2006/main" xmlns:r="http://schemas.openxmlformats.org/officeDocument/2006/relationships" xmlns:p="http://schemas.openxmlformats.org/presentationml/2006/main">
+  <p:cSld>
+    <p:bg>
+      <p:bgPr>
+        <a:solidFill>
+          <a:schemeClr val="bg2"/>
+        </a:solidFill>
+        <a:effectLst/>
+      </p:bgPr>
+    </p:bg>
+    <p:spTree>
+      <p:nvGrpSpPr>
+        <p:cNvPr id="1" name="">
+          <a:extLst>
+            <a:ext uri="{FF2B5EF4-FFF2-40B4-BE49-F238E27FC236}">
+              <a16:creationId xmlns:a16="http://schemas.microsoft.com/office/drawing/2014/main" id="{F925AD9E-23A9-0A6C-73D5-E8A4A55D024E}"/>
+            </a:ext>
+          </a:extLst>
+        </p:cNvPr>
+        <p:cNvGrpSpPr/>
+        <p:nvPr/>
+      </p:nvGrpSpPr>
+      <p:grpSpPr>
+        <a:xfrm>
+          <a:off x="0" y="0"/>
+          <a:ext cx="0" cy="0"/>
+          <a:chOff x="0" y="0"/>
+          <a:chExt cx="0" cy="0"/>
+        </a:xfrm>
+      </p:grpSpPr>
+      <p:sp>
+        <p:nvSpPr>
+          <p:cNvPr id="9" name="Title 1">
+            <a:extLst>
+              <a:ext uri="{FF2B5EF4-FFF2-40B4-BE49-F238E27FC236}">
+                <a16:creationId xmlns:a16="http://schemas.microsoft.com/office/drawing/2014/main" id="{02309773-3D48-90AC-5B7B-9CBC4551B170}"/>
+              </a:ext>
+            </a:extLst>
+          </p:cNvPr>
+          <p:cNvSpPr txBox="1">
+            <a:spLocks/>
+          </p:cNvSpPr>
+          <p:nvPr/>
+        </p:nvSpPr>
+        <p:spPr>
+          <a:xfrm>
+            <a:off x="325315" y="-266747"/>
+            <a:ext cx="8168054" cy="1293091"/>
+          </a:xfrm>
+          <a:prstGeom prst="rect">
+            <a:avLst/>
+          </a:prstGeom>
+        </p:spPr>
+        <p:txBody>
+          <a:bodyPr vert="horz" lIns="91440" tIns="45720" rIns="91440" bIns="45720" rtlCol="0" anchor="b" anchorCtr="0">
+            <a:noAutofit/>
+          </a:bodyPr>
+          <a:lstStyle>
+            <a:lvl1pPr algn="ctr" defTabSz="914400" rtl="0" eaLnBrk="1" latinLnBrk="0" hangingPunct="1">
+              <a:lnSpc>
+                <a:spcPct val="90000"/>
+              </a:lnSpc>
+              <a:spcBef>
+                <a:spcPct val="0"/>
+              </a:spcBef>
+              <a:buNone/>
+              <a:defRPr sz="4800" kern="1200" cap="none" baseline="0">
+                <a:solidFill>
+                  <a:schemeClr val="tx1"/>
+                </a:solidFill>
+                <a:latin typeface="+mj-lt"/>
+                <a:ea typeface="+mj-ea"/>
+                <a:cs typeface="+mj-cs"/>
+              </a:defRPr>
+            </a:lvl1pPr>
+          </a:lstStyle>
+          <a:p>
+            <a:r>
+              <a:rPr lang="en-US" dirty="0"/>
+              <a:t>Block Transform Coding</a:t>
+            </a:r>
+          </a:p>
+        </p:txBody>
+      </p:sp>
+      <p:sp>
+        <p:nvSpPr>
+          <p:cNvPr id="10" name="TextBox 9">
+            <a:extLst>
+              <a:ext uri="{FF2B5EF4-FFF2-40B4-BE49-F238E27FC236}">
+                <a16:creationId xmlns:a16="http://schemas.microsoft.com/office/drawing/2014/main" id="{D359EDDB-D718-D0EA-CF39-8201E60DD609}"/>
+              </a:ext>
+            </a:extLst>
+          </p:cNvPr>
+          <p:cNvSpPr txBox="1"/>
+          <p:nvPr/>
+        </p:nvSpPr>
+        <p:spPr>
+          <a:xfrm>
+            <a:off x="817682" y="1210914"/>
+            <a:ext cx="10788161" cy="1200329"/>
+          </a:xfrm>
+          <a:prstGeom prst="rect">
+            <a:avLst/>
+          </a:prstGeom>
+          <a:noFill/>
+        </p:spPr>
+        <p:txBody>
+          <a:bodyPr wrap="square">
+            <a:spAutoFit/>
+          </a:bodyPr>
+          <a:lstStyle/>
+          <a:p>
+            <a:r>
+              <a:rPr lang="en-US" sz="2400" dirty="0"/>
+              <a:t>Block Transform Coding is a compression technique where the input data (often images) is divided into fixed-size blocks, and a transformation is applied to each block to reduce redundancy. The transformed data is then quantized and encoded for compression.</a:t>
+            </a:r>
+          </a:p>
+        </p:txBody>
+      </p:sp>
+      <p:sp>
+        <p:nvSpPr>
+          <p:cNvPr id="12" name="TextBox 11">
+            <a:extLst>
+              <a:ext uri="{FF2B5EF4-FFF2-40B4-BE49-F238E27FC236}">
+                <a16:creationId xmlns:a16="http://schemas.microsoft.com/office/drawing/2014/main" id="{8E3B6B67-A017-1051-CA7C-32FB0F839A1C}"/>
+              </a:ext>
+            </a:extLst>
+          </p:cNvPr>
+          <p:cNvSpPr txBox="1"/>
+          <p:nvPr/>
+        </p:nvSpPr>
+        <p:spPr>
+          <a:xfrm>
+            <a:off x="817683" y="2595812"/>
+            <a:ext cx="10788160" cy="1754326"/>
+          </a:xfrm>
+          <a:prstGeom prst="rect">
+            <a:avLst/>
+          </a:prstGeom>
+          <a:noFill/>
+        </p:spPr>
+        <p:txBody>
+          <a:bodyPr wrap="square">
+            <a:spAutoFit/>
+          </a:bodyPr>
+          <a:lstStyle/>
+          <a:p>
+            <a:r>
+              <a:rPr lang="en-US" b="1" dirty="0"/>
+              <a:t>Algorithm:</a:t>
+            </a:r>
+          </a:p>
+          <a:p>
+            <a:pPr marL="285750" indent="-285750">
+              <a:buFont typeface="Arial" panose="020B0604020202020204" pitchFamily="34" charset="0"/>
+              <a:buChar char="•"/>
+            </a:pPr>
+            <a:r>
+              <a:rPr lang="en-US" dirty="0"/>
+              <a:t>Divide into Blocks: Split data (e.g., image) into small blocks (e.g., 8x8).</a:t>
+            </a:r>
+          </a:p>
+          <a:p>
+            <a:pPr marL="285750" indent="-285750">
+              <a:buFont typeface="Arial" panose="020B0604020202020204" pitchFamily="34" charset="0"/>
+              <a:buChar char="•"/>
+            </a:pPr>
+            <a:r>
+              <a:rPr lang="en-US" dirty="0"/>
+              <a:t>Apply Transformation: Use a transform (e.g., DCT) on each block.</a:t>
+            </a:r>
+          </a:p>
+          <a:p>
+            <a:pPr marL="285750" indent="-285750">
+              <a:buFont typeface="Arial" panose="020B0604020202020204" pitchFamily="34" charset="0"/>
+              <a:buChar char="•"/>
+            </a:pPr>
+            <a:r>
+              <a:rPr lang="en-US" dirty="0"/>
+              <a:t>Quantize: Reduce precision of the transformed coefficients.</a:t>
+            </a:r>
+          </a:p>
+          <a:p>
+            <a:pPr marL="285750" indent="-285750">
+              <a:buFont typeface="Arial" panose="020B0604020202020204" pitchFamily="34" charset="0"/>
+              <a:buChar char="•"/>
+            </a:pPr>
+            <a:r>
+              <a:rPr lang="en-US" dirty="0"/>
+              <a:t>Encode: Compress the quantized coefficients (e.g., using RLE or Huffman).</a:t>
+            </a:r>
+          </a:p>
+          <a:p>
+            <a:pPr marL="285750" indent="-285750">
+              <a:buFont typeface="Arial" panose="020B0604020202020204" pitchFamily="34" charset="0"/>
+              <a:buChar char="•"/>
+            </a:pPr>
+            <a:r>
+              <a:rPr lang="en-US" dirty="0"/>
+              <a:t>Decode: Reconstruct data by decoding and applying the inverse transform.</a:t>
+            </a:r>
+          </a:p>
+        </p:txBody>
+      </p:sp>
+      <p:sp>
+        <p:nvSpPr>
+          <p:cNvPr id="13" name="TextBox 12">
+            <a:extLst>
+              <a:ext uri="{FF2B5EF4-FFF2-40B4-BE49-F238E27FC236}">
+                <a16:creationId xmlns:a16="http://schemas.microsoft.com/office/drawing/2014/main" id="{74702609-FAD5-155A-6B89-DF4830BC2321}"/>
+              </a:ext>
+            </a:extLst>
+          </p:cNvPr>
+          <p:cNvSpPr txBox="1"/>
+          <p:nvPr/>
+        </p:nvSpPr>
+        <p:spPr>
+          <a:xfrm>
+            <a:off x="817682" y="4811707"/>
+            <a:ext cx="10788161" cy="923330"/>
+          </a:xfrm>
+          <a:prstGeom prst="rect">
+            <a:avLst/>
+          </a:prstGeom>
+          <a:noFill/>
+        </p:spPr>
+        <p:txBody>
+          <a:bodyPr wrap="square">
+            <a:spAutoFit/>
+          </a:bodyPr>
+          <a:lstStyle/>
+          <a:p>
+            <a:r>
+              <a:rPr lang="en-US" b="1" dirty="0"/>
+              <a:t>Where It Is Used</a:t>
+            </a:r>
+            <a:r>
+              <a:rPr lang="en-US" dirty="0"/>
+              <a:t>:</a:t>
+            </a:r>
+          </a:p>
+          <a:p>
+            <a:pPr marL="285750" indent="-285750">
+              <a:buFont typeface="Arial" panose="020B0604020202020204" pitchFamily="34" charset="0"/>
+              <a:buChar char="•"/>
+            </a:pPr>
+            <a:r>
+              <a:rPr lang="en-US" dirty="0"/>
+              <a:t>JPEG image compression.</a:t>
+            </a:r>
+          </a:p>
+          <a:p>
+            <a:pPr marL="285750" indent="-285750">
+              <a:buFont typeface="Arial" panose="020B0604020202020204" pitchFamily="34" charset="0"/>
+              <a:buChar char="•"/>
+            </a:pPr>
+            <a:r>
+              <a:rPr lang="en-US" dirty="0"/>
+              <a:t>Video compression (e.g., MPEG).</a:t>
+            </a:r>
+          </a:p>
+        </p:txBody>
+      </p:sp>
+    </p:spTree>
+    <p:extLst>
+      <p:ext uri="{BB962C8B-B14F-4D97-AF65-F5344CB8AC3E}">
+        <p14:creationId xmlns:p14="http://schemas.microsoft.com/office/powerpoint/2010/main" val="3430096074"/>
+      </p:ext>
+    </p:extLst>
+  </p:cSld>
+  <p:clrMapOvr>
+    <a:masterClrMapping/>
+  </p:clrMapOvr>
+</p:sld>
+</file>
+
+<file path=ppt/slides/slide23.xml><?xml version="1.0" encoding="utf-8"?>
+<p:sld xmlns:a="http://schemas.openxmlformats.org/drawingml/2006/main" xmlns:r="http://schemas.openxmlformats.org/officeDocument/2006/relationships" xmlns:p="http://schemas.openxmlformats.org/presentationml/2006/main">
+  <p:cSld>
     <p:spTree>
       <p:nvGrpSpPr>
         <p:cNvPr id="1" name="">
@@ -31638,7 +32342,7 @@
 </p:sld>
 </file>
 
-<file path=ppt/slides/slide21.xml><?xml version="1.0" encoding="utf-8"?>
+<file path=ppt/slides/slide24.xml><?xml version="1.0" encoding="utf-8"?>
 <p:sld xmlns:a="http://schemas.openxmlformats.org/drawingml/2006/main" xmlns:r="http://schemas.openxmlformats.org/officeDocument/2006/relationships" xmlns:p="http://schemas.openxmlformats.org/presentationml/2006/main">
   <p:cSld>
     <p:bg>
@@ -31905,7 +32609,7 @@
 </p:sld>
 </file>
 
-<file path=ppt/slides/slide22.xml><?xml version="1.0" encoding="utf-8"?>
+<file path=ppt/slides/slide25.xml><?xml version="1.0" encoding="utf-8"?>
 <p:sld xmlns:a="http://schemas.openxmlformats.org/drawingml/2006/main" xmlns:r="http://schemas.openxmlformats.org/officeDocument/2006/relationships" xmlns:p="http://schemas.openxmlformats.org/presentationml/2006/main">
   <p:cSld>
     <p:spTree>
@@ -32025,7 +32729,7 @@
 </p:sld>
 </file>
 
-<file path=ppt/slides/slide23.xml><?xml version="1.0" encoding="utf-8"?>
+<file path=ppt/slides/slide26.xml><?xml version="1.0" encoding="utf-8"?>
 <p:sld xmlns:a="http://schemas.openxmlformats.org/drawingml/2006/main" xmlns:r="http://schemas.openxmlformats.org/officeDocument/2006/relationships" xmlns:p="http://schemas.openxmlformats.org/presentationml/2006/main">
   <p:cSld>
     <p:bg>
@@ -32302,7 +33006,7 @@
 </p:sld>
 </file>
 
-<file path=ppt/slides/slide24.xml><?xml version="1.0" encoding="utf-8"?>
+<file path=ppt/slides/slide27.xml><?xml version="1.0" encoding="utf-8"?>
 <p:sld xmlns:a="http://schemas.openxmlformats.org/drawingml/2006/main" xmlns:r="http://schemas.openxmlformats.org/officeDocument/2006/relationships" xmlns:p="http://schemas.openxmlformats.org/presentationml/2006/main">
   <p:cSld>
     <p:spTree>
@@ -32413,77 +33117,6 @@
     <p:extLst>
       <p:ext uri="{BB962C8B-B14F-4D97-AF65-F5344CB8AC3E}">
         <p14:creationId xmlns:p14="http://schemas.microsoft.com/office/powerpoint/2010/main" val="2111569846"/>
-      </p:ext>
-    </p:extLst>
-  </p:cSld>
-  <p:clrMapOvr>
-    <a:masterClrMapping/>
-  </p:clrMapOvr>
-</p:sld>
-</file>
-
-<file path=ppt/slides/slide25.xml><?xml version="1.0" encoding="utf-8"?>
-<p:sld xmlns:a="http://schemas.openxmlformats.org/drawingml/2006/main" xmlns:r="http://schemas.openxmlformats.org/officeDocument/2006/relationships" xmlns:p="http://schemas.openxmlformats.org/presentationml/2006/main">
-  <p:cSld>
-    <p:bg>
-      <p:bgPr>
-        <a:solidFill>
-          <a:schemeClr val="bg2"/>
-        </a:solidFill>
-        <a:effectLst/>
-      </p:bgPr>
-    </p:bg>
-    <p:spTree>
-      <p:nvGrpSpPr>
-        <p:cNvPr id="1" name=""/>
-        <p:cNvGrpSpPr/>
-        <p:nvPr/>
-      </p:nvGrpSpPr>
-      <p:grpSpPr>
-        <a:xfrm>
-          <a:off x="0" y="0"/>
-          <a:ext cx="0" cy="0"/>
-          <a:chOff x="0" y="0"/>
-          <a:chExt cx="0" cy="0"/>
-        </a:xfrm>
-      </p:grpSpPr>
-      <p:sp>
-        <p:nvSpPr>
-          <p:cNvPr id="6" name="Title 5">
-            <a:extLst>
-              <a:ext uri="{FF2B5EF4-FFF2-40B4-BE49-F238E27FC236}">
-                <a16:creationId xmlns:a16="http://schemas.microsoft.com/office/drawing/2014/main" id="{D5DC0028-4150-0F89-E59C-F563C67F6CFD}"/>
-              </a:ext>
-            </a:extLst>
-          </p:cNvPr>
-          <p:cNvSpPr>
-            <a:spLocks noGrp="1"/>
-          </p:cNvSpPr>
-          <p:nvPr>
-            <p:ph type="ctrTitle"/>
-          </p:nvPr>
-        </p:nvSpPr>
-        <p:spPr>
-          <a:xfrm>
-            <a:off x="4756638" y="852854"/>
-            <a:ext cx="5641848" cy="5029200"/>
-          </a:xfrm>
-        </p:spPr>
-        <p:txBody>
-          <a:bodyPr/>
-          <a:lstStyle/>
-          <a:p>
-            <a:r>
-              <a:rPr lang="en-US" dirty="0"/>
-              <a:t>Thank you</a:t>
-            </a:r>
-          </a:p>
-        </p:txBody>
-      </p:sp>
-    </p:spTree>
-    <p:extLst>
-      <p:ext uri="{BB962C8B-B14F-4D97-AF65-F5344CB8AC3E}">
-        <p14:creationId xmlns:p14="http://schemas.microsoft.com/office/powerpoint/2010/main" val="2188828507"/>
       </p:ext>
     </p:extLst>
   </p:cSld>
@@ -32873,808 +33506,6 @@
     </p:bg>
     <p:spTree>
       <p:nvGrpSpPr>
-        <p:cNvPr id="1" name=""/>
-        <p:cNvGrpSpPr/>
-        <p:nvPr/>
-      </p:nvGrpSpPr>
-      <p:grpSpPr>
-        <a:xfrm>
-          <a:off x="0" y="0"/>
-          <a:ext cx="0" cy="0"/>
-          <a:chOff x="0" y="0"/>
-          <a:chExt cx="0" cy="0"/>
-        </a:xfrm>
-      </p:grpSpPr>
-      <p:sp>
-        <p:nvSpPr>
-          <p:cNvPr id="4" name="Title 1">
-            <a:extLst>
-              <a:ext uri="{FF2B5EF4-FFF2-40B4-BE49-F238E27FC236}">
-                <a16:creationId xmlns:a16="http://schemas.microsoft.com/office/drawing/2014/main" id="{15202F25-381A-85B8-70DC-D54CE5B80296}"/>
-              </a:ext>
-            </a:extLst>
-          </p:cNvPr>
-          <p:cNvSpPr txBox="1">
-            <a:spLocks/>
-          </p:cNvSpPr>
-          <p:nvPr/>
-        </p:nvSpPr>
-        <p:spPr>
-          <a:xfrm>
-            <a:off x="454152" y="-184637"/>
-            <a:ext cx="5641848" cy="1293091"/>
-          </a:xfrm>
-          <a:prstGeom prst="rect">
-            <a:avLst/>
-          </a:prstGeom>
-        </p:spPr>
-        <p:txBody>
-          <a:bodyPr vert="horz" lIns="91440" tIns="45720" rIns="91440" bIns="45720" rtlCol="0" anchor="b" anchorCtr="0">
-            <a:noAutofit/>
-          </a:bodyPr>
-          <a:lstStyle>
-            <a:lvl1pPr algn="ctr" defTabSz="914400" rtl="0" eaLnBrk="1" latinLnBrk="0" hangingPunct="1">
-              <a:lnSpc>
-                <a:spcPct val="90000"/>
-              </a:lnSpc>
-              <a:spcBef>
-                <a:spcPct val="0"/>
-              </a:spcBef>
-              <a:buNone/>
-              <a:defRPr sz="4800" kern="1200" cap="none" baseline="0">
-                <a:solidFill>
-                  <a:schemeClr val="tx1"/>
-                </a:solidFill>
-                <a:latin typeface="+mj-lt"/>
-                <a:ea typeface="+mj-ea"/>
-                <a:cs typeface="+mj-cs"/>
-              </a:defRPr>
-            </a:lvl1pPr>
-          </a:lstStyle>
-          <a:p>
-            <a:r>
-              <a:rPr lang="en-US" dirty="0"/>
-              <a:t>Huffman Coding</a:t>
-            </a:r>
-          </a:p>
-        </p:txBody>
-      </p:sp>
-      <p:sp>
-        <p:nvSpPr>
-          <p:cNvPr id="6" name="TextBox 5">
-            <a:extLst>
-              <a:ext uri="{FF2B5EF4-FFF2-40B4-BE49-F238E27FC236}">
-                <a16:creationId xmlns:a16="http://schemas.microsoft.com/office/drawing/2014/main" id="{55DC1F8C-DEB1-D5E4-A2FA-662B2CB49B33}"/>
-              </a:ext>
-            </a:extLst>
-          </p:cNvPr>
-          <p:cNvSpPr txBox="1"/>
-          <p:nvPr/>
-        </p:nvSpPr>
-        <p:spPr>
-          <a:xfrm>
-            <a:off x="817683" y="1307629"/>
-            <a:ext cx="10788161" cy="830997"/>
-          </a:xfrm>
-          <a:prstGeom prst="rect">
-            <a:avLst/>
-          </a:prstGeom>
-          <a:noFill/>
-        </p:spPr>
-        <p:txBody>
-          <a:bodyPr wrap="square">
-            <a:spAutoFit/>
-          </a:bodyPr>
-          <a:lstStyle/>
-          <a:p>
-            <a:r>
-              <a:rPr lang="en-US" sz="2400" dirty="0"/>
-              <a:t>Huffman Coding is a lossless compression algorithm that assigns shorter binary codes to more frequent characters and longer codes to less frequent ones. </a:t>
-            </a:r>
-          </a:p>
-        </p:txBody>
-      </p:sp>
-      <p:sp>
-        <p:nvSpPr>
-          <p:cNvPr id="44" name="TextBox 43">
-            <a:extLst>
-              <a:ext uri="{FF2B5EF4-FFF2-40B4-BE49-F238E27FC236}">
-                <a16:creationId xmlns:a16="http://schemas.microsoft.com/office/drawing/2014/main" id="{DB57E556-B02B-D4C9-4788-AD18C9640B02}"/>
-              </a:ext>
-            </a:extLst>
-          </p:cNvPr>
-          <p:cNvSpPr txBox="1"/>
-          <p:nvPr/>
-        </p:nvSpPr>
-        <p:spPr>
-          <a:xfrm>
-            <a:off x="817683" y="2337801"/>
-            <a:ext cx="10788160" cy="2031325"/>
-          </a:xfrm>
-          <a:prstGeom prst="rect">
-            <a:avLst/>
-          </a:prstGeom>
-          <a:noFill/>
-        </p:spPr>
-        <p:txBody>
-          <a:bodyPr wrap="square">
-            <a:spAutoFit/>
-          </a:bodyPr>
-          <a:lstStyle/>
-          <a:p>
-            <a:r>
-              <a:rPr lang="en-US" b="1" dirty="0"/>
-              <a:t>Algorithm:</a:t>
-            </a:r>
-          </a:p>
-          <a:p>
-            <a:pPr marL="285750" indent="-285750">
-              <a:buFont typeface="Arial" panose="020B0604020202020204" pitchFamily="34" charset="0"/>
-              <a:buChar char="•"/>
-            </a:pPr>
-            <a:r>
-              <a:rPr lang="en-US" dirty="0"/>
-              <a:t>Calculate Frequencies: Count how often each character appears.</a:t>
-            </a:r>
-          </a:p>
-          <a:p>
-            <a:pPr marL="285750" indent="-285750">
-              <a:buFont typeface="Arial" panose="020B0604020202020204" pitchFamily="34" charset="0"/>
-              <a:buChar char="•"/>
-            </a:pPr>
-            <a:r>
-              <a:rPr lang="en-US" dirty="0"/>
-              <a:t>Build Huffman Tree: Use a priority queue to merge the two least frequent nodes repeatedly into a new parent node.</a:t>
-            </a:r>
-          </a:p>
-          <a:p>
-            <a:pPr marL="285750" indent="-285750">
-              <a:buFont typeface="Arial" panose="020B0604020202020204" pitchFamily="34" charset="0"/>
-              <a:buChar char="•"/>
-            </a:pPr>
-            <a:r>
-              <a:rPr lang="en-US" dirty="0"/>
-              <a:t>Generate Codes: Assign binary codes by traversing the tree (left = 0, right = 1).</a:t>
-            </a:r>
-          </a:p>
-          <a:p>
-            <a:pPr marL="285750" indent="-285750">
-              <a:buFont typeface="Arial" panose="020B0604020202020204" pitchFamily="34" charset="0"/>
-              <a:buChar char="•"/>
-            </a:pPr>
-            <a:r>
-              <a:rPr lang="en-US" dirty="0"/>
-              <a:t>Encode: Replace each character in the input with its binary code.</a:t>
-            </a:r>
-          </a:p>
-          <a:p>
-            <a:pPr marL="285750" indent="-285750">
-              <a:buFont typeface="Arial" panose="020B0604020202020204" pitchFamily="34" charset="0"/>
-              <a:buChar char="•"/>
-            </a:pPr>
-            <a:r>
-              <a:rPr lang="en-US" dirty="0"/>
-              <a:t>Decode: Use the Huffman Tree to reconstruct the original data.</a:t>
-            </a:r>
-          </a:p>
-        </p:txBody>
-      </p:sp>
-      <p:sp>
-        <p:nvSpPr>
-          <p:cNvPr id="47" name="TextBox 46">
-            <a:extLst>
-              <a:ext uri="{FF2B5EF4-FFF2-40B4-BE49-F238E27FC236}">
-                <a16:creationId xmlns:a16="http://schemas.microsoft.com/office/drawing/2014/main" id="{36147FCA-8EC8-E462-76AB-1655203332DB}"/>
-              </a:ext>
-            </a:extLst>
-          </p:cNvPr>
-          <p:cNvSpPr txBox="1"/>
-          <p:nvPr/>
-        </p:nvSpPr>
-        <p:spPr>
-          <a:xfrm>
-            <a:off x="817682" y="4811707"/>
-            <a:ext cx="10788161" cy="1200329"/>
-          </a:xfrm>
-          <a:prstGeom prst="rect">
-            <a:avLst/>
-          </a:prstGeom>
-          <a:noFill/>
-        </p:spPr>
-        <p:txBody>
-          <a:bodyPr wrap="square">
-            <a:spAutoFit/>
-          </a:bodyPr>
-          <a:lstStyle/>
-          <a:p>
-            <a:r>
-              <a:rPr lang="en-US" b="1" dirty="0"/>
-              <a:t>Where It Is Used</a:t>
-            </a:r>
-            <a:r>
-              <a:rPr lang="en-US" dirty="0"/>
-              <a:t>:</a:t>
-            </a:r>
-          </a:p>
-          <a:p>
-            <a:pPr marL="285750" indent="-285750">
-              <a:buFont typeface="Arial" panose="020B0604020202020204" pitchFamily="34" charset="0"/>
-              <a:buChar char="•"/>
-            </a:pPr>
-            <a:r>
-              <a:rPr lang="en-US" dirty="0"/>
-              <a:t>Data Compression: ZIP files and </a:t>
-            </a:r>
-            <a:r>
-              <a:rPr lang="en-US" dirty="0" err="1"/>
-              <a:t>gzip</a:t>
-            </a:r>
-            <a:r>
-              <a:rPr lang="en-US" dirty="0"/>
-              <a:t>.</a:t>
-            </a:r>
-          </a:p>
-          <a:p>
-            <a:pPr marL="285750" indent="-285750">
-              <a:buFont typeface="Arial" panose="020B0604020202020204" pitchFamily="34" charset="0"/>
-              <a:buChar char="•"/>
-            </a:pPr>
-            <a:r>
-              <a:rPr lang="en-US" dirty="0"/>
-              <a:t>Multimedia: JPEG (image compression), MP3, and AAC (audio compression).</a:t>
-            </a:r>
-          </a:p>
-          <a:p>
-            <a:pPr marL="285750" indent="-285750">
-              <a:buFont typeface="Arial" panose="020B0604020202020204" pitchFamily="34" charset="0"/>
-              <a:buChar char="•"/>
-            </a:pPr>
-            <a:r>
-              <a:rPr lang="en-US" dirty="0"/>
-              <a:t>Networking: Compressing transmitted data to save bandwidth (e.g., HTTP/2 uses HPACK with Huffman Coding).</a:t>
-            </a:r>
-          </a:p>
-        </p:txBody>
-      </p:sp>
-    </p:spTree>
-    <p:extLst>
-      <p:ext uri="{BB962C8B-B14F-4D97-AF65-F5344CB8AC3E}">
-        <p14:creationId xmlns:p14="http://schemas.microsoft.com/office/powerpoint/2010/main" val="1096717490"/>
-      </p:ext>
-    </p:extLst>
-  </p:cSld>
-  <p:clrMapOvr>
-    <a:masterClrMapping/>
-  </p:clrMapOvr>
-</p:sld>
-</file>
-
-<file path=ppt/slides/slide6.xml><?xml version="1.0" encoding="utf-8"?>
-<p:sld xmlns:a="http://schemas.openxmlformats.org/drawingml/2006/main" xmlns:r="http://schemas.openxmlformats.org/officeDocument/2006/relationships" xmlns:p="http://schemas.openxmlformats.org/presentationml/2006/main">
-  <p:cSld>
-    <p:spTree>
-      <p:nvGrpSpPr>
-        <p:cNvPr id="1" name=""/>
-        <p:cNvGrpSpPr/>
-        <p:nvPr/>
-      </p:nvGrpSpPr>
-      <p:grpSpPr>
-        <a:xfrm>
-          <a:off x="0" y="0"/>
-          <a:ext cx="0" cy="0"/>
-          <a:chOff x="0" y="0"/>
-          <a:chExt cx="0" cy="0"/>
-        </a:xfrm>
-      </p:grpSpPr>
-      <p:pic>
-        <p:nvPicPr>
-          <p:cNvPr id="15" name="Picture 14">
-            <a:extLst>
-              <a:ext uri="{FF2B5EF4-FFF2-40B4-BE49-F238E27FC236}">
-                <a16:creationId xmlns:a16="http://schemas.microsoft.com/office/drawing/2014/main" id="{8F142E46-8372-BF12-349B-8EA10FDDDDD4}"/>
-              </a:ext>
-            </a:extLst>
-          </p:cNvPr>
-          <p:cNvPicPr>
-            <a:picLocks noChangeAspect="1"/>
-          </p:cNvPicPr>
-          <p:nvPr/>
-        </p:nvPicPr>
-        <p:blipFill>
-          <a:blip r:embed="rId3"/>
-          <a:stretch>
-            <a:fillRect/>
-          </a:stretch>
-        </p:blipFill>
-        <p:spPr>
-          <a:xfrm>
-            <a:off x="609589" y="685794"/>
-            <a:ext cx="10972822" cy="5486411"/>
-          </a:xfrm>
-          <a:prstGeom prst="rect">
-            <a:avLst/>
-          </a:prstGeom>
-        </p:spPr>
-      </p:pic>
-      <p:sp>
-        <p:nvSpPr>
-          <p:cNvPr id="13" name="Title 1">
-            <a:extLst>
-              <a:ext uri="{FF2B5EF4-FFF2-40B4-BE49-F238E27FC236}">
-                <a16:creationId xmlns:a16="http://schemas.microsoft.com/office/drawing/2014/main" id="{BB3A48F1-63EA-46C6-F494-50096F43F311}"/>
-              </a:ext>
-            </a:extLst>
-          </p:cNvPr>
-          <p:cNvSpPr txBox="1">
-            <a:spLocks/>
-          </p:cNvSpPr>
-          <p:nvPr/>
-        </p:nvSpPr>
-        <p:spPr>
-          <a:xfrm>
-            <a:off x="3275076" y="-175844"/>
-            <a:ext cx="5641848" cy="1293091"/>
-          </a:xfrm>
-          <a:prstGeom prst="rect">
-            <a:avLst/>
-          </a:prstGeom>
-        </p:spPr>
-        <p:txBody>
-          <a:bodyPr vert="horz" lIns="91440" tIns="45720" rIns="91440" bIns="45720" rtlCol="0" anchor="b" anchorCtr="0">
-            <a:noAutofit/>
-          </a:bodyPr>
-          <a:lstStyle>
-            <a:lvl1pPr algn="ctr" defTabSz="914400" rtl="0" eaLnBrk="1" latinLnBrk="0" hangingPunct="1">
-              <a:lnSpc>
-                <a:spcPct val="90000"/>
-              </a:lnSpc>
-              <a:spcBef>
-                <a:spcPct val="0"/>
-              </a:spcBef>
-              <a:buNone/>
-              <a:defRPr sz="4800" kern="1200" cap="none" baseline="0">
-                <a:solidFill>
-                  <a:schemeClr val="tx1"/>
-                </a:solidFill>
-                <a:latin typeface="+mj-lt"/>
-                <a:ea typeface="+mj-ea"/>
-                <a:cs typeface="+mj-cs"/>
-              </a:defRPr>
-            </a:lvl1pPr>
-          </a:lstStyle>
-          <a:p>
-            <a:r>
-              <a:rPr lang="en-US" dirty="0"/>
-              <a:t>Huffman Coding</a:t>
-            </a:r>
-          </a:p>
-        </p:txBody>
-      </p:sp>
-    </p:spTree>
-    <p:extLst>
-      <p:ext uri="{BB962C8B-B14F-4D97-AF65-F5344CB8AC3E}">
-        <p14:creationId xmlns:p14="http://schemas.microsoft.com/office/powerpoint/2010/main" val="3748348926"/>
-      </p:ext>
-    </p:extLst>
-  </p:cSld>
-  <p:clrMapOvr>
-    <a:masterClrMapping/>
-  </p:clrMapOvr>
-</p:sld>
-</file>
-
-<file path=ppt/slides/slide7.xml><?xml version="1.0" encoding="utf-8"?>
-<p:sld xmlns:a="http://schemas.openxmlformats.org/drawingml/2006/main" xmlns:r="http://schemas.openxmlformats.org/officeDocument/2006/relationships" xmlns:p="http://schemas.openxmlformats.org/presentationml/2006/main">
-  <p:cSld>
-    <p:bg>
-      <p:bgPr>
-        <a:solidFill>
-          <a:schemeClr val="bg2"/>
-        </a:solidFill>
-        <a:effectLst/>
-      </p:bgPr>
-    </p:bg>
-    <p:spTree>
-      <p:nvGrpSpPr>
-        <p:cNvPr id="1" name=""/>
-        <p:cNvGrpSpPr/>
-        <p:nvPr/>
-      </p:nvGrpSpPr>
-      <p:grpSpPr>
-        <a:xfrm>
-          <a:off x="0" y="0"/>
-          <a:ext cx="0" cy="0"/>
-          <a:chOff x="0" y="0"/>
-          <a:chExt cx="0" cy="0"/>
-        </a:xfrm>
-      </p:grpSpPr>
-      <p:sp>
-        <p:nvSpPr>
-          <p:cNvPr id="9" name="Title 1">
-            <a:extLst>
-              <a:ext uri="{FF2B5EF4-FFF2-40B4-BE49-F238E27FC236}">
-                <a16:creationId xmlns:a16="http://schemas.microsoft.com/office/drawing/2014/main" id="{A1114A29-3165-F2E6-C22C-25740569747E}"/>
-              </a:ext>
-            </a:extLst>
-          </p:cNvPr>
-          <p:cNvSpPr txBox="1">
-            <a:spLocks/>
-          </p:cNvSpPr>
-          <p:nvPr/>
-        </p:nvSpPr>
-        <p:spPr>
-          <a:xfrm>
-            <a:off x="325315" y="-266747"/>
-            <a:ext cx="5641848" cy="1293091"/>
-          </a:xfrm>
-          <a:prstGeom prst="rect">
-            <a:avLst/>
-          </a:prstGeom>
-        </p:spPr>
-        <p:txBody>
-          <a:bodyPr vert="horz" lIns="91440" tIns="45720" rIns="91440" bIns="45720" rtlCol="0" anchor="b" anchorCtr="0">
-            <a:noAutofit/>
-          </a:bodyPr>
-          <a:lstStyle>
-            <a:lvl1pPr algn="ctr" defTabSz="914400" rtl="0" eaLnBrk="1" latinLnBrk="0" hangingPunct="1">
-              <a:lnSpc>
-                <a:spcPct val="90000"/>
-              </a:lnSpc>
-              <a:spcBef>
-                <a:spcPct val="0"/>
-              </a:spcBef>
-              <a:buNone/>
-              <a:defRPr sz="4800" kern="1200" cap="none" baseline="0">
-                <a:solidFill>
-                  <a:schemeClr val="tx1"/>
-                </a:solidFill>
-                <a:latin typeface="+mj-lt"/>
-                <a:ea typeface="+mj-ea"/>
-                <a:cs typeface="+mj-cs"/>
-              </a:defRPr>
-            </a:lvl1pPr>
-          </a:lstStyle>
-          <a:p>
-            <a:r>
-              <a:rPr lang="en-US" dirty="0"/>
-              <a:t>Golomb Coding</a:t>
-            </a:r>
-          </a:p>
-        </p:txBody>
-      </p:sp>
-      <p:sp>
-        <p:nvSpPr>
-          <p:cNvPr id="10" name="TextBox 9">
-            <a:extLst>
-              <a:ext uri="{FF2B5EF4-FFF2-40B4-BE49-F238E27FC236}">
-                <a16:creationId xmlns:a16="http://schemas.microsoft.com/office/drawing/2014/main" id="{D188563A-DD2C-FCA3-FE73-F57406890C48}"/>
-              </a:ext>
-            </a:extLst>
-          </p:cNvPr>
-          <p:cNvSpPr txBox="1"/>
-          <p:nvPr/>
-        </p:nvSpPr>
-        <p:spPr>
-          <a:xfrm>
-            <a:off x="817682" y="1210914"/>
-            <a:ext cx="10788161" cy="1200329"/>
-          </a:xfrm>
-          <a:prstGeom prst="rect">
-            <a:avLst/>
-          </a:prstGeom>
-          <a:noFill/>
-        </p:spPr>
-        <p:txBody>
-          <a:bodyPr wrap="square">
-            <a:spAutoFit/>
-          </a:bodyPr>
-          <a:lstStyle/>
-          <a:p>
-            <a:r>
-              <a:rPr lang="en-US" sz="2400" dirty="0"/>
-              <a:t>Golomb coding is a lossless compression method particularly suited for encoding integers with a geometric distribution. It splits the input into a quotient and remainder based on a divisor MMM. It is highly efficient in scenarios where smaller numbers are more frequent.</a:t>
-            </a:r>
-          </a:p>
-        </p:txBody>
-      </p:sp>
-      <p:sp>
-        <p:nvSpPr>
-          <p:cNvPr id="12" name="TextBox 11">
-            <a:extLst>
-              <a:ext uri="{FF2B5EF4-FFF2-40B4-BE49-F238E27FC236}">
-                <a16:creationId xmlns:a16="http://schemas.microsoft.com/office/drawing/2014/main" id="{2CA3BE96-546A-371A-3EF5-6B656D8ED1B4}"/>
-              </a:ext>
-            </a:extLst>
-          </p:cNvPr>
-          <p:cNvSpPr txBox="1"/>
-          <p:nvPr/>
-        </p:nvSpPr>
-        <p:spPr>
-          <a:xfrm>
-            <a:off x="817683" y="2595812"/>
-            <a:ext cx="10788160" cy="2031325"/>
-          </a:xfrm>
-          <a:prstGeom prst="rect">
-            <a:avLst/>
-          </a:prstGeom>
-          <a:noFill/>
-        </p:spPr>
-        <p:txBody>
-          <a:bodyPr wrap="square">
-            <a:spAutoFit/>
-          </a:bodyPr>
-          <a:lstStyle/>
-          <a:p>
-            <a:r>
-              <a:rPr lang="en-US" b="1" dirty="0"/>
-              <a:t>Algorithm:</a:t>
-            </a:r>
-          </a:p>
-          <a:p>
-            <a:pPr marL="285750" indent="-285750">
-              <a:buFont typeface="Arial" panose="020B0604020202020204" pitchFamily="34" charset="0"/>
-              <a:buChar char="•"/>
-            </a:pPr>
-            <a:r>
-              <a:rPr lang="en-US" dirty="0"/>
-              <a:t>Choose 𝑀: Select 𝑀, the divisor, based on the data distribution.</a:t>
-            </a:r>
-          </a:p>
-          <a:p>
-            <a:pPr marL="285750" indent="-285750">
-              <a:buFont typeface="Arial" panose="020B0604020202020204" pitchFamily="34" charset="0"/>
-              <a:buChar char="•"/>
-            </a:pPr>
-            <a:r>
-              <a:rPr lang="en-US" dirty="0"/>
-              <a:t>Encode: For each integer 𝑁:</a:t>
-            </a:r>
-          </a:p>
-          <a:p>
-            <a:r>
-              <a:rPr lang="en-US" dirty="0"/>
-              <a:t>	Compute Quotient 𝑞=⌊𝑁/𝑀⌋ → Encode 𝑞 in unary.</a:t>
-            </a:r>
-          </a:p>
-          <a:p>
-            <a:r>
-              <a:rPr lang="en-US" dirty="0"/>
-              <a:t>	Compute Remainder 𝑟=𝑁mod  𝑀→ Encode 𝑟 in binary.</a:t>
-            </a:r>
-          </a:p>
-          <a:p>
-            <a:r>
-              <a:rPr lang="en-US" dirty="0"/>
-              <a:t>	Concatenate 𝑞 and 𝑟.</a:t>
-            </a:r>
-          </a:p>
-          <a:p>
-            <a:pPr marL="285750" indent="-285750">
-              <a:buFont typeface="Arial" panose="020B0604020202020204" pitchFamily="34" charset="0"/>
-              <a:buChar char="•"/>
-            </a:pPr>
-            <a:r>
-              <a:rPr lang="en-US" dirty="0"/>
-              <a:t>Decode: Read unary for 𝑞, then binary for 𝑟. Reconstruct 𝑁=𝑞×𝑀+𝑟.</a:t>
-            </a:r>
-          </a:p>
-        </p:txBody>
-      </p:sp>
-      <p:sp>
-        <p:nvSpPr>
-          <p:cNvPr id="13" name="TextBox 12">
-            <a:extLst>
-              <a:ext uri="{FF2B5EF4-FFF2-40B4-BE49-F238E27FC236}">
-                <a16:creationId xmlns:a16="http://schemas.microsoft.com/office/drawing/2014/main" id="{530D30A7-14F9-0F61-EBAF-60E177395858}"/>
-              </a:ext>
-            </a:extLst>
-          </p:cNvPr>
-          <p:cNvSpPr txBox="1"/>
-          <p:nvPr/>
-        </p:nvSpPr>
-        <p:spPr>
-          <a:xfrm>
-            <a:off x="817682" y="4811707"/>
-            <a:ext cx="10788161" cy="1200329"/>
-          </a:xfrm>
-          <a:prstGeom prst="rect">
-            <a:avLst/>
-          </a:prstGeom>
-          <a:noFill/>
-        </p:spPr>
-        <p:txBody>
-          <a:bodyPr wrap="square">
-            <a:spAutoFit/>
-          </a:bodyPr>
-          <a:lstStyle/>
-          <a:p>
-            <a:r>
-              <a:rPr lang="en-US" b="1" dirty="0"/>
-              <a:t>Where It Is Used</a:t>
-            </a:r>
-            <a:r>
-              <a:rPr lang="en-US" dirty="0"/>
-              <a:t>:</a:t>
-            </a:r>
-          </a:p>
-          <a:p>
-            <a:pPr marL="285750" indent="-285750">
-              <a:buFont typeface="Arial" panose="020B0604020202020204" pitchFamily="34" charset="0"/>
-              <a:buChar char="•"/>
-            </a:pPr>
-            <a:r>
-              <a:rPr lang="en-US" dirty="0"/>
-              <a:t>Image Compression: PNG and TIFF formats.</a:t>
-            </a:r>
-          </a:p>
-          <a:p>
-            <a:pPr marL="285750" indent="-285750">
-              <a:buFont typeface="Arial" panose="020B0604020202020204" pitchFamily="34" charset="0"/>
-              <a:buChar char="•"/>
-            </a:pPr>
-            <a:r>
-              <a:rPr lang="en-US" dirty="0"/>
-              <a:t>Video Coding: H.264/AVC and HEVC use variants of Golomb coding for residual encoding.</a:t>
-            </a:r>
-          </a:p>
-          <a:p>
-            <a:pPr marL="285750" indent="-285750">
-              <a:buFont typeface="Arial" panose="020B0604020202020204" pitchFamily="34" charset="0"/>
-              <a:buChar char="•"/>
-            </a:pPr>
-            <a:r>
-              <a:rPr lang="en-US" dirty="0"/>
-              <a:t>Speech Processing: Encoding prediction residuals in audio compression.</a:t>
-            </a:r>
-          </a:p>
-        </p:txBody>
-      </p:sp>
-    </p:spTree>
-    <p:extLst>
-      <p:ext uri="{BB962C8B-B14F-4D97-AF65-F5344CB8AC3E}">
-        <p14:creationId xmlns:p14="http://schemas.microsoft.com/office/powerpoint/2010/main" val="4230106960"/>
-      </p:ext>
-    </p:extLst>
-  </p:cSld>
-  <p:clrMapOvr>
-    <a:masterClrMapping/>
-  </p:clrMapOvr>
-</p:sld>
-</file>
-
-<file path=ppt/slides/slide8.xml><?xml version="1.0" encoding="utf-8"?>
-<p:sld xmlns:a="http://schemas.openxmlformats.org/drawingml/2006/main" xmlns:r="http://schemas.openxmlformats.org/officeDocument/2006/relationships" xmlns:p="http://schemas.openxmlformats.org/presentationml/2006/main">
-  <p:cSld>
-    <p:spTree>
-      <p:nvGrpSpPr>
-        <p:cNvPr id="1" name="">
-          <a:extLst>
-            <a:ext uri="{FF2B5EF4-FFF2-40B4-BE49-F238E27FC236}">
-              <a16:creationId xmlns:a16="http://schemas.microsoft.com/office/drawing/2014/main" id="{2378228F-44F7-1CC1-01D0-79C7523478A5}"/>
-            </a:ext>
-          </a:extLst>
-        </p:cNvPr>
-        <p:cNvGrpSpPr/>
-        <p:nvPr/>
-      </p:nvGrpSpPr>
-      <p:grpSpPr>
-        <a:xfrm>
-          <a:off x="0" y="0"/>
-          <a:ext cx="0" cy="0"/>
-          <a:chOff x="0" y="0"/>
-          <a:chExt cx="0" cy="0"/>
-        </a:xfrm>
-      </p:grpSpPr>
-      <p:pic>
-        <p:nvPicPr>
-          <p:cNvPr id="5" name="Picture 4">
-            <a:extLst>
-              <a:ext uri="{FF2B5EF4-FFF2-40B4-BE49-F238E27FC236}">
-                <a16:creationId xmlns:a16="http://schemas.microsoft.com/office/drawing/2014/main" id="{943961DF-47E0-8107-0A59-749F088A872C}"/>
-              </a:ext>
-            </a:extLst>
-          </p:cNvPr>
-          <p:cNvPicPr>
-            <a:picLocks noChangeAspect="1"/>
-          </p:cNvPicPr>
-          <p:nvPr/>
-        </p:nvPicPr>
-        <p:blipFill>
-          <a:blip r:embed="rId3"/>
-          <a:stretch>
-            <a:fillRect/>
-          </a:stretch>
-        </p:blipFill>
-        <p:spPr>
-          <a:xfrm>
-            <a:off x="609589" y="685794"/>
-            <a:ext cx="10972822" cy="5486411"/>
-          </a:xfrm>
-          <a:prstGeom prst="rect">
-            <a:avLst/>
-          </a:prstGeom>
-        </p:spPr>
-      </p:pic>
-      <p:sp>
-        <p:nvSpPr>
-          <p:cNvPr id="13" name="Title 1">
-            <a:extLst>
-              <a:ext uri="{FF2B5EF4-FFF2-40B4-BE49-F238E27FC236}">
-                <a16:creationId xmlns:a16="http://schemas.microsoft.com/office/drawing/2014/main" id="{FD636D1D-3A24-BFFF-4F8E-0D1FF0EC3720}"/>
-              </a:ext>
-            </a:extLst>
-          </p:cNvPr>
-          <p:cNvSpPr txBox="1">
-            <a:spLocks/>
-          </p:cNvSpPr>
-          <p:nvPr/>
-        </p:nvSpPr>
-        <p:spPr>
-          <a:xfrm>
-            <a:off x="3275076" y="-219806"/>
-            <a:ext cx="5641848" cy="1293091"/>
-          </a:xfrm>
-          <a:prstGeom prst="rect">
-            <a:avLst/>
-          </a:prstGeom>
-        </p:spPr>
-        <p:txBody>
-          <a:bodyPr vert="horz" lIns="91440" tIns="45720" rIns="91440" bIns="45720" rtlCol="0" anchor="b" anchorCtr="0">
-            <a:noAutofit/>
-          </a:bodyPr>
-          <a:lstStyle>
-            <a:lvl1pPr algn="ctr" defTabSz="914400" rtl="0" eaLnBrk="1" latinLnBrk="0" hangingPunct="1">
-              <a:lnSpc>
-                <a:spcPct val="90000"/>
-              </a:lnSpc>
-              <a:spcBef>
-                <a:spcPct val="0"/>
-              </a:spcBef>
-              <a:buNone/>
-              <a:defRPr sz="4800" kern="1200" cap="none" baseline="0">
-                <a:solidFill>
-                  <a:schemeClr val="tx1"/>
-                </a:solidFill>
-                <a:latin typeface="+mj-lt"/>
-                <a:ea typeface="+mj-ea"/>
-                <a:cs typeface="+mj-cs"/>
-              </a:defRPr>
-            </a:lvl1pPr>
-          </a:lstStyle>
-          <a:p>
-            <a:r>
-              <a:rPr lang="en-US" dirty="0"/>
-              <a:t>Golomb Coding</a:t>
-            </a:r>
-          </a:p>
-        </p:txBody>
-      </p:sp>
-    </p:spTree>
-    <p:extLst>
-      <p:ext uri="{BB962C8B-B14F-4D97-AF65-F5344CB8AC3E}">
-        <p14:creationId xmlns:p14="http://schemas.microsoft.com/office/powerpoint/2010/main" val="3732099084"/>
-      </p:ext>
-    </p:extLst>
-  </p:cSld>
-  <p:clrMapOvr>
-    <a:masterClrMapping/>
-  </p:clrMapOvr>
-</p:sld>
-</file>
-
-<file path=ppt/slides/slide9.xml><?xml version="1.0" encoding="utf-8"?>
-<p:sld xmlns:a="http://schemas.openxmlformats.org/drawingml/2006/main" xmlns:r="http://schemas.openxmlformats.org/officeDocument/2006/relationships" xmlns:p="http://schemas.openxmlformats.org/presentationml/2006/main">
-  <p:cSld>
-    <p:bg>
-      <p:bgPr>
-        <a:solidFill>
-          <a:schemeClr val="bg2"/>
-        </a:solidFill>
-        <a:effectLst/>
-      </p:bgPr>
-    </p:bg>
-    <p:spTree>
-      <p:nvGrpSpPr>
         <p:cNvPr id="1" name="">
           <a:extLst>
             <a:ext uri="{FF2B5EF4-FFF2-40B4-BE49-F238E27FC236}">
@@ -33920,6 +33751,693 @@
     <p:extLst>
       <p:ext uri="{BB962C8B-B14F-4D97-AF65-F5344CB8AC3E}">
         <p14:creationId xmlns:p14="http://schemas.microsoft.com/office/powerpoint/2010/main" val="2990609334"/>
+      </p:ext>
+    </p:extLst>
+  </p:cSld>
+  <p:clrMapOvr>
+    <a:masterClrMapping/>
+  </p:clrMapOvr>
+</p:sld>
+</file>
+
+<file path=ppt/slides/slide6.xml><?xml version="1.0" encoding="utf-8"?>
+<p:sld xmlns:a="http://schemas.openxmlformats.org/drawingml/2006/main" xmlns:r="http://schemas.openxmlformats.org/officeDocument/2006/relationships" xmlns:p="http://schemas.openxmlformats.org/presentationml/2006/main">
+  <p:cSld>
+    <p:spTree>
+      <p:nvGrpSpPr>
+        <p:cNvPr id="1" name="">
+          <a:extLst>
+            <a:ext uri="{FF2B5EF4-FFF2-40B4-BE49-F238E27FC236}">
+              <a16:creationId xmlns:a16="http://schemas.microsoft.com/office/drawing/2014/main" id="{486910C8-62EB-19F0-146D-C528669E5E41}"/>
+            </a:ext>
+          </a:extLst>
+        </p:cNvPr>
+        <p:cNvGrpSpPr/>
+        <p:nvPr/>
+      </p:nvGrpSpPr>
+      <p:grpSpPr>
+        <a:xfrm>
+          <a:off x="0" y="0"/>
+          <a:ext cx="0" cy="0"/>
+          <a:chOff x="0" y="0"/>
+          <a:chExt cx="0" cy="0"/>
+        </a:xfrm>
+      </p:grpSpPr>
+      <p:pic>
+        <p:nvPicPr>
+          <p:cNvPr id="4" name="Picture 3">
+            <a:extLst>
+              <a:ext uri="{FF2B5EF4-FFF2-40B4-BE49-F238E27FC236}">
+                <a16:creationId xmlns:a16="http://schemas.microsoft.com/office/drawing/2014/main" id="{0F8232ED-CAD3-2A23-772B-1DABDB634EC4}"/>
+              </a:ext>
+            </a:extLst>
+          </p:cNvPr>
+          <p:cNvPicPr>
+            <a:picLocks noChangeAspect="1"/>
+          </p:cNvPicPr>
+          <p:nvPr/>
+        </p:nvPicPr>
+        <p:blipFill>
+          <a:blip r:embed="rId3"/>
+          <a:stretch>
+            <a:fillRect/>
+          </a:stretch>
+        </p:blipFill>
+        <p:spPr>
+          <a:xfrm>
+            <a:off x="609589" y="685794"/>
+            <a:ext cx="10972822" cy="5486411"/>
+          </a:xfrm>
+          <a:prstGeom prst="rect">
+            <a:avLst/>
+          </a:prstGeom>
+        </p:spPr>
+      </p:pic>
+      <p:sp>
+        <p:nvSpPr>
+          <p:cNvPr id="13" name="Title 1">
+            <a:extLst>
+              <a:ext uri="{FF2B5EF4-FFF2-40B4-BE49-F238E27FC236}">
+                <a16:creationId xmlns:a16="http://schemas.microsoft.com/office/drawing/2014/main" id="{D35E11F1-8F5C-EB63-1D6C-A6383C76BFD1}"/>
+              </a:ext>
+            </a:extLst>
+          </p:cNvPr>
+          <p:cNvSpPr txBox="1">
+            <a:spLocks/>
+          </p:cNvSpPr>
+          <p:nvPr/>
+        </p:nvSpPr>
+        <p:spPr>
+          <a:xfrm>
+            <a:off x="2722626" y="-246184"/>
+            <a:ext cx="6746748" cy="1293091"/>
+          </a:xfrm>
+          <a:prstGeom prst="rect">
+            <a:avLst/>
+          </a:prstGeom>
+        </p:spPr>
+        <p:txBody>
+          <a:bodyPr vert="horz" lIns="91440" tIns="45720" rIns="91440" bIns="45720" rtlCol="0" anchor="b" anchorCtr="0">
+            <a:noAutofit/>
+          </a:bodyPr>
+          <a:lstStyle>
+            <a:lvl1pPr algn="ctr" defTabSz="914400" rtl="0" eaLnBrk="1" latinLnBrk="0" hangingPunct="1">
+              <a:lnSpc>
+                <a:spcPct val="90000"/>
+              </a:lnSpc>
+              <a:spcBef>
+                <a:spcPct val="0"/>
+              </a:spcBef>
+              <a:buNone/>
+              <a:defRPr sz="4800" kern="1200" cap="none" baseline="0">
+                <a:solidFill>
+                  <a:schemeClr val="tx1"/>
+                </a:solidFill>
+                <a:latin typeface="+mj-lt"/>
+                <a:ea typeface="+mj-ea"/>
+                <a:cs typeface="+mj-cs"/>
+              </a:defRPr>
+            </a:lvl1pPr>
+          </a:lstStyle>
+          <a:p>
+            <a:r>
+              <a:rPr lang="en-US" dirty="0"/>
+              <a:t>Arithmetic Coding</a:t>
+            </a:r>
+          </a:p>
+        </p:txBody>
+      </p:sp>
+    </p:spTree>
+    <p:extLst>
+      <p:ext uri="{BB962C8B-B14F-4D97-AF65-F5344CB8AC3E}">
+        <p14:creationId xmlns:p14="http://schemas.microsoft.com/office/powerpoint/2010/main" val="1852772945"/>
+      </p:ext>
+    </p:extLst>
+  </p:cSld>
+  <p:clrMapOvr>
+    <a:masterClrMapping/>
+  </p:clrMapOvr>
+</p:sld>
+</file>
+
+<file path=ppt/slides/slide7.xml><?xml version="1.0" encoding="utf-8"?>
+<p:sld xmlns:a="http://schemas.openxmlformats.org/drawingml/2006/main" xmlns:r="http://schemas.openxmlformats.org/officeDocument/2006/relationships" xmlns:p="http://schemas.openxmlformats.org/presentationml/2006/main">
+  <p:cSld>
+    <p:spTree>
+      <p:nvGrpSpPr>
+        <p:cNvPr id="1" name="">
+          <a:extLst>
+            <a:ext uri="{FF2B5EF4-FFF2-40B4-BE49-F238E27FC236}">
+              <a16:creationId xmlns:a16="http://schemas.microsoft.com/office/drawing/2014/main" id="{0C495369-EAB9-2534-D25C-6862B58D7F04}"/>
+            </a:ext>
+          </a:extLst>
+        </p:cNvPr>
+        <p:cNvGrpSpPr/>
+        <p:nvPr/>
+      </p:nvGrpSpPr>
+      <p:grpSpPr>
+        <a:xfrm>
+          <a:off x="0" y="0"/>
+          <a:ext cx="0" cy="0"/>
+          <a:chOff x="0" y="0"/>
+          <a:chExt cx="0" cy="0"/>
+        </a:xfrm>
+      </p:grpSpPr>
+      <p:sp>
+        <p:nvSpPr>
+          <p:cNvPr id="13" name="Title 1">
+            <a:extLst>
+              <a:ext uri="{FF2B5EF4-FFF2-40B4-BE49-F238E27FC236}">
+                <a16:creationId xmlns:a16="http://schemas.microsoft.com/office/drawing/2014/main" id="{49A68DBA-3DE6-19F0-57EF-0F6363FC8FA7}"/>
+              </a:ext>
+            </a:extLst>
+          </p:cNvPr>
+          <p:cNvSpPr txBox="1">
+            <a:spLocks/>
+          </p:cNvSpPr>
+          <p:nvPr/>
+        </p:nvSpPr>
+        <p:spPr>
+          <a:xfrm>
+            <a:off x="2722626" y="-246184"/>
+            <a:ext cx="6746748" cy="1293091"/>
+          </a:xfrm>
+          <a:prstGeom prst="rect">
+            <a:avLst/>
+          </a:prstGeom>
+        </p:spPr>
+        <p:txBody>
+          <a:bodyPr vert="horz" lIns="91440" tIns="45720" rIns="91440" bIns="45720" rtlCol="0" anchor="b" anchorCtr="0">
+            <a:noAutofit/>
+          </a:bodyPr>
+          <a:lstStyle>
+            <a:lvl1pPr algn="ctr" defTabSz="914400" rtl="0" eaLnBrk="1" latinLnBrk="0" hangingPunct="1">
+              <a:lnSpc>
+                <a:spcPct val="90000"/>
+              </a:lnSpc>
+              <a:spcBef>
+                <a:spcPct val="0"/>
+              </a:spcBef>
+              <a:buNone/>
+              <a:defRPr sz="4800" kern="1200" cap="none" baseline="0">
+                <a:solidFill>
+                  <a:schemeClr val="tx1"/>
+                </a:solidFill>
+                <a:latin typeface="+mj-lt"/>
+                <a:ea typeface="+mj-ea"/>
+                <a:cs typeface="+mj-cs"/>
+              </a:defRPr>
+            </a:lvl1pPr>
+          </a:lstStyle>
+          <a:p>
+            <a:r>
+              <a:rPr lang="en-US" dirty="0"/>
+              <a:t>Arithmetic Coding</a:t>
+            </a:r>
+          </a:p>
+        </p:txBody>
+      </p:sp>
+      <p:pic>
+        <p:nvPicPr>
+          <p:cNvPr id="10" name="Picture 9">
+            <a:extLst>
+              <a:ext uri="{FF2B5EF4-FFF2-40B4-BE49-F238E27FC236}">
+                <a16:creationId xmlns:a16="http://schemas.microsoft.com/office/drawing/2014/main" id="{56CEEF4B-A4EF-DF1F-63E2-1F51906F2450}"/>
+              </a:ext>
+            </a:extLst>
+          </p:cNvPr>
+          <p:cNvPicPr>
+            <a:picLocks noChangeAspect="1"/>
+          </p:cNvPicPr>
+          <p:nvPr/>
+        </p:nvPicPr>
+        <p:blipFill>
+          <a:blip r:embed="rId3"/>
+          <a:stretch>
+            <a:fillRect/>
+          </a:stretch>
+        </p:blipFill>
+        <p:spPr>
+          <a:xfrm>
+            <a:off x="705685" y="1146439"/>
+            <a:ext cx="4279554" cy="5562091"/>
+          </a:xfrm>
+          <a:prstGeom prst="rect">
+            <a:avLst/>
+          </a:prstGeom>
+        </p:spPr>
+      </p:pic>
+      <p:pic>
+        <p:nvPicPr>
+          <p:cNvPr id="12" name="Picture 11">
+            <a:extLst>
+              <a:ext uri="{FF2B5EF4-FFF2-40B4-BE49-F238E27FC236}">
+                <a16:creationId xmlns:a16="http://schemas.microsoft.com/office/drawing/2014/main" id="{9EC8D44E-D9A4-BEAE-8E87-191CA549DD07}"/>
+              </a:ext>
+            </a:extLst>
+          </p:cNvPr>
+          <p:cNvPicPr>
+            <a:picLocks noChangeAspect="1"/>
+          </p:cNvPicPr>
+          <p:nvPr/>
+        </p:nvPicPr>
+        <p:blipFill>
+          <a:blip r:embed="rId4"/>
+          <a:stretch>
+            <a:fillRect/>
+          </a:stretch>
+        </p:blipFill>
+        <p:spPr>
+          <a:xfrm>
+            <a:off x="5855326" y="1146439"/>
+            <a:ext cx="5808873" cy="5562091"/>
+          </a:xfrm>
+          <a:prstGeom prst="rect">
+            <a:avLst/>
+          </a:prstGeom>
+        </p:spPr>
+      </p:pic>
+    </p:spTree>
+    <p:extLst>
+      <p:ext uri="{BB962C8B-B14F-4D97-AF65-F5344CB8AC3E}">
+        <p14:creationId xmlns:p14="http://schemas.microsoft.com/office/powerpoint/2010/main" val="2223122228"/>
+      </p:ext>
+    </p:extLst>
+  </p:cSld>
+  <p:clrMapOvr>
+    <a:masterClrMapping/>
+  </p:clrMapOvr>
+</p:sld>
+</file>
+
+<file path=ppt/slides/slide8.xml><?xml version="1.0" encoding="utf-8"?>
+<p:sld xmlns:a="http://schemas.openxmlformats.org/drawingml/2006/main" xmlns:r="http://schemas.openxmlformats.org/officeDocument/2006/relationships" xmlns:p="http://schemas.openxmlformats.org/presentationml/2006/main">
+  <p:cSld>
+    <p:bg>
+      <p:bgPr>
+        <a:solidFill>
+          <a:schemeClr val="bg2"/>
+        </a:solidFill>
+        <a:effectLst/>
+      </p:bgPr>
+    </p:bg>
+    <p:spTree>
+      <p:nvGrpSpPr>
+        <p:cNvPr id="1" name="">
+          <a:extLst>
+            <a:ext uri="{FF2B5EF4-FFF2-40B4-BE49-F238E27FC236}">
+              <a16:creationId xmlns:a16="http://schemas.microsoft.com/office/drawing/2014/main" id="{1A191E0B-BE58-810B-73D4-35C1EF26EB64}"/>
+            </a:ext>
+          </a:extLst>
+        </p:cNvPr>
+        <p:cNvGrpSpPr/>
+        <p:nvPr/>
+      </p:nvGrpSpPr>
+      <p:grpSpPr>
+        <a:xfrm>
+          <a:off x="0" y="0"/>
+          <a:ext cx="0" cy="0"/>
+          <a:chOff x="0" y="0"/>
+          <a:chExt cx="0" cy="0"/>
+        </a:xfrm>
+      </p:grpSpPr>
+      <p:sp>
+        <p:nvSpPr>
+          <p:cNvPr id="9" name="Title 1">
+            <a:extLst>
+              <a:ext uri="{FF2B5EF4-FFF2-40B4-BE49-F238E27FC236}">
+                <a16:creationId xmlns:a16="http://schemas.microsoft.com/office/drawing/2014/main" id="{7246A38E-7973-6AD6-2D7C-223209C3836D}"/>
+              </a:ext>
+            </a:extLst>
+          </p:cNvPr>
+          <p:cNvSpPr txBox="1">
+            <a:spLocks/>
+          </p:cNvSpPr>
+          <p:nvPr/>
+        </p:nvSpPr>
+        <p:spPr>
+          <a:xfrm>
+            <a:off x="-149470" y="-224757"/>
+            <a:ext cx="5641848" cy="1293091"/>
+          </a:xfrm>
+          <a:prstGeom prst="rect">
+            <a:avLst/>
+          </a:prstGeom>
+        </p:spPr>
+        <p:txBody>
+          <a:bodyPr vert="horz" lIns="91440" tIns="45720" rIns="91440" bIns="45720" rtlCol="0" anchor="b" anchorCtr="0">
+            <a:noAutofit/>
+          </a:bodyPr>
+          <a:lstStyle>
+            <a:lvl1pPr algn="ctr" defTabSz="914400" rtl="0" eaLnBrk="1" latinLnBrk="0" hangingPunct="1">
+              <a:lnSpc>
+                <a:spcPct val="90000"/>
+              </a:lnSpc>
+              <a:spcBef>
+                <a:spcPct val="0"/>
+              </a:spcBef>
+              <a:buNone/>
+              <a:defRPr sz="4800" kern="1200" cap="none" baseline="0">
+                <a:solidFill>
+                  <a:schemeClr val="tx1"/>
+                </a:solidFill>
+                <a:latin typeface="+mj-lt"/>
+                <a:ea typeface="+mj-ea"/>
+                <a:cs typeface="+mj-cs"/>
+              </a:defRPr>
+            </a:lvl1pPr>
+          </a:lstStyle>
+          <a:p>
+            <a:r>
+              <a:rPr lang="en-US" dirty="0"/>
+              <a:t>LZW Coding</a:t>
+            </a:r>
+          </a:p>
+        </p:txBody>
+      </p:sp>
+      <p:sp>
+        <p:nvSpPr>
+          <p:cNvPr id="10" name="TextBox 9">
+            <a:extLst>
+              <a:ext uri="{FF2B5EF4-FFF2-40B4-BE49-F238E27FC236}">
+                <a16:creationId xmlns:a16="http://schemas.microsoft.com/office/drawing/2014/main" id="{A70E1A33-DEA6-50F1-A23A-F6486EA5303F}"/>
+              </a:ext>
+            </a:extLst>
+          </p:cNvPr>
+          <p:cNvSpPr txBox="1"/>
+          <p:nvPr/>
+        </p:nvSpPr>
+        <p:spPr>
+          <a:xfrm>
+            <a:off x="817682" y="1143855"/>
+            <a:ext cx="10788161" cy="1200329"/>
+          </a:xfrm>
+          <a:prstGeom prst="rect">
+            <a:avLst/>
+          </a:prstGeom>
+          <a:noFill/>
+        </p:spPr>
+        <p:txBody>
+          <a:bodyPr wrap="square">
+            <a:spAutoFit/>
+          </a:bodyPr>
+          <a:lstStyle/>
+          <a:p>
+            <a:r>
+              <a:rPr lang="en-US" sz="2400" dirty="0"/>
+              <a:t>LZW (Lempel-Ziv-Welch) coding is a lossless data compression algorithm that builds a dictionary of substrings dynamically as it encodes data. It replaces repeated substrings with shorter codes, achieving compression by removing redundancy.</a:t>
+            </a:r>
+          </a:p>
+        </p:txBody>
+      </p:sp>
+      <p:sp>
+        <p:nvSpPr>
+          <p:cNvPr id="12" name="TextBox 11">
+            <a:extLst>
+              <a:ext uri="{FF2B5EF4-FFF2-40B4-BE49-F238E27FC236}">
+                <a16:creationId xmlns:a16="http://schemas.microsoft.com/office/drawing/2014/main" id="{6656CF81-614F-7120-75B2-5B02B7437853}"/>
+              </a:ext>
+            </a:extLst>
+          </p:cNvPr>
+          <p:cNvSpPr txBox="1"/>
+          <p:nvPr/>
+        </p:nvSpPr>
+        <p:spPr>
+          <a:xfrm>
+            <a:off x="817683" y="2679890"/>
+            <a:ext cx="10788160" cy="2031325"/>
+          </a:xfrm>
+          <a:prstGeom prst="rect">
+            <a:avLst/>
+          </a:prstGeom>
+          <a:noFill/>
+        </p:spPr>
+        <p:txBody>
+          <a:bodyPr wrap="square">
+            <a:spAutoFit/>
+          </a:bodyPr>
+          <a:lstStyle/>
+          <a:p>
+            <a:r>
+              <a:rPr lang="en-US" b="1" dirty="0"/>
+              <a:t>Algorithm:</a:t>
+            </a:r>
+          </a:p>
+          <a:p>
+            <a:pPr marL="285750" indent="-285750">
+              <a:buFont typeface="Arial" panose="020B0604020202020204" pitchFamily="34" charset="0"/>
+              <a:buChar char="•"/>
+            </a:pPr>
+            <a:r>
+              <a:rPr lang="en-US" dirty="0"/>
+              <a:t>Initialize Dictionary: Start with single-character codes.</a:t>
+            </a:r>
+          </a:p>
+          <a:p>
+            <a:pPr marL="285750" indent="-285750">
+              <a:buFont typeface="Arial" panose="020B0604020202020204" pitchFamily="34" charset="0"/>
+              <a:buChar char="•"/>
+            </a:pPr>
+            <a:r>
+              <a:rPr lang="en-US" dirty="0"/>
+              <a:t>Encode:</a:t>
+            </a:r>
+          </a:p>
+          <a:p>
+            <a:pPr marL="742950" lvl="1" indent="-285750">
+              <a:buFont typeface="Arial" panose="020B0604020202020204" pitchFamily="34" charset="0"/>
+              <a:buChar char="•"/>
+            </a:pPr>
+            <a:r>
+              <a:rPr lang="en-US" dirty="0"/>
+              <a:t>Find the longest substring in the dictionary.</a:t>
+            </a:r>
+          </a:p>
+          <a:p>
+            <a:pPr marL="742950" lvl="1" indent="-285750">
+              <a:buFont typeface="Arial" panose="020B0604020202020204" pitchFamily="34" charset="0"/>
+              <a:buChar char="•"/>
+            </a:pPr>
+            <a:r>
+              <a:rPr lang="en-US" dirty="0"/>
+              <a:t>Output its code.</a:t>
+            </a:r>
+          </a:p>
+          <a:p>
+            <a:pPr marL="742950" lvl="1" indent="-285750">
+              <a:buFont typeface="Arial" panose="020B0604020202020204" pitchFamily="34" charset="0"/>
+              <a:buChar char="•"/>
+            </a:pPr>
+            <a:r>
+              <a:rPr lang="en-US" dirty="0"/>
+              <a:t>Add the new substring (current + next symbol) to the dictionary.</a:t>
+            </a:r>
+          </a:p>
+          <a:p>
+            <a:pPr marL="285750" indent="-285750">
+              <a:buFont typeface="Arial" panose="020B0604020202020204" pitchFamily="34" charset="0"/>
+              <a:buChar char="•"/>
+            </a:pPr>
+            <a:r>
+              <a:rPr lang="en-US" dirty="0"/>
+              <a:t>Decode: Use the dictionary to replace codes with corresponding substrings.</a:t>
+            </a:r>
+          </a:p>
+        </p:txBody>
+      </p:sp>
+      <p:sp>
+        <p:nvSpPr>
+          <p:cNvPr id="13" name="TextBox 12">
+            <a:extLst>
+              <a:ext uri="{FF2B5EF4-FFF2-40B4-BE49-F238E27FC236}">
+                <a16:creationId xmlns:a16="http://schemas.microsoft.com/office/drawing/2014/main" id="{466A8F35-402E-80AE-AA2E-D130560E2911}"/>
+              </a:ext>
+            </a:extLst>
+          </p:cNvPr>
+          <p:cNvSpPr txBox="1"/>
+          <p:nvPr/>
+        </p:nvSpPr>
+        <p:spPr>
+          <a:xfrm>
+            <a:off x="817682" y="5046921"/>
+            <a:ext cx="10788161" cy="1200329"/>
+          </a:xfrm>
+          <a:prstGeom prst="rect">
+            <a:avLst/>
+          </a:prstGeom>
+          <a:noFill/>
+        </p:spPr>
+        <p:txBody>
+          <a:bodyPr wrap="square">
+            <a:spAutoFit/>
+          </a:bodyPr>
+          <a:lstStyle/>
+          <a:p>
+            <a:r>
+              <a:rPr lang="en-US" b="1" dirty="0"/>
+              <a:t>Where It Is Used</a:t>
+            </a:r>
+            <a:r>
+              <a:rPr lang="en-US" dirty="0"/>
+              <a:t>:</a:t>
+            </a:r>
+          </a:p>
+          <a:p>
+            <a:pPr marL="285750" indent="-285750">
+              <a:buFont typeface="Arial" panose="020B0604020202020204" pitchFamily="34" charset="0"/>
+              <a:buChar char="•"/>
+            </a:pPr>
+            <a:r>
+              <a:rPr lang="en-US" dirty="0"/>
+              <a:t>GIF and TIFF image formats.</a:t>
+            </a:r>
+          </a:p>
+          <a:p>
+            <a:pPr marL="285750" indent="-285750">
+              <a:buFont typeface="Arial" panose="020B0604020202020204" pitchFamily="34" charset="0"/>
+              <a:buChar char="•"/>
+            </a:pPr>
+            <a:r>
+              <a:rPr lang="en-US" dirty="0"/>
+              <a:t>ZIP file compression.</a:t>
+            </a:r>
+          </a:p>
+          <a:p>
+            <a:pPr marL="285750" indent="-285750">
+              <a:buFont typeface="Arial" panose="020B0604020202020204" pitchFamily="34" charset="0"/>
+              <a:buChar char="•"/>
+            </a:pPr>
+            <a:r>
+              <a:rPr lang="en-US" dirty="0"/>
+              <a:t>LZW is the basis for the compression in the Unix compress utility.</a:t>
+            </a:r>
+          </a:p>
+        </p:txBody>
+      </p:sp>
+    </p:spTree>
+    <p:extLst>
+      <p:ext uri="{BB962C8B-B14F-4D97-AF65-F5344CB8AC3E}">
+        <p14:creationId xmlns:p14="http://schemas.microsoft.com/office/powerpoint/2010/main" val="3882528687"/>
+      </p:ext>
+    </p:extLst>
+  </p:cSld>
+  <p:clrMapOvr>
+    <a:masterClrMapping/>
+  </p:clrMapOvr>
+</p:sld>
+</file>
+
+<file path=ppt/slides/slide9.xml><?xml version="1.0" encoding="utf-8"?>
+<p:sld xmlns:a="http://schemas.openxmlformats.org/drawingml/2006/main" xmlns:r="http://schemas.openxmlformats.org/officeDocument/2006/relationships" xmlns:p="http://schemas.openxmlformats.org/presentationml/2006/main">
+  <p:cSld>
+    <p:spTree>
+      <p:nvGrpSpPr>
+        <p:cNvPr id="1" name="">
+          <a:extLst>
+            <a:ext uri="{FF2B5EF4-FFF2-40B4-BE49-F238E27FC236}">
+              <a16:creationId xmlns:a16="http://schemas.microsoft.com/office/drawing/2014/main" id="{56FD70AD-6C66-4060-7D41-AE38A9300D79}"/>
+            </a:ext>
+          </a:extLst>
+        </p:cNvPr>
+        <p:cNvGrpSpPr/>
+        <p:nvPr/>
+      </p:nvGrpSpPr>
+      <p:grpSpPr>
+        <a:xfrm>
+          <a:off x="0" y="0"/>
+          <a:ext cx="0" cy="0"/>
+          <a:chOff x="0" y="0"/>
+          <a:chExt cx="0" cy="0"/>
+        </a:xfrm>
+      </p:grpSpPr>
+      <p:pic>
+        <p:nvPicPr>
+          <p:cNvPr id="6" name="Picture 5">
+            <a:extLst>
+              <a:ext uri="{FF2B5EF4-FFF2-40B4-BE49-F238E27FC236}">
+                <a16:creationId xmlns:a16="http://schemas.microsoft.com/office/drawing/2014/main" id="{C75FBE42-DD65-C3FE-16D9-9C7F0F3663C7}"/>
+              </a:ext>
+            </a:extLst>
+          </p:cNvPr>
+          <p:cNvPicPr>
+            <a:picLocks noChangeAspect="1"/>
+          </p:cNvPicPr>
+          <p:nvPr/>
+        </p:nvPicPr>
+        <p:blipFill>
+          <a:blip r:embed="rId3"/>
+          <a:stretch>
+            <a:fillRect/>
+          </a:stretch>
+        </p:blipFill>
+        <p:spPr>
+          <a:xfrm>
+            <a:off x="609589" y="685794"/>
+            <a:ext cx="10972822" cy="5486411"/>
+          </a:xfrm>
+          <a:prstGeom prst="rect">
+            <a:avLst/>
+          </a:prstGeom>
+        </p:spPr>
+      </p:pic>
+      <p:sp>
+        <p:nvSpPr>
+          <p:cNvPr id="13" name="Title 1">
+            <a:extLst>
+              <a:ext uri="{FF2B5EF4-FFF2-40B4-BE49-F238E27FC236}">
+                <a16:creationId xmlns:a16="http://schemas.microsoft.com/office/drawing/2014/main" id="{C6D56C7D-EB19-7DB2-ED17-79621B17B754}"/>
+              </a:ext>
+            </a:extLst>
+          </p:cNvPr>
+          <p:cNvSpPr txBox="1">
+            <a:spLocks/>
+          </p:cNvSpPr>
+          <p:nvPr/>
+        </p:nvSpPr>
+        <p:spPr>
+          <a:xfrm>
+            <a:off x="3275076" y="-219806"/>
+            <a:ext cx="5641848" cy="1293091"/>
+          </a:xfrm>
+          <a:prstGeom prst="rect">
+            <a:avLst/>
+          </a:prstGeom>
+        </p:spPr>
+        <p:txBody>
+          <a:bodyPr vert="horz" lIns="91440" tIns="45720" rIns="91440" bIns="45720" rtlCol="0" anchor="b" anchorCtr="0">
+            <a:noAutofit/>
+          </a:bodyPr>
+          <a:lstStyle>
+            <a:lvl1pPr algn="ctr" defTabSz="914400" rtl="0" eaLnBrk="1" latinLnBrk="0" hangingPunct="1">
+              <a:lnSpc>
+                <a:spcPct val="90000"/>
+              </a:lnSpc>
+              <a:spcBef>
+                <a:spcPct val="0"/>
+              </a:spcBef>
+              <a:buNone/>
+              <a:defRPr sz="4800" kern="1200" cap="none" baseline="0">
+                <a:solidFill>
+                  <a:schemeClr val="tx1"/>
+                </a:solidFill>
+                <a:latin typeface="+mj-lt"/>
+                <a:ea typeface="+mj-ea"/>
+                <a:cs typeface="+mj-cs"/>
+              </a:defRPr>
+            </a:lvl1pPr>
+          </a:lstStyle>
+          <a:p>
+            <a:r>
+              <a:rPr lang="en-US" dirty="0"/>
+              <a:t>LZW Coding</a:t>
+            </a:r>
+          </a:p>
+        </p:txBody>
+      </p:sp>
+    </p:spTree>
+    <p:extLst>
+      <p:ext uri="{BB962C8B-B14F-4D97-AF65-F5344CB8AC3E}">
+        <p14:creationId xmlns:p14="http://schemas.microsoft.com/office/powerpoint/2010/main" val="2447424666"/>
       </p:ext>
     </p:extLst>
   </p:cSld>
@@ -35033,6 +35551,15 @@
 </file>
 
 <file path=customXml/item2.xml><?xml version="1.0" encoding="utf-8"?>
+<?mso-contentType ?>
+<FormTemplates xmlns="http://schemas.microsoft.com/sharepoint/v3/contenttype/forms">
+  <Display>DocumentLibraryForm</Display>
+  <Edit>DocumentLibraryForm</Edit>
+  <New>DocumentLibraryForm</New>
+</FormTemplates>
+</file>
+
+<file path=customXml/item3.xml><?xml version="1.0" encoding="utf-8"?>
 <p:properties xmlns:p="http://schemas.microsoft.com/office/2006/metadata/properties" xmlns:xsi="http://www.w3.org/2001/XMLSchema-instance" xmlns:pc="http://schemas.microsoft.com/office/infopath/2007/PartnerControls">
   <documentManagement>
     <_ip_UnifiedCompliancePolicyUIAction xmlns="http://schemas.microsoft.com/sharepoint/v3" xsi:nil="true"/>
@@ -35050,15 +35577,6 @@
     <MediaServiceKeyPoints xmlns="71af3243-3dd4-4a8d-8c0d-dd76da1f02a5" xsi:nil="true"/>
   </documentManagement>
 </p:properties>
-</file>
-
-<file path=customXml/item3.xml><?xml version="1.0" encoding="utf-8"?>
-<?mso-contentType ?>
-<FormTemplates xmlns="http://schemas.microsoft.com/sharepoint/v3/contenttype/forms">
-  <Display>DocumentLibraryForm</Display>
-  <Edit>DocumentLibraryForm</Edit>
-  <New>DocumentLibraryForm</New>
-</FormTemplates>
 </file>
 
 <file path=customXml/itemProps1.xml><?xml version="1.0" encoding="utf-8"?>
@@ -35083,6 +35601,14 @@
 </file>
 
 <file path=customXml/itemProps2.xml><?xml version="1.0" encoding="utf-8"?>
+<ds:datastoreItem xmlns:ds="http://schemas.openxmlformats.org/officeDocument/2006/customXml" ds:itemID="{1249AD37-9510-4A2D-B790-12C439A83F93}">
+  <ds:schemaRefs>
+    <ds:schemaRef ds:uri="http://schemas.microsoft.com/sharepoint/v3/contenttype/forms"/>
+  </ds:schemaRefs>
+</ds:datastoreItem>
+</file>
+
+<file path=customXml/itemProps3.xml><?xml version="1.0" encoding="utf-8"?>
 <ds:datastoreItem xmlns:ds="http://schemas.openxmlformats.org/officeDocument/2006/customXml" ds:itemID="{85DF9CEC-52C2-4D14-B2F5-11176002A8B6}">
   <ds:schemaRefs>
     <ds:schemaRef ds:uri="http://schemas.microsoft.com/office/2006/metadata/properties"/>
@@ -35094,14 +35620,6 @@
 </ds:datastoreItem>
 </file>
 
-<file path=customXml/itemProps3.xml><?xml version="1.0" encoding="utf-8"?>
-<ds:datastoreItem xmlns:ds="http://schemas.openxmlformats.org/officeDocument/2006/customXml" ds:itemID="{1249AD37-9510-4A2D-B790-12C439A83F93}">
-  <ds:schemaRefs>
-    <ds:schemaRef ds:uri="http://schemas.microsoft.com/sharepoint/v3/contenttype/forms"/>
-  </ds:schemaRefs>
-</ds:datastoreItem>
-</file>
-
 <file path=docMetadata/LabelInfo.xml><?xml version="1.0" encoding="utf-8"?>
 <clbl:labelList xmlns:clbl="http://schemas.microsoft.com/office/2020/mipLabelMetadata"/>
 </file>